--- a/MongoDB資料庫-基礎教學.pptx
+++ b/MongoDB資料庫-基礎教學.pptx
@@ -24,10 +24,14 @@
     <p:sldId id="274" r:id="rId18"/>
     <p:sldId id="275" r:id="rId19"/>
     <p:sldId id="277" r:id="rId20"/>
-    <p:sldId id="279" r:id="rId21"/>
-    <p:sldId id="278" r:id="rId22"/>
-    <p:sldId id="280" r:id="rId23"/>
-    <p:sldId id="281" r:id="rId24"/>
+    <p:sldId id="282" r:id="rId21"/>
+    <p:sldId id="263" r:id="rId22"/>
+    <p:sldId id="283" r:id="rId23"/>
+    <p:sldId id="284" r:id="rId24"/>
+    <p:sldId id="279" r:id="rId25"/>
+    <p:sldId id="278" r:id="rId26"/>
+    <p:sldId id="280" r:id="rId27"/>
+    <p:sldId id="281" r:id="rId28"/>
   </p:sldIdLst>
   <p:sldSz cx="9144000" cy="6858000" type="screen4x3"/>
   <p:notesSz cx="6858000" cy="9144000"/>
@@ -166,11 +170,15 @@
             <p14:sldId id="274"/>
             <p14:sldId id="275"/>
             <p14:sldId id="277"/>
-            <p14:sldId id="279"/>
           </p14:sldIdLst>
         </p14:section>
-        <p14:section name="Flask" id="{0ABC3358-764A-4DA0-BEF6-92E9A045424E}">
+        <p14:section name="Python" id="{533D039C-CA44-4141-AD07-D462121FEB5B}">
           <p14:sldIdLst>
+            <p14:sldId id="282"/>
+            <p14:sldId id="263"/>
+            <p14:sldId id="283"/>
+            <p14:sldId id="284"/>
+            <p14:sldId id="279"/>
             <p14:sldId id="278"/>
           </p14:sldIdLst>
         </p14:section>
@@ -5649,6 +5657,1808 @@
           <p:cNvPr id="2" name="標題 1">
             <a:extLst>
               <a:ext uri="{FF2B5EF4-FFF2-40B4-BE49-F238E27FC236}">
+                <a16:creationId xmlns:a16="http://schemas.microsoft.com/office/drawing/2014/main" id="{587E68AB-A373-4D57-84D2-14D6C6ED6A6E}"/>
+              </a:ext>
+            </a:extLst>
+          </p:cNvPr>
+          <p:cNvSpPr>
+            <a:spLocks noGrp="1"/>
+          </p:cNvSpPr>
+          <p:nvPr>
+            <p:ph type="title"/>
+          </p:nvPr>
+        </p:nvSpPr>
+        <p:spPr>
+          <a:xfrm>
+            <a:off x="857250" y="1167491"/>
+            <a:ext cx="7406640" cy="431541"/>
+          </a:xfrm>
+        </p:spPr>
+        <p:txBody>
+          <a:bodyPr>
+            <a:normAutofit fontScale="90000"/>
+          </a:bodyPr>
+          <a:lstStyle/>
+          <a:p>
+            <a:pPr algn="ctr"/>
+            <a:r>
+              <a:rPr lang="zh-TW" altLang="en-US" dirty="0">
+                <a:latin typeface="微軟正黑體" panose="020B0604030504040204" pitchFamily="34" charset="-120"/>
+                <a:ea typeface="微軟正黑體" panose="020B0604030504040204" pitchFamily="34" charset="-120"/>
+              </a:rPr>
+              <a:t>下載</a:t>
+            </a:r>
+            <a:r>
+              <a:rPr lang="en-US" altLang="zh-TW" dirty="0">
+                <a:latin typeface="微軟正黑體" panose="020B0604030504040204" pitchFamily="34" charset="-120"/>
+                <a:ea typeface="微軟正黑體" panose="020B0604030504040204" pitchFamily="34" charset="-120"/>
+              </a:rPr>
+              <a:t>Python</a:t>
+            </a:r>
+            <a:r>
+              <a:rPr lang="zh-TW" altLang="en-US" dirty="0">
+                <a:latin typeface="微軟正黑體" panose="020B0604030504040204" pitchFamily="34" charset="-120"/>
+                <a:ea typeface="微軟正黑體" panose="020B0604030504040204" pitchFamily="34" charset="-120"/>
+              </a:rPr>
+              <a:t>安裝檔</a:t>
+            </a:r>
+          </a:p>
+        </p:txBody>
+      </p:sp>
+      <p:sp>
+        <p:nvSpPr>
+          <p:cNvPr id="20" name="文字方塊 19">
+            <a:extLst>
+              <a:ext uri="{FF2B5EF4-FFF2-40B4-BE49-F238E27FC236}">
+                <a16:creationId xmlns:a16="http://schemas.microsoft.com/office/drawing/2014/main" id="{E1969399-FA59-4633-8590-487BA8A60B04}"/>
+              </a:ext>
+            </a:extLst>
+          </p:cNvPr>
+          <p:cNvSpPr txBox="1"/>
+          <p:nvPr/>
+        </p:nvSpPr>
+        <p:spPr>
+          <a:xfrm>
+            <a:off x="1276523" y="1785112"/>
+            <a:ext cx="6568094" cy="830997"/>
+          </a:xfrm>
+          <a:prstGeom prst="rect">
+            <a:avLst/>
+          </a:prstGeom>
+          <a:noFill/>
+        </p:spPr>
+        <p:txBody>
+          <a:bodyPr wrap="square" rtlCol="0">
+            <a:spAutoFit/>
+          </a:bodyPr>
+          <a:lstStyle/>
+          <a:p>
+            <a:pPr algn="ctr"/>
+            <a:r>
+              <a:rPr lang="en-US" altLang="zh-TW" sz="2400" dirty="0">
+                <a:latin typeface="微軟正黑體" panose="020B0604030504040204" pitchFamily="34" charset="-120"/>
+                <a:ea typeface="微軟正黑體" panose="020B0604030504040204" pitchFamily="34" charset="-120"/>
+              </a:rPr>
+              <a:t>Google</a:t>
+            </a:r>
+            <a:r>
+              <a:rPr lang="zh-TW" altLang="en-US" sz="2400" dirty="0">
+                <a:latin typeface="微軟正黑體" panose="020B0604030504040204" pitchFamily="34" charset="-120"/>
+                <a:ea typeface="微軟正黑體" panose="020B0604030504040204" pitchFamily="34" charset="-120"/>
+              </a:rPr>
+              <a:t> 搜尋 </a:t>
+            </a:r>
+            <a:r>
+              <a:rPr lang="en-US" altLang="zh-TW" sz="2400" dirty="0">
+                <a:latin typeface="微軟正黑體" panose="020B0604030504040204" pitchFamily="34" charset="-120"/>
+                <a:ea typeface="微軟正黑體" panose="020B0604030504040204" pitchFamily="34" charset="-120"/>
+              </a:rPr>
+              <a:t>Python Download</a:t>
+            </a:r>
+          </a:p>
+          <a:p>
+            <a:pPr algn="ctr"/>
+            <a:r>
+              <a:rPr lang="zh-TW" altLang="en-US" sz="2400" dirty="0">
+                <a:latin typeface="微軟正黑體" panose="020B0604030504040204" pitchFamily="34" charset="-120"/>
+                <a:ea typeface="微軟正黑體" panose="020B0604030504040204" pitchFamily="34" charset="-120"/>
+              </a:rPr>
+              <a:t>或點</a:t>
+            </a:r>
+            <a:r>
+              <a:rPr lang="en-US" altLang="zh-TW" sz="2400" dirty="0">
+                <a:hlinkClick r:id="rId2"/>
+              </a:rPr>
+              <a:t>https://www.python.org/downloads/</a:t>
+            </a:r>
+            <a:endParaRPr lang="zh-TW" altLang="en-US" sz="2400" dirty="0">
+              <a:latin typeface="微軟正黑體" panose="020B0604030504040204" pitchFamily="34" charset="-120"/>
+              <a:ea typeface="微軟正黑體" panose="020B0604030504040204" pitchFamily="34" charset="-120"/>
+            </a:endParaRPr>
+          </a:p>
+        </p:txBody>
+      </p:sp>
+      <p:pic>
+        <p:nvPicPr>
+          <p:cNvPr id="3" name="圖片 2">
+            <a:extLst>
+              <a:ext uri="{FF2B5EF4-FFF2-40B4-BE49-F238E27FC236}">
+                <a16:creationId xmlns:a16="http://schemas.microsoft.com/office/drawing/2014/main" id="{6E7A0DC8-9549-487F-AF96-60C6802E3BA7}"/>
+              </a:ext>
+            </a:extLst>
+          </p:cNvPr>
+          <p:cNvPicPr>
+            <a:picLocks noChangeAspect="1"/>
+          </p:cNvPicPr>
+          <p:nvPr/>
+        </p:nvPicPr>
+        <p:blipFill>
+          <a:blip r:embed="rId3"/>
+          <a:stretch>
+            <a:fillRect/>
+          </a:stretch>
+        </p:blipFill>
+        <p:spPr>
+          <a:xfrm>
+            <a:off x="1445542" y="2695719"/>
+            <a:ext cx="6252916" cy="2994791"/>
+          </a:xfrm>
+          <a:prstGeom prst="rect">
+            <a:avLst/>
+          </a:prstGeom>
+        </p:spPr>
+      </p:pic>
+    </p:spTree>
+    <p:extLst>
+      <p:ext uri="{BB962C8B-B14F-4D97-AF65-F5344CB8AC3E}">
+        <p14:creationId xmlns:p14="http://schemas.microsoft.com/office/powerpoint/2010/main" val="217888289"/>
+      </p:ext>
+    </p:extLst>
+  </p:cSld>
+  <p:clrMapOvr>
+    <a:masterClrMapping/>
+  </p:clrMapOvr>
+  <p:transition spd="slow">
+    <p:push dir="u"/>
+  </p:transition>
+</p:sld>
+</file>
+
+<file path=ppt/slides/slide21.xml><?xml version="1.0" encoding="utf-8"?>
+<p:sld xmlns:a="http://schemas.openxmlformats.org/drawingml/2006/main" xmlns:r="http://schemas.openxmlformats.org/officeDocument/2006/relationships" xmlns:p="http://schemas.openxmlformats.org/presentationml/2006/main">
+  <p:cSld>
+    <p:spTree>
+      <p:nvGrpSpPr>
+        <p:cNvPr id="1" name=""/>
+        <p:cNvGrpSpPr/>
+        <p:nvPr/>
+      </p:nvGrpSpPr>
+      <p:grpSpPr>
+        <a:xfrm>
+          <a:off x="0" y="0"/>
+          <a:ext cx="0" cy="0"/>
+          <a:chOff x="0" y="0"/>
+          <a:chExt cx="0" cy="0"/>
+        </a:xfrm>
+      </p:grpSpPr>
+      <p:sp>
+        <p:nvSpPr>
+          <p:cNvPr id="2" name="標題 1">
+            <a:extLst>
+              <a:ext uri="{FF2B5EF4-FFF2-40B4-BE49-F238E27FC236}">
+                <a16:creationId xmlns:a16="http://schemas.microsoft.com/office/drawing/2014/main" id="{587E68AB-A373-4D57-84D2-14D6C6ED6A6E}"/>
+              </a:ext>
+            </a:extLst>
+          </p:cNvPr>
+          <p:cNvSpPr>
+            <a:spLocks noGrp="1"/>
+          </p:cNvSpPr>
+          <p:nvPr>
+            <p:ph type="title"/>
+          </p:nvPr>
+        </p:nvSpPr>
+        <p:spPr>
+          <a:xfrm>
+            <a:off x="857250" y="1167491"/>
+            <a:ext cx="7406640" cy="431541"/>
+          </a:xfrm>
+        </p:spPr>
+        <p:txBody>
+          <a:bodyPr>
+            <a:normAutofit fontScale="90000"/>
+          </a:bodyPr>
+          <a:lstStyle/>
+          <a:p>
+            <a:pPr algn="ctr"/>
+            <a:r>
+              <a:rPr lang="zh-TW" altLang="en-US" dirty="0">
+                <a:latin typeface="微軟正黑體" panose="020B0604030504040204" pitchFamily="34" charset="-120"/>
+                <a:ea typeface="微軟正黑體" panose="020B0604030504040204" pitchFamily="34" charset="-120"/>
+              </a:rPr>
+              <a:t>安裝</a:t>
+            </a:r>
+            <a:r>
+              <a:rPr lang="en-US" altLang="zh-TW" dirty="0">
+                <a:latin typeface="微軟正黑體" panose="020B0604030504040204" pitchFamily="34" charset="-120"/>
+                <a:ea typeface="微軟正黑體" panose="020B0604030504040204" pitchFamily="34" charset="-120"/>
+              </a:rPr>
+              <a:t>Python</a:t>
+            </a:r>
+            <a:endParaRPr lang="zh-TW" altLang="en-US" dirty="0">
+              <a:latin typeface="微軟正黑體" panose="020B0604030504040204" pitchFamily="34" charset="-120"/>
+              <a:ea typeface="微軟正黑體" panose="020B0604030504040204" pitchFamily="34" charset="-120"/>
+            </a:endParaRPr>
+          </a:p>
+        </p:txBody>
+      </p:sp>
+      <p:pic>
+        <p:nvPicPr>
+          <p:cNvPr id="10" name="圖片 9" descr="一張含有 螢幕擷取畫面 的圖片&#10;&#10;自動產生的描述">
+            <a:extLst>
+              <a:ext uri="{FF2B5EF4-FFF2-40B4-BE49-F238E27FC236}">
+                <a16:creationId xmlns:a16="http://schemas.microsoft.com/office/drawing/2014/main" id="{813D2235-501F-46D8-90BA-0C55123928E8}"/>
+              </a:ext>
+            </a:extLst>
+          </p:cNvPr>
+          <p:cNvPicPr>
+            <a:picLocks noChangeAspect="1"/>
+          </p:cNvPicPr>
+          <p:nvPr/>
+        </p:nvPicPr>
+        <p:blipFill>
+          <a:blip r:embed="rId2"/>
+          <a:stretch>
+            <a:fillRect/>
+          </a:stretch>
+        </p:blipFill>
+        <p:spPr>
+          <a:xfrm>
+            <a:off x="4868249" y="3156882"/>
+            <a:ext cx="3937842" cy="2437988"/>
+          </a:xfrm>
+          <a:prstGeom prst="rect">
+            <a:avLst/>
+          </a:prstGeom>
+        </p:spPr>
+      </p:pic>
+      <p:pic>
+        <p:nvPicPr>
+          <p:cNvPr id="11" name="圖片 10">
+            <a:extLst>
+              <a:ext uri="{FF2B5EF4-FFF2-40B4-BE49-F238E27FC236}">
+                <a16:creationId xmlns:a16="http://schemas.microsoft.com/office/drawing/2014/main" id="{DDC79CE1-9CA9-45F9-8953-04438EEC69A8}"/>
+              </a:ext>
+            </a:extLst>
+          </p:cNvPr>
+          <p:cNvPicPr>
+            <a:picLocks noChangeAspect="1"/>
+          </p:cNvPicPr>
+          <p:nvPr/>
+        </p:nvPicPr>
+        <p:blipFill>
+          <a:blip r:embed="rId3"/>
+          <a:stretch>
+            <a:fillRect/>
+          </a:stretch>
+        </p:blipFill>
+        <p:spPr>
+          <a:xfrm>
+            <a:off x="548237" y="1969048"/>
+            <a:ext cx="3853480" cy="2375668"/>
+          </a:xfrm>
+          <a:prstGeom prst="rect">
+            <a:avLst/>
+          </a:prstGeom>
+        </p:spPr>
+      </p:pic>
+      <p:sp>
+        <p:nvSpPr>
+          <p:cNvPr id="13" name="矩形: 圓角 12">
+            <a:extLst>
+              <a:ext uri="{FF2B5EF4-FFF2-40B4-BE49-F238E27FC236}">
+                <a16:creationId xmlns:a16="http://schemas.microsoft.com/office/drawing/2014/main" id="{84256098-BBA0-46E8-A694-4AF76F1F16B5}"/>
+              </a:ext>
+            </a:extLst>
+          </p:cNvPr>
+          <p:cNvSpPr/>
+          <p:nvPr/>
+        </p:nvSpPr>
+        <p:spPr>
+          <a:xfrm>
+            <a:off x="1571106" y="4092980"/>
+            <a:ext cx="1097280" cy="174567"/>
+          </a:xfrm>
+          <a:prstGeom prst="roundRect">
+            <a:avLst/>
+          </a:prstGeom>
+          <a:noFill/>
+          <a:ln w="28575" cap="flat" cmpd="sng" algn="ctr">
+            <a:solidFill>
+              <a:srgbClr val="FF0000"/>
+            </a:solidFill>
+            <a:prstDash val="solid"/>
+            <a:round/>
+            <a:headEnd type="none" w="med" len="med"/>
+            <a:tailEnd type="none" w="med" len="med"/>
+          </a:ln>
+        </p:spPr>
+        <p:style>
+          <a:lnRef idx="0">
+            <a:scrgbClr r="0" g="0" b="0"/>
+          </a:lnRef>
+          <a:fillRef idx="0">
+            <a:scrgbClr r="0" g="0" b="0"/>
+          </a:fillRef>
+          <a:effectRef idx="0">
+            <a:scrgbClr r="0" g="0" b="0"/>
+          </a:effectRef>
+          <a:fontRef idx="minor">
+            <a:schemeClr val="accent2"/>
+          </a:fontRef>
+        </p:style>
+        <p:txBody>
+          <a:bodyPr rtlCol="0" anchor="ctr"/>
+          <a:lstStyle/>
+          <a:p>
+            <a:pPr algn="ctr"/>
+            <a:endParaRPr lang="zh-TW" altLang="en-US" sz="1350"/>
+          </a:p>
+        </p:txBody>
+      </p:sp>
+      <p:sp>
+        <p:nvSpPr>
+          <p:cNvPr id="21" name="文字方塊 20">
+            <a:extLst>
+              <a:ext uri="{FF2B5EF4-FFF2-40B4-BE49-F238E27FC236}">
+                <a16:creationId xmlns:a16="http://schemas.microsoft.com/office/drawing/2014/main" id="{F6177CAF-E60C-476D-9597-9001BDEF3391}"/>
+              </a:ext>
+            </a:extLst>
+          </p:cNvPr>
+          <p:cNvSpPr txBox="1"/>
+          <p:nvPr/>
+        </p:nvSpPr>
+        <p:spPr>
+          <a:xfrm>
+            <a:off x="2626601" y="4067716"/>
+            <a:ext cx="877163" cy="300082"/>
+          </a:xfrm>
+          <a:prstGeom prst="rect">
+            <a:avLst/>
+          </a:prstGeom>
+          <a:noFill/>
+        </p:spPr>
+        <p:txBody>
+          <a:bodyPr wrap="none" rtlCol="0">
+            <a:spAutoFit/>
+          </a:bodyPr>
+          <a:lstStyle/>
+          <a:p>
+            <a:pPr algn="ctr"/>
+            <a:r>
+              <a:rPr lang="zh-TW" altLang="en-US" sz="1350" dirty="0">
+                <a:solidFill>
+                  <a:srgbClr val="FF0000"/>
+                </a:solidFill>
+                <a:latin typeface="微軟正黑體" panose="020B0604030504040204" pitchFamily="34" charset="-120"/>
+                <a:ea typeface="微軟正黑體" panose="020B0604030504040204" pitchFamily="34" charset="-120"/>
+              </a:rPr>
+              <a:t>記得打勾</a:t>
+            </a:r>
+          </a:p>
+        </p:txBody>
+      </p:sp>
+      <p:sp>
+        <p:nvSpPr>
+          <p:cNvPr id="38" name="矩形: 圓角 37">
+            <a:extLst>
+              <a:ext uri="{FF2B5EF4-FFF2-40B4-BE49-F238E27FC236}">
+                <a16:creationId xmlns:a16="http://schemas.microsoft.com/office/drawing/2014/main" id="{CD1B6651-6187-4C34-9010-01D2BBC87DD4}"/>
+              </a:ext>
+            </a:extLst>
+          </p:cNvPr>
+          <p:cNvSpPr/>
+          <p:nvPr/>
+        </p:nvSpPr>
+        <p:spPr>
+          <a:xfrm>
+            <a:off x="5941522" y="4703965"/>
+            <a:ext cx="2736965" cy="411480"/>
+          </a:xfrm>
+          <a:prstGeom prst="roundRect">
+            <a:avLst/>
+          </a:prstGeom>
+          <a:noFill/>
+          <a:ln w="28575" cap="flat" cmpd="sng" algn="ctr">
+            <a:solidFill>
+              <a:srgbClr val="FF0000"/>
+            </a:solidFill>
+            <a:prstDash val="solid"/>
+            <a:round/>
+            <a:headEnd type="none" w="med" len="med"/>
+            <a:tailEnd type="none" w="med" len="med"/>
+          </a:ln>
+        </p:spPr>
+        <p:style>
+          <a:lnRef idx="0">
+            <a:scrgbClr r="0" g="0" b="0"/>
+          </a:lnRef>
+          <a:fillRef idx="0">
+            <a:scrgbClr r="0" g="0" b="0"/>
+          </a:fillRef>
+          <a:effectRef idx="0">
+            <a:scrgbClr r="0" g="0" b="0"/>
+          </a:effectRef>
+          <a:fontRef idx="minor">
+            <a:schemeClr val="accent2"/>
+          </a:fontRef>
+        </p:style>
+        <p:txBody>
+          <a:bodyPr rtlCol="0" anchor="ctr"/>
+          <a:lstStyle/>
+          <a:p>
+            <a:pPr algn="ctr"/>
+            <a:endParaRPr lang="zh-TW" altLang="en-US" sz="1350"/>
+          </a:p>
+        </p:txBody>
+      </p:sp>
+      <p:sp>
+        <p:nvSpPr>
+          <p:cNvPr id="41" name="文字方塊 40">
+            <a:extLst>
+              <a:ext uri="{FF2B5EF4-FFF2-40B4-BE49-F238E27FC236}">
+                <a16:creationId xmlns:a16="http://schemas.microsoft.com/office/drawing/2014/main" id="{C91FD76D-F7AC-40C5-B149-1E05CF2F2120}"/>
+              </a:ext>
+            </a:extLst>
+          </p:cNvPr>
+          <p:cNvSpPr txBox="1"/>
+          <p:nvPr/>
+        </p:nvSpPr>
+        <p:spPr>
+          <a:xfrm>
+            <a:off x="8343780" y="4436756"/>
+            <a:ext cx="357791" cy="300082"/>
+          </a:xfrm>
+          <a:prstGeom prst="rect">
+            <a:avLst/>
+          </a:prstGeom>
+          <a:noFill/>
+        </p:spPr>
+        <p:txBody>
+          <a:bodyPr wrap="none" rtlCol="0">
+            <a:spAutoFit/>
+          </a:bodyPr>
+          <a:lstStyle/>
+          <a:p>
+            <a:pPr algn="ctr"/>
+            <a:r>
+              <a:rPr lang="zh-TW" altLang="en-US" sz="1350" dirty="0">
+                <a:solidFill>
+                  <a:srgbClr val="FF0000"/>
+                </a:solidFill>
+                <a:latin typeface="微軟正黑體" panose="020B0604030504040204" pitchFamily="34" charset="-120"/>
+                <a:ea typeface="微軟正黑體" panose="020B0604030504040204" pitchFamily="34" charset="-120"/>
+              </a:rPr>
+              <a:t>點</a:t>
+            </a:r>
+          </a:p>
+        </p:txBody>
+      </p:sp>
+      <p:sp>
+        <p:nvSpPr>
+          <p:cNvPr id="42" name="文字方塊 41">
+            <a:extLst>
+              <a:ext uri="{FF2B5EF4-FFF2-40B4-BE49-F238E27FC236}">
+                <a16:creationId xmlns:a16="http://schemas.microsoft.com/office/drawing/2014/main" id="{F15F9B20-1B76-4BAD-BAA7-466EA25855F7}"/>
+              </a:ext>
+            </a:extLst>
+          </p:cNvPr>
+          <p:cNvSpPr txBox="1"/>
+          <p:nvPr/>
+        </p:nvSpPr>
+        <p:spPr>
+          <a:xfrm>
+            <a:off x="1240224" y="4888953"/>
+            <a:ext cx="2106645" cy="646331"/>
+          </a:xfrm>
+          <a:prstGeom prst="rect">
+            <a:avLst/>
+          </a:prstGeom>
+          <a:noFill/>
+        </p:spPr>
+        <p:txBody>
+          <a:bodyPr wrap="square" rtlCol="0">
+            <a:spAutoFit/>
+          </a:bodyPr>
+          <a:lstStyle/>
+          <a:p>
+            <a:pPr algn="ctr"/>
+            <a:r>
+              <a:rPr lang="zh-TW" altLang="en-US" dirty="0">
+                <a:latin typeface="微軟正黑體" panose="020B0604030504040204" pitchFamily="34" charset="-120"/>
+                <a:ea typeface="微軟正黑體" panose="020B0604030504040204" pitchFamily="34" charset="-120"/>
+              </a:rPr>
+              <a:t>想了解可</a:t>
+            </a:r>
+            <a:r>
+              <a:rPr lang="en-US" altLang="zh-TW" dirty="0">
+                <a:latin typeface="微軟正黑體" panose="020B0604030504040204" pitchFamily="34" charset="-120"/>
+                <a:ea typeface="微軟正黑體" panose="020B0604030504040204" pitchFamily="34" charset="-120"/>
+              </a:rPr>
+              <a:t>Google</a:t>
+            </a:r>
+          </a:p>
+          <a:p>
+            <a:pPr algn="ctr"/>
+            <a:r>
+              <a:rPr lang="en-US" altLang="zh-TW" dirty="0">
+                <a:latin typeface="微軟正黑體" panose="020B0604030504040204" pitchFamily="34" charset="-120"/>
+                <a:ea typeface="微軟正黑體" panose="020B0604030504040204" pitchFamily="34" charset="-120"/>
+              </a:rPr>
+              <a:t>“</a:t>
+            </a:r>
+            <a:r>
+              <a:rPr lang="zh-TW" altLang="en-US" dirty="0">
+                <a:latin typeface="微軟正黑體" panose="020B0604030504040204" pitchFamily="34" charset="-120"/>
+                <a:ea typeface="微軟正黑體" panose="020B0604030504040204" pitchFamily="34" charset="-120"/>
+              </a:rPr>
+              <a:t>環境變數 </a:t>
+            </a:r>
+            <a:r>
+              <a:rPr lang="en-US" altLang="zh-TW" dirty="0">
+                <a:latin typeface="微軟正黑體" panose="020B0604030504040204" pitchFamily="34" charset="-120"/>
+                <a:ea typeface="微軟正黑體" panose="020B0604030504040204" pitchFamily="34" charset="-120"/>
+              </a:rPr>
+              <a:t>PATH”</a:t>
+            </a:r>
+          </a:p>
+        </p:txBody>
+      </p:sp>
+      <p:cxnSp>
+        <p:nvCxnSpPr>
+          <p:cNvPr id="24" name="直線單箭頭接點 23">
+            <a:extLst>
+              <a:ext uri="{FF2B5EF4-FFF2-40B4-BE49-F238E27FC236}">
+                <a16:creationId xmlns:a16="http://schemas.microsoft.com/office/drawing/2014/main" id="{DE77EF12-E885-4D77-A2CD-64862D0C386F}"/>
+              </a:ext>
+            </a:extLst>
+          </p:cNvPr>
+          <p:cNvCxnSpPr>
+            <a:cxnSpLocks/>
+            <a:stCxn id="42" idx="0"/>
+          </p:cNvCxnSpPr>
+          <p:nvPr/>
+        </p:nvCxnSpPr>
+        <p:spPr>
+          <a:xfrm flipH="1" flipV="1">
+            <a:off x="2207007" y="4307327"/>
+            <a:ext cx="86540" cy="581626"/>
+          </a:xfrm>
+          <a:prstGeom prst="straightConnector1">
+            <a:avLst/>
+          </a:prstGeom>
+          <a:ln w="28575">
+            <a:solidFill>
+              <a:schemeClr val="tx1"/>
+            </a:solidFill>
+            <a:tailEnd type="triangle"/>
+          </a:ln>
+        </p:spPr>
+        <p:style>
+          <a:lnRef idx="1">
+            <a:schemeClr val="accent1"/>
+          </a:lnRef>
+          <a:fillRef idx="0">
+            <a:schemeClr val="accent1"/>
+          </a:fillRef>
+          <a:effectRef idx="0">
+            <a:schemeClr val="accent1"/>
+          </a:effectRef>
+          <a:fontRef idx="minor">
+            <a:schemeClr val="tx1"/>
+          </a:fontRef>
+        </p:style>
+      </p:cxnSp>
+    </p:spTree>
+    <p:extLst>
+      <p:ext uri="{BB962C8B-B14F-4D97-AF65-F5344CB8AC3E}">
+        <p14:creationId xmlns:p14="http://schemas.microsoft.com/office/powerpoint/2010/main" val="2375662991"/>
+      </p:ext>
+    </p:extLst>
+  </p:cSld>
+  <p:clrMapOvr>
+    <a:masterClrMapping/>
+  </p:clrMapOvr>
+  <p:transition spd="slow">
+    <p:push dir="u"/>
+  </p:transition>
+</p:sld>
+</file>
+
+<file path=ppt/slides/slide22.xml><?xml version="1.0" encoding="utf-8"?>
+<p:sld xmlns:a="http://schemas.openxmlformats.org/drawingml/2006/main" xmlns:r="http://schemas.openxmlformats.org/officeDocument/2006/relationships" xmlns:p="http://schemas.openxmlformats.org/presentationml/2006/main">
+  <p:cSld>
+    <p:spTree>
+      <p:nvGrpSpPr>
+        <p:cNvPr id="1" name=""/>
+        <p:cNvGrpSpPr/>
+        <p:nvPr/>
+      </p:nvGrpSpPr>
+      <p:grpSpPr>
+        <a:xfrm>
+          <a:off x="0" y="0"/>
+          <a:ext cx="0" cy="0"/>
+          <a:chOff x="0" y="0"/>
+          <a:chExt cx="0" cy="0"/>
+        </a:xfrm>
+      </p:grpSpPr>
+      <p:sp>
+        <p:nvSpPr>
+          <p:cNvPr id="2" name="標題 1">
+            <a:extLst>
+              <a:ext uri="{FF2B5EF4-FFF2-40B4-BE49-F238E27FC236}">
+                <a16:creationId xmlns:a16="http://schemas.microsoft.com/office/drawing/2014/main" id="{587E68AB-A373-4D57-84D2-14D6C6ED6A6E}"/>
+              </a:ext>
+            </a:extLst>
+          </p:cNvPr>
+          <p:cNvSpPr>
+            <a:spLocks noGrp="1"/>
+          </p:cNvSpPr>
+          <p:nvPr>
+            <p:ph type="title"/>
+          </p:nvPr>
+        </p:nvSpPr>
+        <p:spPr>
+          <a:xfrm>
+            <a:off x="857250" y="1167491"/>
+            <a:ext cx="7406640" cy="431541"/>
+          </a:xfrm>
+        </p:spPr>
+        <p:txBody>
+          <a:bodyPr>
+            <a:normAutofit fontScale="90000"/>
+          </a:bodyPr>
+          <a:lstStyle/>
+          <a:p>
+            <a:pPr algn="ctr"/>
+            <a:r>
+              <a:rPr lang="en-US" altLang="zh-TW" dirty="0">
+                <a:latin typeface="微軟正黑體" panose="020B0604030504040204" pitchFamily="34" charset="-120"/>
+                <a:ea typeface="微軟正黑體" panose="020B0604030504040204" pitchFamily="34" charset="-120"/>
+              </a:rPr>
+              <a:t>Python</a:t>
+            </a:r>
+            <a:r>
+              <a:rPr lang="zh-TW" altLang="en-US" dirty="0">
+                <a:latin typeface="微軟正黑體" panose="020B0604030504040204" pitchFamily="34" charset="-120"/>
+                <a:ea typeface="微軟正黑體" panose="020B0604030504040204" pitchFamily="34" charset="-120"/>
+              </a:rPr>
+              <a:t>執行</a:t>
+            </a:r>
+            <a:endParaRPr lang="zh-TW" altLang="en-US" dirty="0"/>
+          </a:p>
+        </p:txBody>
+      </p:sp>
+      <p:pic>
+        <p:nvPicPr>
+          <p:cNvPr id="4" name="圖片 3">
+            <a:extLst>
+              <a:ext uri="{FF2B5EF4-FFF2-40B4-BE49-F238E27FC236}">
+                <a16:creationId xmlns:a16="http://schemas.microsoft.com/office/drawing/2014/main" id="{9EE8099D-A256-49C9-AC85-D1E691980AED}"/>
+              </a:ext>
+            </a:extLst>
+          </p:cNvPr>
+          <p:cNvPicPr>
+            <a:picLocks noChangeAspect="1"/>
+          </p:cNvPicPr>
+          <p:nvPr/>
+        </p:nvPicPr>
+        <p:blipFill>
+          <a:blip r:embed="rId2"/>
+          <a:stretch>
+            <a:fillRect/>
+          </a:stretch>
+        </p:blipFill>
+        <p:spPr>
+          <a:xfrm>
+            <a:off x="345338" y="1825006"/>
+            <a:ext cx="1980147" cy="3960294"/>
+          </a:xfrm>
+          <a:prstGeom prst="rect">
+            <a:avLst/>
+          </a:prstGeom>
+        </p:spPr>
+      </p:pic>
+      <p:sp>
+        <p:nvSpPr>
+          <p:cNvPr id="5" name="矩形 4">
+            <a:extLst>
+              <a:ext uri="{FF2B5EF4-FFF2-40B4-BE49-F238E27FC236}">
+                <a16:creationId xmlns:a16="http://schemas.microsoft.com/office/drawing/2014/main" id="{EBAD9BB8-2B7B-46DB-9884-9685E9810641}"/>
+              </a:ext>
+            </a:extLst>
+          </p:cNvPr>
+          <p:cNvSpPr/>
+          <p:nvPr/>
+        </p:nvSpPr>
+        <p:spPr>
+          <a:xfrm>
+            <a:off x="683902" y="3064279"/>
+            <a:ext cx="1303020" cy="321079"/>
+          </a:xfrm>
+          <a:prstGeom prst="rect">
+            <a:avLst/>
+          </a:prstGeom>
+          <a:noFill/>
+          <a:ln w="38100">
+            <a:solidFill>
+              <a:srgbClr val="FF0000"/>
+            </a:solidFill>
+          </a:ln>
+        </p:spPr>
+        <p:style>
+          <a:lnRef idx="2">
+            <a:schemeClr val="accent1">
+              <a:shade val="50000"/>
+            </a:schemeClr>
+          </a:lnRef>
+          <a:fillRef idx="1">
+            <a:schemeClr val="accent1"/>
+          </a:fillRef>
+          <a:effectRef idx="0">
+            <a:schemeClr val="accent1"/>
+          </a:effectRef>
+          <a:fontRef idx="minor">
+            <a:schemeClr val="lt1"/>
+          </a:fontRef>
+        </p:style>
+        <p:txBody>
+          <a:bodyPr rtlCol="0" anchor="ctr"/>
+          <a:lstStyle/>
+          <a:p>
+            <a:pPr algn="ctr"/>
+            <a:endParaRPr lang="zh-TW" altLang="en-US" sz="1350"/>
+          </a:p>
+        </p:txBody>
+      </p:sp>
+      <p:pic>
+        <p:nvPicPr>
+          <p:cNvPr id="7" name="圖片 6">
+            <a:extLst>
+              <a:ext uri="{FF2B5EF4-FFF2-40B4-BE49-F238E27FC236}">
+                <a16:creationId xmlns:a16="http://schemas.microsoft.com/office/drawing/2014/main" id="{9B176BEB-FDE7-45E3-8C4E-23ADDC083D5D}"/>
+              </a:ext>
+            </a:extLst>
+          </p:cNvPr>
+          <p:cNvPicPr>
+            <a:picLocks noChangeAspect="1"/>
+          </p:cNvPicPr>
+          <p:nvPr/>
+        </p:nvPicPr>
+        <p:blipFill>
+          <a:blip r:embed="rId3"/>
+          <a:stretch>
+            <a:fillRect/>
+          </a:stretch>
+        </p:blipFill>
+        <p:spPr>
+          <a:xfrm>
+            <a:off x="2766967" y="1779961"/>
+            <a:ext cx="2709248" cy="2718263"/>
+          </a:xfrm>
+          <a:prstGeom prst="rect">
+            <a:avLst/>
+          </a:prstGeom>
+        </p:spPr>
+      </p:pic>
+      <p:pic>
+        <p:nvPicPr>
+          <p:cNvPr id="8" name="圖片 7">
+            <a:extLst>
+              <a:ext uri="{FF2B5EF4-FFF2-40B4-BE49-F238E27FC236}">
+                <a16:creationId xmlns:a16="http://schemas.microsoft.com/office/drawing/2014/main" id="{A84AB8E6-7ADB-4ED8-BE55-34BDC89BF18E}"/>
+              </a:ext>
+            </a:extLst>
+          </p:cNvPr>
+          <p:cNvPicPr>
+            <a:picLocks noChangeAspect="1"/>
+          </p:cNvPicPr>
+          <p:nvPr/>
+        </p:nvPicPr>
+        <p:blipFill>
+          <a:blip r:embed="rId4"/>
+          <a:stretch>
+            <a:fillRect/>
+          </a:stretch>
+        </p:blipFill>
+        <p:spPr>
+          <a:xfrm>
+            <a:off x="5917696" y="1779961"/>
+            <a:ext cx="2718263" cy="2718263"/>
+          </a:xfrm>
+          <a:prstGeom prst="rect">
+            <a:avLst/>
+          </a:prstGeom>
+        </p:spPr>
+      </p:pic>
+      <p:sp>
+        <p:nvSpPr>
+          <p:cNvPr id="9" name="箭號: 向下 8">
+            <a:extLst>
+              <a:ext uri="{FF2B5EF4-FFF2-40B4-BE49-F238E27FC236}">
+                <a16:creationId xmlns:a16="http://schemas.microsoft.com/office/drawing/2014/main" id="{819E8666-E9E1-47FB-83E9-ADFA19F5BEEB}"/>
+              </a:ext>
+            </a:extLst>
+          </p:cNvPr>
+          <p:cNvSpPr/>
+          <p:nvPr/>
+        </p:nvSpPr>
+        <p:spPr>
+          <a:xfrm rot="13457069">
+            <a:off x="2221841" y="2382082"/>
+            <a:ext cx="193271" cy="711242"/>
+          </a:xfrm>
+          <a:prstGeom prst="downArrow">
+            <a:avLst/>
+          </a:prstGeom>
+        </p:spPr>
+        <p:style>
+          <a:lnRef idx="2">
+            <a:schemeClr val="accent1">
+              <a:shade val="50000"/>
+            </a:schemeClr>
+          </a:lnRef>
+          <a:fillRef idx="1">
+            <a:schemeClr val="accent1"/>
+          </a:fillRef>
+          <a:effectRef idx="0">
+            <a:schemeClr val="accent1"/>
+          </a:effectRef>
+          <a:fontRef idx="minor">
+            <a:schemeClr val="lt1"/>
+          </a:fontRef>
+        </p:style>
+        <p:txBody>
+          <a:bodyPr rtlCol="0" anchor="ctr"/>
+          <a:lstStyle/>
+          <a:p>
+            <a:pPr algn="ctr"/>
+            <a:endParaRPr lang="zh-TW" altLang="en-US" sz="1350"/>
+          </a:p>
+        </p:txBody>
+      </p:sp>
+      <p:sp>
+        <p:nvSpPr>
+          <p:cNvPr id="10" name="箭號: 向下 9">
+            <a:extLst>
+              <a:ext uri="{FF2B5EF4-FFF2-40B4-BE49-F238E27FC236}">
+                <a16:creationId xmlns:a16="http://schemas.microsoft.com/office/drawing/2014/main" id="{088CDB84-615E-4B01-BB12-E00B4EE314A5}"/>
+              </a:ext>
+            </a:extLst>
+          </p:cNvPr>
+          <p:cNvSpPr/>
+          <p:nvPr/>
+        </p:nvSpPr>
+        <p:spPr>
+          <a:xfrm rot="16200000">
+            <a:off x="5600320" y="2297452"/>
+            <a:ext cx="193271" cy="236389"/>
+          </a:xfrm>
+          <a:prstGeom prst="downArrow">
+            <a:avLst/>
+          </a:prstGeom>
+        </p:spPr>
+        <p:style>
+          <a:lnRef idx="2">
+            <a:schemeClr val="accent1">
+              <a:shade val="50000"/>
+            </a:schemeClr>
+          </a:lnRef>
+          <a:fillRef idx="1">
+            <a:schemeClr val="accent1"/>
+          </a:fillRef>
+          <a:effectRef idx="0">
+            <a:schemeClr val="accent1"/>
+          </a:effectRef>
+          <a:fontRef idx="minor">
+            <a:schemeClr val="lt1"/>
+          </a:fontRef>
+        </p:style>
+        <p:txBody>
+          <a:bodyPr rtlCol="0" anchor="ctr"/>
+          <a:lstStyle/>
+          <a:p>
+            <a:pPr algn="ctr"/>
+            <a:endParaRPr lang="zh-TW" altLang="en-US" sz="1350"/>
+          </a:p>
+        </p:txBody>
+      </p:sp>
+      <p:pic>
+        <p:nvPicPr>
+          <p:cNvPr id="12" name="圖片 11">
+            <a:extLst>
+              <a:ext uri="{FF2B5EF4-FFF2-40B4-BE49-F238E27FC236}">
+                <a16:creationId xmlns:a16="http://schemas.microsoft.com/office/drawing/2014/main" id="{02250E09-B2CB-41FB-AFE3-81BAE76AD2E5}"/>
+              </a:ext>
+            </a:extLst>
+          </p:cNvPr>
+          <p:cNvPicPr>
+            <a:picLocks noChangeAspect="1"/>
+          </p:cNvPicPr>
+          <p:nvPr/>
+        </p:nvPicPr>
+        <p:blipFill>
+          <a:blip r:embed="rId5"/>
+          <a:stretch>
+            <a:fillRect/>
+          </a:stretch>
+        </p:blipFill>
+        <p:spPr>
+          <a:xfrm>
+            <a:off x="3828212" y="3861939"/>
+            <a:ext cx="3657708" cy="1634425"/>
+          </a:xfrm>
+          <a:prstGeom prst="rect">
+            <a:avLst/>
+          </a:prstGeom>
+        </p:spPr>
+      </p:pic>
+      <p:sp>
+        <p:nvSpPr>
+          <p:cNvPr id="13" name="箭號: 向下 12">
+            <a:extLst>
+              <a:ext uri="{FF2B5EF4-FFF2-40B4-BE49-F238E27FC236}">
+                <a16:creationId xmlns:a16="http://schemas.microsoft.com/office/drawing/2014/main" id="{1A72C886-1B77-43A9-9A9D-DB9D15572EFB}"/>
+              </a:ext>
+            </a:extLst>
+          </p:cNvPr>
+          <p:cNvSpPr/>
+          <p:nvPr/>
+        </p:nvSpPr>
+        <p:spPr>
+          <a:xfrm rot="16200000">
+            <a:off x="5600320" y="2297452"/>
+            <a:ext cx="193271" cy="236389"/>
+          </a:xfrm>
+          <a:prstGeom prst="downArrow">
+            <a:avLst/>
+          </a:prstGeom>
+        </p:spPr>
+        <p:style>
+          <a:lnRef idx="2">
+            <a:schemeClr val="accent1">
+              <a:shade val="50000"/>
+            </a:schemeClr>
+          </a:lnRef>
+          <a:fillRef idx="1">
+            <a:schemeClr val="accent1"/>
+          </a:fillRef>
+          <a:effectRef idx="0">
+            <a:schemeClr val="accent1"/>
+          </a:effectRef>
+          <a:fontRef idx="minor">
+            <a:schemeClr val="lt1"/>
+          </a:fontRef>
+        </p:style>
+        <p:txBody>
+          <a:bodyPr rtlCol="0" anchor="ctr"/>
+          <a:lstStyle/>
+          <a:p>
+            <a:pPr algn="ctr"/>
+            <a:endParaRPr lang="zh-TW" altLang="en-US" sz="1350"/>
+          </a:p>
+        </p:txBody>
+      </p:sp>
+      <p:sp>
+        <p:nvSpPr>
+          <p:cNvPr id="14" name="箭號: 向下 13">
+            <a:extLst>
+              <a:ext uri="{FF2B5EF4-FFF2-40B4-BE49-F238E27FC236}">
+                <a16:creationId xmlns:a16="http://schemas.microsoft.com/office/drawing/2014/main" id="{B65116D1-22F4-42EE-91DE-37CFEA824C79}"/>
+              </a:ext>
+            </a:extLst>
+          </p:cNvPr>
+          <p:cNvSpPr/>
+          <p:nvPr/>
+        </p:nvSpPr>
+        <p:spPr>
+          <a:xfrm rot="1646343">
+            <a:off x="6347101" y="3185606"/>
+            <a:ext cx="193271" cy="609289"/>
+          </a:xfrm>
+          <a:prstGeom prst="downArrow">
+            <a:avLst/>
+          </a:prstGeom>
+        </p:spPr>
+        <p:style>
+          <a:lnRef idx="2">
+            <a:schemeClr val="accent1">
+              <a:shade val="50000"/>
+            </a:schemeClr>
+          </a:lnRef>
+          <a:fillRef idx="1">
+            <a:schemeClr val="accent1"/>
+          </a:fillRef>
+          <a:effectRef idx="0">
+            <a:schemeClr val="accent1"/>
+          </a:effectRef>
+          <a:fontRef idx="minor">
+            <a:schemeClr val="lt1"/>
+          </a:fontRef>
+        </p:style>
+        <p:txBody>
+          <a:bodyPr rtlCol="0" anchor="ctr"/>
+          <a:lstStyle/>
+          <a:p>
+            <a:pPr algn="ctr"/>
+            <a:endParaRPr lang="zh-TW" altLang="en-US" sz="1350"/>
+          </a:p>
+        </p:txBody>
+      </p:sp>
+      <p:sp>
+        <p:nvSpPr>
+          <p:cNvPr id="15" name="文字方塊 14">
+            <a:extLst>
+              <a:ext uri="{FF2B5EF4-FFF2-40B4-BE49-F238E27FC236}">
+                <a16:creationId xmlns:a16="http://schemas.microsoft.com/office/drawing/2014/main" id="{69D44A5A-E2D3-4155-9682-F3ED34166DEC}"/>
+              </a:ext>
+            </a:extLst>
+          </p:cNvPr>
+          <p:cNvSpPr txBox="1"/>
+          <p:nvPr/>
+        </p:nvSpPr>
+        <p:spPr>
+          <a:xfrm>
+            <a:off x="6490163" y="3380915"/>
+            <a:ext cx="896399" cy="300082"/>
+          </a:xfrm>
+          <a:prstGeom prst="rect">
+            <a:avLst/>
+          </a:prstGeom>
+          <a:noFill/>
+        </p:spPr>
+        <p:txBody>
+          <a:bodyPr wrap="none" rtlCol="0">
+            <a:spAutoFit/>
+          </a:bodyPr>
+          <a:lstStyle/>
+          <a:p>
+            <a:r>
+              <a:rPr lang="zh-TW" altLang="en-US" sz="1350" dirty="0">
+                <a:latin typeface="微軟正黑體" panose="020B0604030504040204" pitchFamily="34" charset="-120"/>
+                <a:ea typeface="微軟正黑體" panose="020B0604030504040204" pitchFamily="34" charset="-120"/>
+              </a:rPr>
+              <a:t>按</a:t>
+            </a:r>
+            <a:r>
+              <a:rPr lang="en-US" altLang="zh-TW" sz="1350" dirty="0">
+                <a:latin typeface="微軟正黑體" panose="020B0604030504040204" pitchFamily="34" charset="-120"/>
+                <a:ea typeface="微軟正黑體" panose="020B0604030504040204" pitchFamily="34" charset="-120"/>
+              </a:rPr>
+              <a:t>F5</a:t>
+            </a:r>
+            <a:r>
+              <a:rPr lang="zh-TW" altLang="en-US" sz="1350" dirty="0">
+                <a:latin typeface="微軟正黑體" panose="020B0604030504040204" pitchFamily="34" charset="-120"/>
+                <a:ea typeface="微軟正黑體" panose="020B0604030504040204" pitchFamily="34" charset="-120"/>
+              </a:rPr>
+              <a:t>執行</a:t>
+            </a:r>
+          </a:p>
+        </p:txBody>
+      </p:sp>
+    </p:spTree>
+    <p:extLst>
+      <p:ext uri="{BB962C8B-B14F-4D97-AF65-F5344CB8AC3E}">
+        <p14:creationId xmlns:p14="http://schemas.microsoft.com/office/powerpoint/2010/main" val="3082866378"/>
+      </p:ext>
+    </p:extLst>
+  </p:cSld>
+  <p:clrMapOvr>
+    <a:masterClrMapping/>
+  </p:clrMapOvr>
+  <p:transition spd="slow">
+    <p:push dir="u"/>
+  </p:transition>
+</p:sld>
+</file>
+
+<file path=ppt/slides/slide23.xml><?xml version="1.0" encoding="utf-8"?>
+<p:sld xmlns:a="http://schemas.openxmlformats.org/drawingml/2006/main" xmlns:r="http://schemas.openxmlformats.org/officeDocument/2006/relationships" xmlns:p="http://schemas.openxmlformats.org/presentationml/2006/main">
+  <p:cSld>
+    <p:spTree>
+      <p:nvGrpSpPr>
+        <p:cNvPr id="1" name=""/>
+        <p:cNvGrpSpPr/>
+        <p:nvPr/>
+      </p:nvGrpSpPr>
+      <p:grpSpPr>
+        <a:xfrm>
+          <a:off x="0" y="0"/>
+          <a:ext cx="0" cy="0"/>
+          <a:chOff x="0" y="0"/>
+          <a:chExt cx="0" cy="0"/>
+        </a:xfrm>
+      </p:grpSpPr>
+      <p:sp>
+        <p:nvSpPr>
+          <p:cNvPr id="2" name="標題 1">
+            <a:extLst>
+              <a:ext uri="{FF2B5EF4-FFF2-40B4-BE49-F238E27FC236}">
+                <a16:creationId xmlns:a16="http://schemas.microsoft.com/office/drawing/2014/main" id="{587E68AB-A373-4D57-84D2-14D6C6ED6A6E}"/>
+              </a:ext>
+            </a:extLst>
+          </p:cNvPr>
+          <p:cNvSpPr>
+            <a:spLocks noGrp="1"/>
+          </p:cNvSpPr>
+          <p:nvPr>
+            <p:ph type="title"/>
+          </p:nvPr>
+        </p:nvSpPr>
+        <p:spPr>
+          <a:xfrm>
+            <a:off x="857250" y="1167491"/>
+            <a:ext cx="7406640" cy="431541"/>
+          </a:xfrm>
+        </p:spPr>
+        <p:txBody>
+          <a:bodyPr>
+            <a:normAutofit fontScale="90000"/>
+          </a:bodyPr>
+          <a:lstStyle/>
+          <a:p>
+            <a:pPr algn="ctr"/>
+            <a:r>
+              <a:rPr lang="zh-TW" altLang="en-US" dirty="0">
+                <a:latin typeface="微軟正黑體" panose="020B0604030504040204" pitchFamily="34" charset="-120"/>
+                <a:ea typeface="微軟正黑體" panose="020B0604030504040204" pitchFamily="34" charset="-120"/>
+              </a:rPr>
+              <a:t>安裝套件</a:t>
+            </a:r>
+            <a:r>
+              <a:rPr lang="en-US" altLang="zh-TW" dirty="0">
+                <a:latin typeface="微軟正黑體" panose="020B0604030504040204" pitchFamily="34" charset="-120"/>
+                <a:ea typeface="微軟正黑體" panose="020B0604030504040204" pitchFamily="34" charset="-120"/>
+              </a:rPr>
+              <a:t>(</a:t>
+            </a:r>
+            <a:r>
+              <a:rPr lang="zh-TW" altLang="en-US" dirty="0">
+                <a:latin typeface="微軟正黑體" panose="020B0604030504040204" pitchFamily="34" charset="-120"/>
+                <a:ea typeface="微軟正黑體" panose="020B0604030504040204" pitchFamily="34" charset="-120"/>
+              </a:rPr>
+              <a:t>範例</a:t>
+            </a:r>
+            <a:r>
+              <a:rPr lang="en-US" altLang="zh-TW" dirty="0">
+                <a:latin typeface="微軟正黑體" panose="020B0604030504040204" pitchFamily="34" charset="-120"/>
+                <a:ea typeface="微軟正黑體" panose="020B0604030504040204" pitchFamily="34" charset="-120"/>
+              </a:rPr>
+              <a:t>)</a:t>
+            </a:r>
+            <a:endParaRPr lang="zh-TW" altLang="en-US" dirty="0"/>
+          </a:p>
+        </p:txBody>
+      </p:sp>
+      <p:pic>
+        <p:nvPicPr>
+          <p:cNvPr id="3" name="圖片 2">
+            <a:extLst>
+              <a:ext uri="{FF2B5EF4-FFF2-40B4-BE49-F238E27FC236}">
+                <a16:creationId xmlns:a16="http://schemas.microsoft.com/office/drawing/2014/main" id="{D8D85487-8BD8-4E45-9BAF-53BCEFFBFA19}"/>
+              </a:ext>
+            </a:extLst>
+          </p:cNvPr>
+          <p:cNvPicPr>
+            <a:picLocks noChangeAspect="1"/>
+          </p:cNvPicPr>
+          <p:nvPr/>
+        </p:nvPicPr>
+        <p:blipFill>
+          <a:blip r:embed="rId2"/>
+          <a:stretch>
+            <a:fillRect/>
+          </a:stretch>
+        </p:blipFill>
+        <p:spPr>
+          <a:xfrm>
+            <a:off x="549098" y="2270833"/>
+            <a:ext cx="2857899" cy="1478963"/>
+          </a:xfrm>
+          <a:prstGeom prst="rect">
+            <a:avLst/>
+          </a:prstGeom>
+        </p:spPr>
+      </p:pic>
+      <p:pic>
+        <p:nvPicPr>
+          <p:cNvPr id="6" name="圖片 5">
+            <a:extLst>
+              <a:ext uri="{FF2B5EF4-FFF2-40B4-BE49-F238E27FC236}">
+                <a16:creationId xmlns:a16="http://schemas.microsoft.com/office/drawing/2014/main" id="{78A9B484-795B-48B7-BD67-DC739263EA6C}"/>
+              </a:ext>
+            </a:extLst>
+          </p:cNvPr>
+          <p:cNvPicPr>
+            <a:picLocks noChangeAspect="1"/>
+          </p:cNvPicPr>
+          <p:nvPr/>
+        </p:nvPicPr>
+        <p:blipFill>
+          <a:blip r:embed="rId3"/>
+          <a:stretch>
+            <a:fillRect/>
+          </a:stretch>
+        </p:blipFill>
+        <p:spPr>
+          <a:xfrm>
+            <a:off x="549099" y="4026795"/>
+            <a:ext cx="3389902" cy="1816211"/>
+          </a:xfrm>
+          <a:prstGeom prst="rect">
+            <a:avLst/>
+          </a:prstGeom>
+        </p:spPr>
+      </p:pic>
+      <p:pic>
+        <p:nvPicPr>
+          <p:cNvPr id="16" name="圖片 15">
+            <a:extLst>
+              <a:ext uri="{FF2B5EF4-FFF2-40B4-BE49-F238E27FC236}">
+                <a16:creationId xmlns:a16="http://schemas.microsoft.com/office/drawing/2014/main" id="{9731207F-5F56-40D3-9842-8FACBEE683D3}"/>
+              </a:ext>
+            </a:extLst>
+          </p:cNvPr>
+          <p:cNvPicPr>
+            <a:picLocks noChangeAspect="1"/>
+          </p:cNvPicPr>
+          <p:nvPr/>
+        </p:nvPicPr>
+        <p:blipFill>
+          <a:blip r:embed="rId4"/>
+          <a:stretch>
+            <a:fillRect/>
+          </a:stretch>
+        </p:blipFill>
+        <p:spPr>
+          <a:xfrm>
+            <a:off x="3663766" y="2037093"/>
+            <a:ext cx="4201112" cy="750199"/>
+          </a:xfrm>
+          <a:prstGeom prst="rect">
+            <a:avLst/>
+          </a:prstGeom>
+        </p:spPr>
+      </p:pic>
+      <p:sp>
+        <p:nvSpPr>
+          <p:cNvPr id="17" name="文字方塊 16">
+            <a:extLst>
+              <a:ext uri="{FF2B5EF4-FFF2-40B4-BE49-F238E27FC236}">
+                <a16:creationId xmlns:a16="http://schemas.microsoft.com/office/drawing/2014/main" id="{1D290D53-E9E4-4B88-8122-296A87DBA02E}"/>
+              </a:ext>
+            </a:extLst>
+          </p:cNvPr>
+          <p:cNvSpPr txBox="1"/>
+          <p:nvPr/>
+        </p:nvSpPr>
+        <p:spPr>
+          <a:xfrm>
+            <a:off x="366814" y="1728377"/>
+            <a:ext cx="1754006" cy="571951"/>
+          </a:xfrm>
+          <a:prstGeom prst="rect">
+            <a:avLst/>
+          </a:prstGeom>
+          <a:noFill/>
+        </p:spPr>
+        <p:txBody>
+          <a:bodyPr wrap="none" rtlCol="0">
+            <a:spAutoFit/>
+          </a:bodyPr>
+          <a:lstStyle/>
+          <a:p>
+            <a:pPr>
+              <a:spcAft>
+                <a:spcPts val="450"/>
+              </a:spcAft>
+            </a:pPr>
+            <a:r>
+              <a:rPr lang="en-US" altLang="zh-TW" sz="1350" dirty="0">
+                <a:latin typeface="微軟正黑體" panose="020B0604030504040204" pitchFamily="34" charset="-120"/>
+                <a:ea typeface="微軟正黑體" panose="020B0604030504040204" pitchFamily="34" charset="-120"/>
+              </a:rPr>
+              <a:t>1.</a:t>
+            </a:r>
+            <a:r>
+              <a:rPr lang="zh-TW" altLang="en-US" sz="1350" dirty="0">
+                <a:latin typeface="微軟正黑體" panose="020B0604030504040204" pitchFamily="34" charset="-120"/>
+                <a:ea typeface="微軟正黑體" panose="020B0604030504040204" pitchFamily="34" charset="-120"/>
+              </a:rPr>
+              <a:t>桌面下按</a:t>
+            </a:r>
+            <a:r>
+              <a:rPr lang="en-US" altLang="zh-TW" sz="1350" dirty="0">
+                <a:latin typeface="微軟正黑體" panose="020B0604030504040204" pitchFamily="34" charset="-120"/>
+                <a:ea typeface="微軟正黑體" panose="020B0604030504040204" pitchFamily="34" charset="-120"/>
+              </a:rPr>
+              <a:t>Win</a:t>
+            </a:r>
+            <a:r>
+              <a:rPr lang="zh-TW" altLang="en-US" sz="1350" dirty="0">
+                <a:latin typeface="微軟正黑體" panose="020B0604030504040204" pitchFamily="34" charset="-120"/>
+                <a:ea typeface="微軟正黑體" panose="020B0604030504040204" pitchFamily="34" charset="-120"/>
+              </a:rPr>
+              <a:t>鍵</a:t>
+            </a:r>
+            <a:r>
+              <a:rPr lang="en-US" altLang="zh-TW" sz="1350" dirty="0">
+                <a:latin typeface="微軟正黑體" panose="020B0604030504040204" pitchFamily="34" charset="-120"/>
+                <a:ea typeface="微軟正黑體" panose="020B0604030504040204" pitchFamily="34" charset="-120"/>
+              </a:rPr>
+              <a:t>+R</a:t>
+            </a:r>
+          </a:p>
+          <a:p>
+            <a:pPr>
+              <a:spcAft>
+                <a:spcPts val="450"/>
+              </a:spcAft>
+            </a:pPr>
+            <a:r>
+              <a:rPr lang="en-US" altLang="zh-TW" sz="1350" dirty="0">
+                <a:latin typeface="微軟正黑體" panose="020B0604030504040204" pitchFamily="34" charset="-120"/>
+                <a:ea typeface="微軟正黑體" panose="020B0604030504040204" pitchFamily="34" charset="-120"/>
+              </a:rPr>
+              <a:t>2.</a:t>
+            </a:r>
+            <a:r>
+              <a:rPr lang="zh-TW" altLang="en-US" sz="1350" dirty="0">
+                <a:latin typeface="微軟正黑體" panose="020B0604030504040204" pitchFamily="34" charset="-120"/>
+                <a:ea typeface="微軟正黑體" panose="020B0604030504040204" pitchFamily="34" charset="-120"/>
+              </a:rPr>
+              <a:t>輸入</a:t>
+            </a:r>
+            <a:r>
+              <a:rPr lang="en-US" altLang="zh-TW" sz="1350" dirty="0" err="1">
+                <a:latin typeface="微軟正黑體" panose="020B0604030504040204" pitchFamily="34" charset="-120"/>
+                <a:ea typeface="微軟正黑體" panose="020B0604030504040204" pitchFamily="34" charset="-120"/>
+              </a:rPr>
+              <a:t>cmd</a:t>
+            </a:r>
+            <a:r>
+              <a:rPr lang="zh-TW" altLang="en-US" sz="1350" dirty="0">
+                <a:latin typeface="微軟正黑體" panose="020B0604030504040204" pitchFamily="34" charset="-120"/>
+                <a:ea typeface="微軟正黑體" panose="020B0604030504040204" pitchFamily="34" charset="-120"/>
+              </a:rPr>
+              <a:t>按確定</a:t>
+            </a:r>
+          </a:p>
+        </p:txBody>
+      </p:sp>
+      <p:sp>
+        <p:nvSpPr>
+          <p:cNvPr id="18" name="文字方塊 17">
+            <a:extLst>
+              <a:ext uri="{FF2B5EF4-FFF2-40B4-BE49-F238E27FC236}">
+                <a16:creationId xmlns:a16="http://schemas.microsoft.com/office/drawing/2014/main" id="{13432980-556B-4AE0-9392-EC10F7F4F529}"/>
+              </a:ext>
+            </a:extLst>
+          </p:cNvPr>
+          <p:cNvSpPr txBox="1"/>
+          <p:nvPr/>
+        </p:nvSpPr>
+        <p:spPr>
+          <a:xfrm>
+            <a:off x="366815" y="3749795"/>
+            <a:ext cx="3710696" cy="300082"/>
+          </a:xfrm>
+          <a:prstGeom prst="rect">
+            <a:avLst/>
+          </a:prstGeom>
+          <a:noFill/>
+        </p:spPr>
+        <p:txBody>
+          <a:bodyPr wrap="none" rtlCol="0">
+            <a:spAutoFit/>
+          </a:bodyPr>
+          <a:lstStyle/>
+          <a:p>
+            <a:pPr>
+              <a:spcAft>
+                <a:spcPts val="450"/>
+              </a:spcAft>
+            </a:pPr>
+            <a:r>
+              <a:rPr lang="en-US" altLang="zh-TW" sz="1350" dirty="0">
+                <a:latin typeface="微軟正黑體" panose="020B0604030504040204" pitchFamily="34" charset="-120"/>
+                <a:ea typeface="微軟正黑體" panose="020B0604030504040204" pitchFamily="34" charset="-120"/>
+              </a:rPr>
+              <a:t>3.</a:t>
+            </a:r>
+            <a:r>
+              <a:rPr lang="zh-TW" altLang="en-US" sz="1350" dirty="0">
+                <a:latin typeface="微軟正黑體" panose="020B0604030504040204" pitchFamily="34" charset="-120"/>
+                <a:ea typeface="微軟正黑體" panose="020B0604030504040204" pitchFamily="34" charset="-120"/>
+              </a:rPr>
+              <a:t>輸入 </a:t>
+            </a:r>
+            <a:r>
+              <a:rPr lang="en-US" altLang="zh-TW" sz="1350" dirty="0">
+                <a:latin typeface="微軟正黑體" panose="020B0604030504040204" pitchFamily="34" charset="-120"/>
+                <a:ea typeface="微軟正黑體" panose="020B0604030504040204" pitchFamily="34" charset="-120"/>
+              </a:rPr>
+              <a:t>python -V</a:t>
+            </a:r>
+            <a:r>
+              <a:rPr lang="zh-TW" altLang="en-US" sz="1350" dirty="0">
+                <a:latin typeface="微軟正黑體" panose="020B0604030504040204" pitchFamily="34" charset="-120"/>
+                <a:ea typeface="微軟正黑體" panose="020B0604030504040204" pitchFamily="34" charset="-120"/>
+              </a:rPr>
+              <a:t> 查看當前</a:t>
+            </a:r>
+            <a:r>
+              <a:rPr lang="en-US" altLang="zh-TW" sz="1350" dirty="0">
+                <a:latin typeface="微軟正黑體" panose="020B0604030504040204" pitchFamily="34" charset="-120"/>
+                <a:ea typeface="微軟正黑體" panose="020B0604030504040204" pitchFamily="34" charset="-120"/>
+              </a:rPr>
+              <a:t>Python</a:t>
+            </a:r>
+            <a:r>
+              <a:rPr lang="zh-TW" altLang="en-US" sz="1350" dirty="0">
+                <a:latin typeface="微軟正黑體" panose="020B0604030504040204" pitchFamily="34" charset="-120"/>
+                <a:ea typeface="微軟正黑體" panose="020B0604030504040204" pitchFamily="34" charset="-120"/>
+              </a:rPr>
+              <a:t>並確認安裝</a:t>
+            </a:r>
+          </a:p>
+        </p:txBody>
+      </p:sp>
+      <p:sp>
+        <p:nvSpPr>
+          <p:cNvPr id="19" name="文字方塊 18">
+            <a:extLst>
+              <a:ext uri="{FF2B5EF4-FFF2-40B4-BE49-F238E27FC236}">
+                <a16:creationId xmlns:a16="http://schemas.microsoft.com/office/drawing/2014/main" id="{B9E9CF60-5B4B-4A0B-93D5-A894F8C03AD3}"/>
+              </a:ext>
+            </a:extLst>
+          </p:cNvPr>
+          <p:cNvSpPr txBox="1"/>
+          <p:nvPr/>
+        </p:nvSpPr>
+        <p:spPr>
+          <a:xfrm>
+            <a:off x="3502582" y="1766328"/>
+            <a:ext cx="4134658" cy="300082"/>
+          </a:xfrm>
+          <a:prstGeom prst="rect">
+            <a:avLst/>
+          </a:prstGeom>
+          <a:noFill/>
+        </p:spPr>
+        <p:txBody>
+          <a:bodyPr wrap="none" rtlCol="0">
+            <a:spAutoFit/>
+          </a:bodyPr>
+          <a:lstStyle/>
+          <a:p>
+            <a:pPr>
+              <a:spcAft>
+                <a:spcPts val="450"/>
+              </a:spcAft>
+            </a:pPr>
+            <a:r>
+              <a:rPr lang="en-US" altLang="zh-TW" sz="1350" dirty="0">
+                <a:latin typeface="微軟正黑體" panose="020B0604030504040204" pitchFamily="34" charset="-120"/>
+                <a:ea typeface="微軟正黑體" panose="020B0604030504040204" pitchFamily="34" charset="-120"/>
+              </a:rPr>
+              <a:t>4.</a:t>
+            </a:r>
+            <a:r>
+              <a:rPr lang="zh-TW" altLang="en-US" sz="1350" dirty="0">
+                <a:latin typeface="微軟正黑體" panose="020B0604030504040204" pitchFamily="34" charset="-120"/>
+                <a:ea typeface="微軟正黑體" panose="020B0604030504040204" pitchFamily="34" charset="-120"/>
+              </a:rPr>
+              <a:t>輸入 </a:t>
+            </a:r>
+            <a:r>
+              <a:rPr lang="en-US" altLang="zh-TW" sz="1350" dirty="0">
+                <a:latin typeface="微軟正黑體" panose="020B0604030504040204" pitchFamily="34" charset="-120"/>
+                <a:ea typeface="微軟正黑體" panose="020B0604030504040204" pitchFamily="34" charset="-120"/>
+              </a:rPr>
+              <a:t>pip install </a:t>
+            </a:r>
+            <a:r>
+              <a:rPr lang="en-US" altLang="zh-TW" sz="1350" dirty="0" err="1">
+                <a:latin typeface="微軟正黑體" panose="020B0604030504040204" pitchFamily="34" charset="-120"/>
+                <a:ea typeface="微軟正黑體" panose="020B0604030504040204" pitchFamily="34" charset="-120"/>
+              </a:rPr>
+              <a:t>opencv</a:t>
+            </a:r>
+            <a:r>
+              <a:rPr lang="en-US" altLang="zh-TW" sz="1350" dirty="0">
+                <a:latin typeface="微軟正黑體" panose="020B0604030504040204" pitchFamily="34" charset="-120"/>
+                <a:ea typeface="微軟正黑體" panose="020B0604030504040204" pitchFamily="34" charset="-120"/>
+              </a:rPr>
+              <a:t>-python </a:t>
+            </a:r>
+            <a:r>
+              <a:rPr lang="en-US" altLang="zh-TW" sz="1350" dirty="0"/>
+              <a:t>(</a:t>
+            </a:r>
+            <a:r>
+              <a:rPr lang="en-US" altLang="zh-TW" sz="1350" dirty="0">
+                <a:hlinkClick r:id="rId5"/>
+              </a:rPr>
+              <a:t>https://pypi.org/</a:t>
+            </a:r>
+            <a:r>
+              <a:rPr lang="en-US" altLang="zh-TW" sz="1350" dirty="0"/>
+              <a:t>)</a:t>
+            </a:r>
+            <a:endParaRPr lang="zh-TW" altLang="en-US" sz="1350" dirty="0"/>
+          </a:p>
+        </p:txBody>
+      </p:sp>
+      <p:sp>
+        <p:nvSpPr>
+          <p:cNvPr id="21" name="矩形 20">
+            <a:extLst>
+              <a:ext uri="{FF2B5EF4-FFF2-40B4-BE49-F238E27FC236}">
+                <a16:creationId xmlns:a16="http://schemas.microsoft.com/office/drawing/2014/main" id="{34E65103-36B5-4873-8E3D-69F49C1FE7CD}"/>
+              </a:ext>
+            </a:extLst>
+          </p:cNvPr>
+          <p:cNvSpPr/>
+          <p:nvPr/>
+        </p:nvSpPr>
+        <p:spPr>
+          <a:xfrm>
+            <a:off x="3663767" y="2594043"/>
+            <a:ext cx="2695470" cy="193248"/>
+          </a:xfrm>
+          <a:prstGeom prst="rect">
+            <a:avLst/>
+          </a:prstGeom>
+          <a:noFill/>
+          <a:ln w="38100">
+            <a:solidFill>
+              <a:srgbClr val="FF0000"/>
+            </a:solidFill>
+          </a:ln>
+        </p:spPr>
+        <p:style>
+          <a:lnRef idx="2">
+            <a:schemeClr val="accent1">
+              <a:shade val="50000"/>
+            </a:schemeClr>
+          </a:lnRef>
+          <a:fillRef idx="1">
+            <a:schemeClr val="accent1"/>
+          </a:fillRef>
+          <a:effectRef idx="0">
+            <a:schemeClr val="accent1"/>
+          </a:effectRef>
+          <a:fontRef idx="minor">
+            <a:schemeClr val="lt1"/>
+          </a:fontRef>
+        </p:style>
+        <p:txBody>
+          <a:bodyPr rtlCol="0" anchor="ctr"/>
+          <a:lstStyle/>
+          <a:p>
+            <a:pPr algn="ctr"/>
+            <a:endParaRPr lang="zh-TW" altLang="en-US" sz="1350"/>
+          </a:p>
+        </p:txBody>
+      </p:sp>
+      <p:sp>
+        <p:nvSpPr>
+          <p:cNvPr id="22" name="矩形 21">
+            <a:extLst>
+              <a:ext uri="{FF2B5EF4-FFF2-40B4-BE49-F238E27FC236}">
+                <a16:creationId xmlns:a16="http://schemas.microsoft.com/office/drawing/2014/main" id="{C35B2B89-973F-4BD6-91E4-60AD86AE458E}"/>
+              </a:ext>
+            </a:extLst>
+          </p:cNvPr>
+          <p:cNvSpPr/>
+          <p:nvPr/>
+        </p:nvSpPr>
+        <p:spPr>
+          <a:xfrm>
+            <a:off x="4505678" y="1999605"/>
+            <a:ext cx="1541831" cy="210542"/>
+          </a:xfrm>
+          <a:prstGeom prst="rect">
+            <a:avLst/>
+          </a:prstGeom>
+          <a:noFill/>
+          <a:ln w="38100">
+            <a:solidFill>
+              <a:srgbClr val="FF0000"/>
+            </a:solidFill>
+          </a:ln>
+        </p:spPr>
+        <p:style>
+          <a:lnRef idx="2">
+            <a:schemeClr val="accent1">
+              <a:shade val="50000"/>
+            </a:schemeClr>
+          </a:lnRef>
+          <a:fillRef idx="1">
+            <a:schemeClr val="accent1"/>
+          </a:fillRef>
+          <a:effectRef idx="0">
+            <a:schemeClr val="accent1"/>
+          </a:effectRef>
+          <a:fontRef idx="minor">
+            <a:schemeClr val="lt1"/>
+          </a:fontRef>
+        </p:style>
+        <p:txBody>
+          <a:bodyPr rtlCol="0" anchor="ctr"/>
+          <a:lstStyle/>
+          <a:p>
+            <a:pPr algn="ctr"/>
+            <a:endParaRPr lang="zh-TW" altLang="en-US" sz="1350"/>
+          </a:p>
+        </p:txBody>
+      </p:sp>
+      <p:sp>
+        <p:nvSpPr>
+          <p:cNvPr id="23" name="矩形 22">
+            <a:extLst>
+              <a:ext uri="{FF2B5EF4-FFF2-40B4-BE49-F238E27FC236}">
+                <a16:creationId xmlns:a16="http://schemas.microsoft.com/office/drawing/2014/main" id="{575504CB-65D4-48A1-8904-CD61E1139D77}"/>
+              </a:ext>
+            </a:extLst>
+          </p:cNvPr>
+          <p:cNvSpPr/>
+          <p:nvPr/>
+        </p:nvSpPr>
+        <p:spPr>
+          <a:xfrm>
+            <a:off x="531221" y="4447359"/>
+            <a:ext cx="1108465" cy="212965"/>
+          </a:xfrm>
+          <a:prstGeom prst="rect">
+            <a:avLst/>
+          </a:prstGeom>
+          <a:noFill/>
+          <a:ln w="38100">
+            <a:solidFill>
+              <a:srgbClr val="FF0000"/>
+            </a:solidFill>
+          </a:ln>
+        </p:spPr>
+        <p:style>
+          <a:lnRef idx="2">
+            <a:schemeClr val="accent1">
+              <a:shade val="50000"/>
+            </a:schemeClr>
+          </a:lnRef>
+          <a:fillRef idx="1">
+            <a:schemeClr val="accent1"/>
+          </a:fillRef>
+          <a:effectRef idx="0">
+            <a:schemeClr val="accent1"/>
+          </a:effectRef>
+          <a:fontRef idx="minor">
+            <a:schemeClr val="lt1"/>
+          </a:fontRef>
+        </p:style>
+        <p:txBody>
+          <a:bodyPr rtlCol="0" anchor="ctr"/>
+          <a:lstStyle/>
+          <a:p>
+            <a:pPr algn="ctr"/>
+            <a:endParaRPr lang="zh-TW" altLang="en-US" sz="1350"/>
+          </a:p>
+        </p:txBody>
+      </p:sp>
+      <p:sp>
+        <p:nvSpPr>
+          <p:cNvPr id="24" name="文字方塊 23">
+            <a:extLst>
+              <a:ext uri="{FF2B5EF4-FFF2-40B4-BE49-F238E27FC236}">
+                <a16:creationId xmlns:a16="http://schemas.microsoft.com/office/drawing/2014/main" id="{FC40996D-ECC4-4446-98DD-857E999B74FF}"/>
+              </a:ext>
+            </a:extLst>
+          </p:cNvPr>
+          <p:cNvSpPr txBox="1"/>
+          <p:nvPr/>
+        </p:nvSpPr>
+        <p:spPr>
+          <a:xfrm>
+            <a:off x="4077511" y="3128918"/>
+            <a:ext cx="2680542" cy="300082"/>
+          </a:xfrm>
+          <a:prstGeom prst="rect">
+            <a:avLst/>
+          </a:prstGeom>
+          <a:noFill/>
+        </p:spPr>
+        <p:txBody>
+          <a:bodyPr wrap="none" rtlCol="0">
+            <a:spAutoFit/>
+          </a:bodyPr>
+          <a:lstStyle/>
+          <a:p>
+            <a:pPr>
+              <a:spcAft>
+                <a:spcPts val="450"/>
+              </a:spcAft>
+            </a:pPr>
+            <a:r>
+              <a:rPr lang="en-US" altLang="zh-TW" sz="1350" dirty="0">
+                <a:latin typeface="微軟正黑體" panose="020B0604030504040204" pitchFamily="34" charset="-120"/>
+                <a:ea typeface="微軟正黑體" panose="020B0604030504040204" pitchFamily="34" charset="-120"/>
+              </a:rPr>
+              <a:t>5.</a:t>
+            </a:r>
+            <a:r>
+              <a:rPr lang="zh-TW" altLang="en-US" sz="1350" dirty="0">
+                <a:latin typeface="微軟正黑體" panose="020B0604030504040204" pitchFamily="34" charset="-120"/>
+                <a:ea typeface="微軟正黑體" panose="020B0604030504040204" pitchFamily="34" charset="-120"/>
+              </a:rPr>
+              <a:t>輸入 </a:t>
+            </a:r>
+            <a:r>
+              <a:rPr lang="en-US" altLang="zh-TW" sz="1350" dirty="0">
+                <a:latin typeface="微軟正黑體" panose="020B0604030504040204" pitchFamily="34" charset="-120"/>
+                <a:ea typeface="微軟正黑體" panose="020B0604030504040204" pitchFamily="34" charset="-120"/>
+              </a:rPr>
+              <a:t>pip list </a:t>
+            </a:r>
+            <a:r>
+              <a:rPr lang="zh-TW" altLang="en-US" sz="1350" dirty="0">
+                <a:latin typeface="微軟正黑體" panose="020B0604030504040204" pitchFamily="34" charset="-120"/>
+                <a:ea typeface="微軟正黑體" panose="020B0604030504040204" pitchFamily="34" charset="-120"/>
+              </a:rPr>
+              <a:t>可查看已安裝套件</a:t>
+            </a:r>
+            <a:endParaRPr lang="zh-TW" altLang="en-US" sz="1350" dirty="0"/>
+          </a:p>
+        </p:txBody>
+      </p:sp>
+    </p:spTree>
+    <p:extLst>
+      <p:ext uri="{BB962C8B-B14F-4D97-AF65-F5344CB8AC3E}">
+        <p14:creationId xmlns:p14="http://schemas.microsoft.com/office/powerpoint/2010/main" val="1176006993"/>
+      </p:ext>
+    </p:extLst>
+  </p:cSld>
+  <p:clrMapOvr>
+    <a:masterClrMapping/>
+  </p:clrMapOvr>
+  <p:transition spd="slow">
+    <p:push dir="u"/>
+  </p:transition>
+</p:sld>
+</file>
+
+<file path=ppt/slides/slide24.xml><?xml version="1.0" encoding="utf-8"?>
+<p:sld xmlns:a="http://schemas.openxmlformats.org/drawingml/2006/main" xmlns:r="http://schemas.openxmlformats.org/officeDocument/2006/relationships" xmlns:p="http://schemas.openxmlformats.org/presentationml/2006/main">
+  <p:cSld>
+    <p:spTree>
+      <p:nvGrpSpPr>
+        <p:cNvPr id="1" name=""/>
+        <p:cNvGrpSpPr/>
+        <p:nvPr/>
+      </p:nvGrpSpPr>
+      <p:grpSpPr>
+        <a:xfrm>
+          <a:off x="0" y="0"/>
+          <a:ext cx="0" cy="0"/>
+          <a:chOff x="0" y="0"/>
+          <a:chExt cx="0" cy="0"/>
+        </a:xfrm>
+      </p:grpSpPr>
+      <p:sp>
+        <p:nvSpPr>
+          <p:cNvPr id="2" name="標題 1">
+            <a:extLst>
+              <a:ext uri="{FF2B5EF4-FFF2-40B4-BE49-F238E27FC236}">
                 <a16:creationId xmlns:a16="http://schemas.microsoft.com/office/drawing/2014/main" id="{90520305-58B7-D199-A83C-05DD62028D05}"/>
               </a:ext>
             </a:extLst>
@@ -5844,7 +7654,7 @@
 </p:sld>
 </file>
 
-<file path=ppt/slides/slide21.xml><?xml version="1.0" encoding="utf-8"?>
+<file path=ppt/slides/slide25.xml><?xml version="1.0" encoding="utf-8"?>
 <p:sld xmlns:a="http://schemas.openxmlformats.org/drawingml/2006/main" xmlns:r="http://schemas.openxmlformats.org/officeDocument/2006/relationships" xmlns:p="http://schemas.openxmlformats.org/presentationml/2006/main">
   <p:cSld>
     <p:spTree>
@@ -6125,7 +7935,7 @@
 </p:sld>
 </file>
 
-<file path=ppt/slides/slide22.xml><?xml version="1.0" encoding="utf-8"?>
+<file path=ppt/slides/slide26.xml><?xml version="1.0" encoding="utf-8"?>
 <p:sld xmlns:a="http://schemas.openxmlformats.org/drawingml/2006/main" xmlns:r="http://schemas.openxmlformats.org/officeDocument/2006/relationships" xmlns:p="http://schemas.openxmlformats.org/presentationml/2006/main">
   <p:cSld>
     <p:spTree>
@@ -6276,7 +8086,7 @@
 </p:sld>
 </file>
 
-<file path=ppt/slides/slide23.xml><?xml version="1.0" encoding="utf-8"?>
+<file path=ppt/slides/slide27.xml><?xml version="1.0" encoding="utf-8"?>
 <p:sld xmlns:a="http://schemas.openxmlformats.org/drawingml/2006/main" xmlns:r="http://schemas.openxmlformats.org/officeDocument/2006/relationships" xmlns:p="http://schemas.openxmlformats.org/presentationml/2006/main">
   <p:cSld>
     <p:spTree>
@@ -6544,8 +8354,8 @@
         </p:blipFill>
         <p:spPr>
           <a:xfrm>
-            <a:off x="594209" y="1501294"/>
-            <a:ext cx="7955579" cy="2958945"/>
+            <a:off x="380417" y="2152354"/>
+            <a:ext cx="8383166" cy="3117979"/>
           </a:xfrm>
           <a:prstGeom prst="rect">
             <a:avLst/>
@@ -6557,57 +8367,45 @@
           </a:ln>
         </p:spPr>
       </p:pic>
-      <p:pic>
-        <p:nvPicPr>
-          <p:cNvPr id="5" name="Picture 2">
+      <p:sp>
+        <p:nvSpPr>
+          <p:cNvPr id="6" name="文字方塊 5">
             <a:extLst>
               <a:ext uri="{FF2B5EF4-FFF2-40B4-BE49-F238E27FC236}">
-                <a16:creationId xmlns:a16="http://schemas.microsoft.com/office/drawing/2014/main" id="{86FE2246-1D5A-178E-8DD3-C82AD6BA1895}"/>
+                <a16:creationId xmlns:a16="http://schemas.microsoft.com/office/drawing/2014/main" id="{D6F9AD42-791B-E4D2-C6A3-0E83738FBA0E}"/>
               </a:ext>
             </a:extLst>
           </p:cNvPr>
-          <p:cNvPicPr>
-            <a:picLocks noChangeAspect="1" noChangeArrowheads="1"/>
-          </p:cNvPicPr>
+          <p:cNvSpPr txBox="1"/>
           <p:nvPr/>
-        </p:nvPicPr>
-        <p:blipFill>
-          <a:blip r:embed="rId3">
-            <a:extLst>
-              <a:ext uri="{28A0092B-C50C-407E-A947-70E740481C1C}">
-                <a14:useLocalDpi xmlns:a14="http://schemas.microsoft.com/office/drawing/2010/main" val="0"/>
-              </a:ext>
-            </a:extLst>
-          </a:blip>
-          <a:srcRect/>
-          <a:stretch>
-            <a:fillRect/>
-          </a:stretch>
-        </p:blipFill>
-        <p:spPr bwMode="auto">
+        </p:nvSpPr>
+        <p:spPr>
           <a:xfrm>
-            <a:off x="401448" y="4673394"/>
-            <a:ext cx="8341103" cy="1721801"/>
+            <a:off x="2285998" y="5596407"/>
+            <a:ext cx="4572000" cy="461665"/>
           </a:xfrm>
           <a:prstGeom prst="rect">
             <a:avLst/>
           </a:prstGeom>
-          <a:ln w="28575">
-            <a:solidFill>
-              <a:schemeClr val="tx1"/>
-            </a:solidFill>
-          </a:ln>
-          <a:extLst>
-            <a:ext uri="{909E8E84-426E-40DD-AFC4-6F175D3DCCD1}">
-              <a14:hiddenFill xmlns:a14="http://schemas.microsoft.com/office/drawing/2010/main">
-                <a:solidFill>
-                  <a:srgbClr val="FFFFFF"/>
-                </a:solidFill>
-              </a14:hiddenFill>
-            </a:ext>
-          </a:extLst>
+          <a:noFill/>
         </p:spPr>
-      </p:pic>
+        <p:txBody>
+          <a:bodyPr wrap="square">
+            <a:spAutoFit/>
+          </a:bodyPr>
+          <a:lstStyle/>
+          <a:p>
+            <a:pPr algn="ctr"/>
+            <a:r>
+              <a:rPr lang="en-US" altLang="zh-TW" sz="2400" dirty="0">
+                <a:hlinkClick r:id="rId3"/>
+              </a:rPr>
+              <a:t>https://db-engines.com/en/ranking</a:t>
+            </a:r>
+            <a:endParaRPr lang="zh-TW" altLang="en-US" sz="2400" dirty="0"/>
+          </a:p>
+        </p:txBody>
+      </p:sp>
     </p:spTree>
     <p:extLst>
       <p:ext uri="{BB962C8B-B14F-4D97-AF65-F5344CB8AC3E}">

--- a/MongoDB資料庫-基礎教學.pptx
+++ b/MongoDB資料庫-基礎教學.pptx
@@ -24,14 +24,16 @@
     <p:sldId id="274" r:id="rId18"/>
     <p:sldId id="275" r:id="rId19"/>
     <p:sldId id="277" r:id="rId20"/>
-    <p:sldId id="282" r:id="rId21"/>
-    <p:sldId id="263" r:id="rId22"/>
-    <p:sldId id="283" r:id="rId23"/>
-    <p:sldId id="284" r:id="rId24"/>
-    <p:sldId id="279" r:id="rId25"/>
-    <p:sldId id="278" r:id="rId26"/>
-    <p:sldId id="280" r:id="rId27"/>
-    <p:sldId id="281" r:id="rId28"/>
+    <p:sldId id="285" r:id="rId21"/>
+    <p:sldId id="286" r:id="rId22"/>
+    <p:sldId id="282" r:id="rId23"/>
+    <p:sldId id="263" r:id="rId24"/>
+    <p:sldId id="283" r:id="rId25"/>
+    <p:sldId id="284" r:id="rId26"/>
+    <p:sldId id="279" r:id="rId27"/>
+    <p:sldId id="278" r:id="rId28"/>
+    <p:sldId id="280" r:id="rId29"/>
+    <p:sldId id="281" r:id="rId30"/>
   </p:sldIdLst>
   <p:sldSz cx="9144000" cy="6858000" type="screen4x3"/>
   <p:notesSz cx="6858000" cy="9144000"/>
@@ -170,6 +172,8 @@
             <p14:sldId id="274"/>
             <p14:sldId id="275"/>
             <p14:sldId id="277"/>
+            <p14:sldId id="285"/>
+            <p14:sldId id="286"/>
           </p14:sldIdLst>
         </p14:section>
         <p14:section name="Python" id="{533D039C-CA44-4141-AD07-D462121FEB5B}">
@@ -5657,6 +5661,381 @@
           <p:cNvPr id="2" name="標題 1">
             <a:extLst>
               <a:ext uri="{FF2B5EF4-FFF2-40B4-BE49-F238E27FC236}">
+                <a16:creationId xmlns:a16="http://schemas.microsoft.com/office/drawing/2014/main" id="{90520305-58B7-D199-A83C-05DD62028D05}"/>
+              </a:ext>
+            </a:extLst>
+          </p:cNvPr>
+          <p:cNvSpPr>
+            <a:spLocks noGrp="1"/>
+          </p:cNvSpPr>
+          <p:nvPr>
+            <p:ph type="title"/>
+          </p:nvPr>
+        </p:nvSpPr>
+        <p:spPr/>
+        <p:txBody>
+          <a:bodyPr/>
+          <a:lstStyle/>
+          <a:p>
+            <a:r>
+              <a:rPr lang="en-US" altLang="zh-TW" dirty="0">
+                <a:latin typeface="微軟正黑體" panose="020B0604030504040204" pitchFamily="34" charset="-120"/>
+                <a:ea typeface="微軟正黑體" panose="020B0604030504040204" pitchFamily="34" charset="-120"/>
+              </a:rPr>
+              <a:t>MongoDB</a:t>
+            </a:r>
+            <a:r>
+              <a:rPr lang="zh-TW" altLang="en-US" dirty="0">
+                <a:latin typeface="微軟正黑體" panose="020B0604030504040204" pitchFamily="34" charset="-120"/>
+                <a:ea typeface="微軟正黑體" panose="020B0604030504040204" pitchFamily="34" charset="-120"/>
+              </a:rPr>
+              <a:t> 進階應用</a:t>
+            </a:r>
+            <a:endParaRPr lang="zh-TW" altLang="en-US" sz="3200" dirty="0">
+              <a:latin typeface="微軟正黑體" panose="020B0604030504040204" pitchFamily="34" charset="-120"/>
+              <a:ea typeface="微軟正黑體" panose="020B0604030504040204" pitchFamily="34" charset="-120"/>
+            </a:endParaRPr>
+          </a:p>
+        </p:txBody>
+      </p:sp>
+    </p:spTree>
+    <p:extLst>
+      <p:ext uri="{BB962C8B-B14F-4D97-AF65-F5344CB8AC3E}">
+        <p14:creationId xmlns:p14="http://schemas.microsoft.com/office/powerpoint/2010/main" val="2903413206"/>
+      </p:ext>
+    </p:extLst>
+  </p:cSld>
+  <p:clrMapOvr>
+    <a:masterClrMapping/>
+  </p:clrMapOvr>
+</p:sld>
+</file>
+
+<file path=ppt/slides/slide21.xml><?xml version="1.0" encoding="utf-8"?>
+<p:sld xmlns:a="http://schemas.openxmlformats.org/drawingml/2006/main" xmlns:r="http://schemas.openxmlformats.org/officeDocument/2006/relationships" xmlns:p="http://schemas.openxmlformats.org/presentationml/2006/main">
+  <p:cSld>
+    <p:spTree>
+      <p:nvGrpSpPr>
+        <p:cNvPr id="1" name=""/>
+        <p:cNvGrpSpPr/>
+        <p:nvPr/>
+      </p:nvGrpSpPr>
+      <p:grpSpPr>
+        <a:xfrm>
+          <a:off x="0" y="0"/>
+          <a:ext cx="0" cy="0"/>
+          <a:chOff x="0" y="0"/>
+          <a:chExt cx="0" cy="0"/>
+        </a:xfrm>
+      </p:grpSpPr>
+      <p:sp>
+        <p:nvSpPr>
+          <p:cNvPr id="2" name="標題 1">
+            <a:extLst>
+              <a:ext uri="{FF2B5EF4-FFF2-40B4-BE49-F238E27FC236}">
+                <a16:creationId xmlns:a16="http://schemas.microsoft.com/office/drawing/2014/main" id="{90520305-58B7-D199-A83C-05DD62028D05}"/>
+              </a:ext>
+            </a:extLst>
+          </p:cNvPr>
+          <p:cNvSpPr>
+            <a:spLocks noGrp="1"/>
+          </p:cNvSpPr>
+          <p:nvPr>
+            <p:ph type="title"/>
+          </p:nvPr>
+        </p:nvSpPr>
+        <p:spPr/>
+        <p:txBody>
+          <a:bodyPr/>
+          <a:lstStyle/>
+          <a:p>
+            <a:r>
+              <a:rPr lang="en-US" altLang="zh-TW" dirty="0">
+                <a:latin typeface="微軟正黑體" panose="020B0604030504040204" pitchFamily="34" charset="-120"/>
+                <a:ea typeface="微軟正黑體" panose="020B0604030504040204" pitchFamily="34" charset="-120"/>
+              </a:rPr>
+              <a:t>MongoDB</a:t>
+            </a:r>
+            <a:r>
+              <a:rPr lang="zh-TW" altLang="en-US" dirty="0">
+                <a:latin typeface="微軟正黑體" panose="020B0604030504040204" pitchFamily="34" charset="-120"/>
+                <a:ea typeface="微軟正黑體" panose="020B0604030504040204" pitchFamily="34" charset="-120"/>
+              </a:rPr>
+              <a:t> 進階設計</a:t>
+            </a:r>
+            <a:endParaRPr lang="zh-TW" altLang="en-US" sz="3200" dirty="0">
+              <a:latin typeface="微軟正黑體" panose="020B0604030504040204" pitchFamily="34" charset="-120"/>
+              <a:ea typeface="微軟正黑體" panose="020B0604030504040204" pitchFamily="34" charset="-120"/>
+            </a:endParaRPr>
+          </a:p>
+        </p:txBody>
+      </p:sp>
+      <p:pic>
+        <p:nvPicPr>
+          <p:cNvPr id="1026" name="Picture 2" descr="MongoDB 分片· MongoDB 学习教程">
+            <a:extLst>
+              <a:ext uri="{FF2B5EF4-FFF2-40B4-BE49-F238E27FC236}">
+                <a16:creationId xmlns:a16="http://schemas.microsoft.com/office/drawing/2014/main" id="{3882370B-78C1-57E4-712F-A02AF62BE058}"/>
+              </a:ext>
+            </a:extLst>
+          </p:cNvPr>
+          <p:cNvPicPr>
+            <a:picLocks noChangeAspect="1" noChangeArrowheads="1"/>
+          </p:cNvPicPr>
+          <p:nvPr/>
+        </p:nvPicPr>
+        <p:blipFill>
+          <a:blip r:embed="rId2">
+            <a:extLst>
+              <a:ext uri="{28A0092B-C50C-407E-A947-70E740481C1C}">
+                <a14:useLocalDpi xmlns:a14="http://schemas.microsoft.com/office/drawing/2010/main" val="0"/>
+              </a:ext>
+            </a:extLst>
+          </a:blip>
+          <a:srcRect/>
+          <a:stretch>
+            <a:fillRect/>
+          </a:stretch>
+        </p:blipFill>
+        <p:spPr bwMode="auto">
+          <a:xfrm>
+            <a:off x="493776" y="2596896"/>
+            <a:ext cx="3647713" cy="3496594"/>
+          </a:xfrm>
+          <a:prstGeom prst="rect">
+            <a:avLst/>
+          </a:prstGeom>
+          <a:noFill/>
+          <a:extLst>
+            <a:ext uri="{909E8E84-426E-40DD-AFC4-6F175D3DCCD1}">
+              <a14:hiddenFill xmlns:a14="http://schemas.microsoft.com/office/drawing/2010/main">
+                <a:solidFill>
+                  <a:srgbClr val="FFFFFF"/>
+                </a:solidFill>
+              </a14:hiddenFill>
+            </a:ext>
+          </a:extLst>
+        </p:spPr>
+      </p:pic>
+      <p:pic>
+        <p:nvPicPr>
+          <p:cNvPr id="1028" name="Picture 4" descr="MongoDB 複製(副本集)">
+            <a:extLst>
+              <a:ext uri="{FF2B5EF4-FFF2-40B4-BE49-F238E27FC236}">
+                <a16:creationId xmlns:a16="http://schemas.microsoft.com/office/drawing/2014/main" id="{27DBC39B-808C-F84F-1CDA-461B469C234D}"/>
+              </a:ext>
+            </a:extLst>
+          </p:cNvPr>
+          <p:cNvPicPr>
+            <a:picLocks noChangeAspect="1" noChangeArrowheads="1"/>
+          </p:cNvPicPr>
+          <p:nvPr/>
+        </p:nvPicPr>
+        <p:blipFill>
+          <a:blip r:embed="rId3">
+            <a:extLst>
+              <a:ext uri="{28A0092B-C50C-407E-A947-70E740481C1C}">
+                <a14:useLocalDpi xmlns:a14="http://schemas.microsoft.com/office/drawing/2010/main" val="0"/>
+              </a:ext>
+            </a:extLst>
+          </a:blip>
+          <a:srcRect/>
+          <a:stretch>
+            <a:fillRect/>
+          </a:stretch>
+        </p:blipFill>
+        <p:spPr bwMode="auto">
+          <a:xfrm>
+            <a:off x="4390257" y="2797875"/>
+            <a:ext cx="4125093" cy="3374326"/>
+          </a:xfrm>
+          <a:prstGeom prst="rect">
+            <a:avLst/>
+          </a:prstGeom>
+          <a:noFill/>
+          <a:extLst>
+            <a:ext uri="{909E8E84-426E-40DD-AFC4-6F175D3DCCD1}">
+              <a14:hiddenFill xmlns:a14="http://schemas.microsoft.com/office/drawing/2010/main">
+                <a:solidFill>
+                  <a:srgbClr val="FFFFFF"/>
+                </a:solidFill>
+              </a14:hiddenFill>
+            </a:ext>
+          </a:extLst>
+        </p:spPr>
+      </p:pic>
+      <p:sp>
+        <p:nvSpPr>
+          <p:cNvPr id="6" name="標題 1">
+            <a:extLst>
+              <a:ext uri="{FF2B5EF4-FFF2-40B4-BE49-F238E27FC236}">
+                <a16:creationId xmlns:a16="http://schemas.microsoft.com/office/drawing/2014/main" id="{6881071B-58E2-DB6C-FF26-4DBA0920D2E2}"/>
+              </a:ext>
+            </a:extLst>
+          </p:cNvPr>
+          <p:cNvSpPr txBox="1">
+            <a:spLocks/>
+          </p:cNvSpPr>
+          <p:nvPr/>
+        </p:nvSpPr>
+        <p:spPr>
+          <a:xfrm>
+            <a:off x="1079112" y="1934769"/>
+            <a:ext cx="2477040" cy="418046"/>
+          </a:xfrm>
+          <a:prstGeom prst="rect">
+            <a:avLst/>
+          </a:prstGeom>
+        </p:spPr>
+        <p:txBody>
+          <a:bodyPr vert="horz" lIns="91440" tIns="45720" rIns="91440" bIns="45720" rtlCol="0" anchor="ctr">
+            <a:normAutofit/>
+          </a:bodyPr>
+          <a:lstStyle>
+            <a:lvl1pPr algn="l" defTabSz="914400" rtl="0" eaLnBrk="1" latinLnBrk="0" hangingPunct="1">
+              <a:lnSpc>
+                <a:spcPct val="90000"/>
+              </a:lnSpc>
+              <a:spcBef>
+                <a:spcPct val="0"/>
+              </a:spcBef>
+              <a:buNone/>
+              <a:defRPr sz="4400" kern="1200">
+                <a:solidFill>
+                  <a:schemeClr val="tx1"/>
+                </a:solidFill>
+                <a:latin typeface="+mj-lt"/>
+                <a:ea typeface="+mj-ea"/>
+                <a:cs typeface="+mj-cs"/>
+              </a:defRPr>
+            </a:lvl1pPr>
+          </a:lstStyle>
+          <a:p>
+            <a:pPr algn="ctr"/>
+            <a:r>
+              <a:rPr lang="en-US" altLang="zh-TW" sz="2000" dirty="0" err="1">
+                <a:latin typeface="微軟正黑體" panose="020B0604030504040204" pitchFamily="34" charset="-120"/>
+                <a:ea typeface="微軟正黑體" panose="020B0604030504040204" pitchFamily="34" charset="-120"/>
+              </a:rPr>
+              <a:t>Sharding</a:t>
+            </a:r>
+            <a:r>
+              <a:rPr lang="en-US" altLang="zh-TW" sz="2000" dirty="0">
+                <a:latin typeface="微軟正黑體" panose="020B0604030504040204" pitchFamily="34" charset="-120"/>
+                <a:ea typeface="微軟正黑體" panose="020B0604030504040204" pitchFamily="34" charset="-120"/>
+              </a:rPr>
+              <a:t> - </a:t>
+            </a:r>
+            <a:r>
+              <a:rPr lang="zh-TW" altLang="en-US" sz="2000" dirty="0">
+                <a:latin typeface="微軟正黑體" panose="020B0604030504040204" pitchFamily="34" charset="-120"/>
+                <a:ea typeface="微軟正黑體" panose="020B0604030504040204" pitchFamily="34" charset="-120"/>
+              </a:rPr>
+              <a:t>分片</a:t>
+            </a:r>
+          </a:p>
+        </p:txBody>
+      </p:sp>
+      <p:sp>
+        <p:nvSpPr>
+          <p:cNvPr id="7" name="標題 1">
+            <a:extLst>
+              <a:ext uri="{FF2B5EF4-FFF2-40B4-BE49-F238E27FC236}">
+                <a16:creationId xmlns:a16="http://schemas.microsoft.com/office/drawing/2014/main" id="{F32431E8-59E2-693A-6F37-2F223F13F661}"/>
+              </a:ext>
+            </a:extLst>
+          </p:cNvPr>
+          <p:cNvSpPr txBox="1">
+            <a:spLocks/>
+          </p:cNvSpPr>
+          <p:nvPr/>
+        </p:nvSpPr>
+        <p:spPr>
+          <a:xfrm>
+            <a:off x="5214283" y="1934769"/>
+            <a:ext cx="2477040" cy="418046"/>
+          </a:xfrm>
+          <a:prstGeom prst="rect">
+            <a:avLst/>
+          </a:prstGeom>
+        </p:spPr>
+        <p:txBody>
+          <a:bodyPr vert="horz" lIns="91440" tIns="45720" rIns="91440" bIns="45720" rtlCol="0" anchor="ctr">
+            <a:normAutofit/>
+          </a:bodyPr>
+          <a:lstStyle>
+            <a:lvl1pPr algn="l" defTabSz="914400" rtl="0" eaLnBrk="1" latinLnBrk="0" hangingPunct="1">
+              <a:lnSpc>
+                <a:spcPct val="90000"/>
+              </a:lnSpc>
+              <a:spcBef>
+                <a:spcPct val="0"/>
+              </a:spcBef>
+              <a:buNone/>
+              <a:defRPr sz="4400" kern="1200">
+                <a:solidFill>
+                  <a:schemeClr val="tx1"/>
+                </a:solidFill>
+                <a:latin typeface="+mj-lt"/>
+                <a:ea typeface="+mj-ea"/>
+                <a:cs typeface="+mj-cs"/>
+              </a:defRPr>
+            </a:lvl1pPr>
+          </a:lstStyle>
+          <a:p>
+            <a:pPr algn="ctr"/>
+            <a:r>
+              <a:rPr lang="en-US" altLang="zh-TW" sz="2000" dirty="0">
+                <a:latin typeface="微軟正黑體" panose="020B0604030504040204" pitchFamily="34" charset="-120"/>
+                <a:ea typeface="微軟正黑體" panose="020B0604030504040204" pitchFamily="34" charset="-120"/>
+              </a:rPr>
+              <a:t>Replication - </a:t>
+            </a:r>
+            <a:r>
+              <a:rPr lang="zh-TW" altLang="en-US" sz="2000" dirty="0">
+                <a:latin typeface="微軟正黑體" panose="020B0604030504040204" pitchFamily="34" charset="-120"/>
+                <a:ea typeface="微軟正黑體" panose="020B0604030504040204" pitchFamily="34" charset="-120"/>
+              </a:rPr>
+              <a:t>複製</a:t>
+            </a:r>
+          </a:p>
+        </p:txBody>
+      </p:sp>
+    </p:spTree>
+    <p:extLst>
+      <p:ext uri="{BB962C8B-B14F-4D97-AF65-F5344CB8AC3E}">
+        <p14:creationId xmlns:p14="http://schemas.microsoft.com/office/powerpoint/2010/main" val="249833928"/>
+      </p:ext>
+    </p:extLst>
+  </p:cSld>
+  <p:clrMapOvr>
+    <a:masterClrMapping/>
+  </p:clrMapOvr>
+</p:sld>
+</file>
+
+<file path=ppt/slides/slide22.xml><?xml version="1.0" encoding="utf-8"?>
+<p:sld xmlns:a="http://schemas.openxmlformats.org/drawingml/2006/main" xmlns:r="http://schemas.openxmlformats.org/officeDocument/2006/relationships" xmlns:p="http://schemas.openxmlformats.org/presentationml/2006/main">
+  <p:cSld>
+    <p:spTree>
+      <p:nvGrpSpPr>
+        <p:cNvPr id="1" name=""/>
+        <p:cNvGrpSpPr/>
+        <p:nvPr/>
+      </p:nvGrpSpPr>
+      <p:grpSpPr>
+        <a:xfrm>
+          <a:off x="0" y="0"/>
+          <a:ext cx="0" cy="0"/>
+          <a:chOff x="0" y="0"/>
+          <a:chExt cx="0" cy="0"/>
+        </a:xfrm>
+      </p:grpSpPr>
+      <p:sp>
+        <p:nvSpPr>
+          <p:cNvPr id="2" name="標題 1">
+            <a:extLst>
+              <a:ext uri="{FF2B5EF4-FFF2-40B4-BE49-F238E27FC236}">
                 <a16:creationId xmlns:a16="http://schemas.microsoft.com/office/drawing/2014/main" id="{587E68AB-A373-4D57-84D2-14D6C6ED6A6E}"/>
               </a:ext>
             </a:extLst>
@@ -5824,7 +6203,7 @@
 </p:sld>
 </file>
 
-<file path=ppt/slides/slide21.xml><?xml version="1.0" encoding="utf-8"?>
+<file path=ppt/slides/slide23.xml><?xml version="1.0" encoding="utf-8"?>
 <p:sld xmlns:a="http://schemas.openxmlformats.org/drawingml/2006/main" xmlns:r="http://schemas.openxmlformats.org/officeDocument/2006/relationships" xmlns:p="http://schemas.openxmlformats.org/presentationml/2006/main">
   <p:cSld>
     <p:spTree>
@@ -6274,1169 +6653,6 @@
 </p:sld>
 </file>
 
-<file path=ppt/slides/slide22.xml><?xml version="1.0" encoding="utf-8"?>
-<p:sld xmlns:a="http://schemas.openxmlformats.org/drawingml/2006/main" xmlns:r="http://schemas.openxmlformats.org/officeDocument/2006/relationships" xmlns:p="http://schemas.openxmlformats.org/presentationml/2006/main">
-  <p:cSld>
-    <p:spTree>
-      <p:nvGrpSpPr>
-        <p:cNvPr id="1" name=""/>
-        <p:cNvGrpSpPr/>
-        <p:nvPr/>
-      </p:nvGrpSpPr>
-      <p:grpSpPr>
-        <a:xfrm>
-          <a:off x="0" y="0"/>
-          <a:ext cx="0" cy="0"/>
-          <a:chOff x="0" y="0"/>
-          <a:chExt cx="0" cy="0"/>
-        </a:xfrm>
-      </p:grpSpPr>
-      <p:sp>
-        <p:nvSpPr>
-          <p:cNvPr id="2" name="標題 1">
-            <a:extLst>
-              <a:ext uri="{FF2B5EF4-FFF2-40B4-BE49-F238E27FC236}">
-                <a16:creationId xmlns:a16="http://schemas.microsoft.com/office/drawing/2014/main" id="{587E68AB-A373-4D57-84D2-14D6C6ED6A6E}"/>
-              </a:ext>
-            </a:extLst>
-          </p:cNvPr>
-          <p:cNvSpPr>
-            <a:spLocks noGrp="1"/>
-          </p:cNvSpPr>
-          <p:nvPr>
-            <p:ph type="title"/>
-          </p:nvPr>
-        </p:nvSpPr>
-        <p:spPr>
-          <a:xfrm>
-            <a:off x="857250" y="1167491"/>
-            <a:ext cx="7406640" cy="431541"/>
-          </a:xfrm>
-        </p:spPr>
-        <p:txBody>
-          <a:bodyPr>
-            <a:normAutofit fontScale="90000"/>
-          </a:bodyPr>
-          <a:lstStyle/>
-          <a:p>
-            <a:pPr algn="ctr"/>
-            <a:r>
-              <a:rPr lang="en-US" altLang="zh-TW" dirty="0">
-                <a:latin typeface="微軟正黑體" panose="020B0604030504040204" pitchFamily="34" charset="-120"/>
-                <a:ea typeface="微軟正黑體" panose="020B0604030504040204" pitchFamily="34" charset="-120"/>
-              </a:rPr>
-              <a:t>Python</a:t>
-            </a:r>
-            <a:r>
-              <a:rPr lang="zh-TW" altLang="en-US" dirty="0">
-                <a:latin typeface="微軟正黑體" panose="020B0604030504040204" pitchFamily="34" charset="-120"/>
-                <a:ea typeface="微軟正黑體" panose="020B0604030504040204" pitchFamily="34" charset="-120"/>
-              </a:rPr>
-              <a:t>執行</a:t>
-            </a:r>
-            <a:endParaRPr lang="zh-TW" altLang="en-US" dirty="0"/>
-          </a:p>
-        </p:txBody>
-      </p:sp>
-      <p:pic>
-        <p:nvPicPr>
-          <p:cNvPr id="4" name="圖片 3">
-            <a:extLst>
-              <a:ext uri="{FF2B5EF4-FFF2-40B4-BE49-F238E27FC236}">
-                <a16:creationId xmlns:a16="http://schemas.microsoft.com/office/drawing/2014/main" id="{9EE8099D-A256-49C9-AC85-D1E691980AED}"/>
-              </a:ext>
-            </a:extLst>
-          </p:cNvPr>
-          <p:cNvPicPr>
-            <a:picLocks noChangeAspect="1"/>
-          </p:cNvPicPr>
-          <p:nvPr/>
-        </p:nvPicPr>
-        <p:blipFill>
-          <a:blip r:embed="rId2"/>
-          <a:stretch>
-            <a:fillRect/>
-          </a:stretch>
-        </p:blipFill>
-        <p:spPr>
-          <a:xfrm>
-            <a:off x="345338" y="1825006"/>
-            <a:ext cx="1980147" cy="3960294"/>
-          </a:xfrm>
-          <a:prstGeom prst="rect">
-            <a:avLst/>
-          </a:prstGeom>
-        </p:spPr>
-      </p:pic>
-      <p:sp>
-        <p:nvSpPr>
-          <p:cNvPr id="5" name="矩形 4">
-            <a:extLst>
-              <a:ext uri="{FF2B5EF4-FFF2-40B4-BE49-F238E27FC236}">
-                <a16:creationId xmlns:a16="http://schemas.microsoft.com/office/drawing/2014/main" id="{EBAD9BB8-2B7B-46DB-9884-9685E9810641}"/>
-              </a:ext>
-            </a:extLst>
-          </p:cNvPr>
-          <p:cNvSpPr/>
-          <p:nvPr/>
-        </p:nvSpPr>
-        <p:spPr>
-          <a:xfrm>
-            <a:off x="683902" y="3064279"/>
-            <a:ext cx="1303020" cy="321079"/>
-          </a:xfrm>
-          <a:prstGeom prst="rect">
-            <a:avLst/>
-          </a:prstGeom>
-          <a:noFill/>
-          <a:ln w="38100">
-            <a:solidFill>
-              <a:srgbClr val="FF0000"/>
-            </a:solidFill>
-          </a:ln>
-        </p:spPr>
-        <p:style>
-          <a:lnRef idx="2">
-            <a:schemeClr val="accent1">
-              <a:shade val="50000"/>
-            </a:schemeClr>
-          </a:lnRef>
-          <a:fillRef idx="1">
-            <a:schemeClr val="accent1"/>
-          </a:fillRef>
-          <a:effectRef idx="0">
-            <a:schemeClr val="accent1"/>
-          </a:effectRef>
-          <a:fontRef idx="minor">
-            <a:schemeClr val="lt1"/>
-          </a:fontRef>
-        </p:style>
-        <p:txBody>
-          <a:bodyPr rtlCol="0" anchor="ctr"/>
-          <a:lstStyle/>
-          <a:p>
-            <a:pPr algn="ctr"/>
-            <a:endParaRPr lang="zh-TW" altLang="en-US" sz="1350"/>
-          </a:p>
-        </p:txBody>
-      </p:sp>
-      <p:pic>
-        <p:nvPicPr>
-          <p:cNvPr id="7" name="圖片 6">
-            <a:extLst>
-              <a:ext uri="{FF2B5EF4-FFF2-40B4-BE49-F238E27FC236}">
-                <a16:creationId xmlns:a16="http://schemas.microsoft.com/office/drawing/2014/main" id="{9B176BEB-FDE7-45E3-8C4E-23ADDC083D5D}"/>
-              </a:ext>
-            </a:extLst>
-          </p:cNvPr>
-          <p:cNvPicPr>
-            <a:picLocks noChangeAspect="1"/>
-          </p:cNvPicPr>
-          <p:nvPr/>
-        </p:nvPicPr>
-        <p:blipFill>
-          <a:blip r:embed="rId3"/>
-          <a:stretch>
-            <a:fillRect/>
-          </a:stretch>
-        </p:blipFill>
-        <p:spPr>
-          <a:xfrm>
-            <a:off x="2766967" y="1779961"/>
-            <a:ext cx="2709248" cy="2718263"/>
-          </a:xfrm>
-          <a:prstGeom prst="rect">
-            <a:avLst/>
-          </a:prstGeom>
-        </p:spPr>
-      </p:pic>
-      <p:pic>
-        <p:nvPicPr>
-          <p:cNvPr id="8" name="圖片 7">
-            <a:extLst>
-              <a:ext uri="{FF2B5EF4-FFF2-40B4-BE49-F238E27FC236}">
-                <a16:creationId xmlns:a16="http://schemas.microsoft.com/office/drawing/2014/main" id="{A84AB8E6-7ADB-4ED8-BE55-34BDC89BF18E}"/>
-              </a:ext>
-            </a:extLst>
-          </p:cNvPr>
-          <p:cNvPicPr>
-            <a:picLocks noChangeAspect="1"/>
-          </p:cNvPicPr>
-          <p:nvPr/>
-        </p:nvPicPr>
-        <p:blipFill>
-          <a:blip r:embed="rId4"/>
-          <a:stretch>
-            <a:fillRect/>
-          </a:stretch>
-        </p:blipFill>
-        <p:spPr>
-          <a:xfrm>
-            <a:off x="5917696" y="1779961"/>
-            <a:ext cx="2718263" cy="2718263"/>
-          </a:xfrm>
-          <a:prstGeom prst="rect">
-            <a:avLst/>
-          </a:prstGeom>
-        </p:spPr>
-      </p:pic>
-      <p:sp>
-        <p:nvSpPr>
-          <p:cNvPr id="9" name="箭號: 向下 8">
-            <a:extLst>
-              <a:ext uri="{FF2B5EF4-FFF2-40B4-BE49-F238E27FC236}">
-                <a16:creationId xmlns:a16="http://schemas.microsoft.com/office/drawing/2014/main" id="{819E8666-E9E1-47FB-83E9-ADFA19F5BEEB}"/>
-              </a:ext>
-            </a:extLst>
-          </p:cNvPr>
-          <p:cNvSpPr/>
-          <p:nvPr/>
-        </p:nvSpPr>
-        <p:spPr>
-          <a:xfrm rot="13457069">
-            <a:off x="2221841" y="2382082"/>
-            <a:ext cx="193271" cy="711242"/>
-          </a:xfrm>
-          <a:prstGeom prst="downArrow">
-            <a:avLst/>
-          </a:prstGeom>
-        </p:spPr>
-        <p:style>
-          <a:lnRef idx="2">
-            <a:schemeClr val="accent1">
-              <a:shade val="50000"/>
-            </a:schemeClr>
-          </a:lnRef>
-          <a:fillRef idx="1">
-            <a:schemeClr val="accent1"/>
-          </a:fillRef>
-          <a:effectRef idx="0">
-            <a:schemeClr val="accent1"/>
-          </a:effectRef>
-          <a:fontRef idx="minor">
-            <a:schemeClr val="lt1"/>
-          </a:fontRef>
-        </p:style>
-        <p:txBody>
-          <a:bodyPr rtlCol="0" anchor="ctr"/>
-          <a:lstStyle/>
-          <a:p>
-            <a:pPr algn="ctr"/>
-            <a:endParaRPr lang="zh-TW" altLang="en-US" sz="1350"/>
-          </a:p>
-        </p:txBody>
-      </p:sp>
-      <p:sp>
-        <p:nvSpPr>
-          <p:cNvPr id="10" name="箭號: 向下 9">
-            <a:extLst>
-              <a:ext uri="{FF2B5EF4-FFF2-40B4-BE49-F238E27FC236}">
-                <a16:creationId xmlns:a16="http://schemas.microsoft.com/office/drawing/2014/main" id="{088CDB84-615E-4B01-BB12-E00B4EE314A5}"/>
-              </a:ext>
-            </a:extLst>
-          </p:cNvPr>
-          <p:cNvSpPr/>
-          <p:nvPr/>
-        </p:nvSpPr>
-        <p:spPr>
-          <a:xfrm rot="16200000">
-            <a:off x="5600320" y="2297452"/>
-            <a:ext cx="193271" cy="236389"/>
-          </a:xfrm>
-          <a:prstGeom prst="downArrow">
-            <a:avLst/>
-          </a:prstGeom>
-        </p:spPr>
-        <p:style>
-          <a:lnRef idx="2">
-            <a:schemeClr val="accent1">
-              <a:shade val="50000"/>
-            </a:schemeClr>
-          </a:lnRef>
-          <a:fillRef idx="1">
-            <a:schemeClr val="accent1"/>
-          </a:fillRef>
-          <a:effectRef idx="0">
-            <a:schemeClr val="accent1"/>
-          </a:effectRef>
-          <a:fontRef idx="minor">
-            <a:schemeClr val="lt1"/>
-          </a:fontRef>
-        </p:style>
-        <p:txBody>
-          <a:bodyPr rtlCol="0" anchor="ctr"/>
-          <a:lstStyle/>
-          <a:p>
-            <a:pPr algn="ctr"/>
-            <a:endParaRPr lang="zh-TW" altLang="en-US" sz="1350"/>
-          </a:p>
-        </p:txBody>
-      </p:sp>
-      <p:pic>
-        <p:nvPicPr>
-          <p:cNvPr id="12" name="圖片 11">
-            <a:extLst>
-              <a:ext uri="{FF2B5EF4-FFF2-40B4-BE49-F238E27FC236}">
-                <a16:creationId xmlns:a16="http://schemas.microsoft.com/office/drawing/2014/main" id="{02250E09-B2CB-41FB-AFE3-81BAE76AD2E5}"/>
-              </a:ext>
-            </a:extLst>
-          </p:cNvPr>
-          <p:cNvPicPr>
-            <a:picLocks noChangeAspect="1"/>
-          </p:cNvPicPr>
-          <p:nvPr/>
-        </p:nvPicPr>
-        <p:blipFill>
-          <a:blip r:embed="rId5"/>
-          <a:stretch>
-            <a:fillRect/>
-          </a:stretch>
-        </p:blipFill>
-        <p:spPr>
-          <a:xfrm>
-            <a:off x="3828212" y="3861939"/>
-            <a:ext cx="3657708" cy="1634425"/>
-          </a:xfrm>
-          <a:prstGeom prst="rect">
-            <a:avLst/>
-          </a:prstGeom>
-        </p:spPr>
-      </p:pic>
-      <p:sp>
-        <p:nvSpPr>
-          <p:cNvPr id="13" name="箭號: 向下 12">
-            <a:extLst>
-              <a:ext uri="{FF2B5EF4-FFF2-40B4-BE49-F238E27FC236}">
-                <a16:creationId xmlns:a16="http://schemas.microsoft.com/office/drawing/2014/main" id="{1A72C886-1B77-43A9-9A9D-DB9D15572EFB}"/>
-              </a:ext>
-            </a:extLst>
-          </p:cNvPr>
-          <p:cNvSpPr/>
-          <p:nvPr/>
-        </p:nvSpPr>
-        <p:spPr>
-          <a:xfrm rot="16200000">
-            <a:off x="5600320" y="2297452"/>
-            <a:ext cx="193271" cy="236389"/>
-          </a:xfrm>
-          <a:prstGeom prst="downArrow">
-            <a:avLst/>
-          </a:prstGeom>
-        </p:spPr>
-        <p:style>
-          <a:lnRef idx="2">
-            <a:schemeClr val="accent1">
-              <a:shade val="50000"/>
-            </a:schemeClr>
-          </a:lnRef>
-          <a:fillRef idx="1">
-            <a:schemeClr val="accent1"/>
-          </a:fillRef>
-          <a:effectRef idx="0">
-            <a:schemeClr val="accent1"/>
-          </a:effectRef>
-          <a:fontRef idx="minor">
-            <a:schemeClr val="lt1"/>
-          </a:fontRef>
-        </p:style>
-        <p:txBody>
-          <a:bodyPr rtlCol="0" anchor="ctr"/>
-          <a:lstStyle/>
-          <a:p>
-            <a:pPr algn="ctr"/>
-            <a:endParaRPr lang="zh-TW" altLang="en-US" sz="1350"/>
-          </a:p>
-        </p:txBody>
-      </p:sp>
-      <p:sp>
-        <p:nvSpPr>
-          <p:cNvPr id="14" name="箭號: 向下 13">
-            <a:extLst>
-              <a:ext uri="{FF2B5EF4-FFF2-40B4-BE49-F238E27FC236}">
-                <a16:creationId xmlns:a16="http://schemas.microsoft.com/office/drawing/2014/main" id="{B65116D1-22F4-42EE-91DE-37CFEA824C79}"/>
-              </a:ext>
-            </a:extLst>
-          </p:cNvPr>
-          <p:cNvSpPr/>
-          <p:nvPr/>
-        </p:nvSpPr>
-        <p:spPr>
-          <a:xfrm rot="1646343">
-            <a:off x="6347101" y="3185606"/>
-            <a:ext cx="193271" cy="609289"/>
-          </a:xfrm>
-          <a:prstGeom prst="downArrow">
-            <a:avLst/>
-          </a:prstGeom>
-        </p:spPr>
-        <p:style>
-          <a:lnRef idx="2">
-            <a:schemeClr val="accent1">
-              <a:shade val="50000"/>
-            </a:schemeClr>
-          </a:lnRef>
-          <a:fillRef idx="1">
-            <a:schemeClr val="accent1"/>
-          </a:fillRef>
-          <a:effectRef idx="0">
-            <a:schemeClr val="accent1"/>
-          </a:effectRef>
-          <a:fontRef idx="minor">
-            <a:schemeClr val="lt1"/>
-          </a:fontRef>
-        </p:style>
-        <p:txBody>
-          <a:bodyPr rtlCol="0" anchor="ctr"/>
-          <a:lstStyle/>
-          <a:p>
-            <a:pPr algn="ctr"/>
-            <a:endParaRPr lang="zh-TW" altLang="en-US" sz="1350"/>
-          </a:p>
-        </p:txBody>
-      </p:sp>
-      <p:sp>
-        <p:nvSpPr>
-          <p:cNvPr id="15" name="文字方塊 14">
-            <a:extLst>
-              <a:ext uri="{FF2B5EF4-FFF2-40B4-BE49-F238E27FC236}">
-                <a16:creationId xmlns:a16="http://schemas.microsoft.com/office/drawing/2014/main" id="{69D44A5A-E2D3-4155-9682-F3ED34166DEC}"/>
-              </a:ext>
-            </a:extLst>
-          </p:cNvPr>
-          <p:cNvSpPr txBox="1"/>
-          <p:nvPr/>
-        </p:nvSpPr>
-        <p:spPr>
-          <a:xfrm>
-            <a:off x="6490163" y="3380915"/>
-            <a:ext cx="896399" cy="300082"/>
-          </a:xfrm>
-          <a:prstGeom prst="rect">
-            <a:avLst/>
-          </a:prstGeom>
-          <a:noFill/>
-        </p:spPr>
-        <p:txBody>
-          <a:bodyPr wrap="none" rtlCol="0">
-            <a:spAutoFit/>
-          </a:bodyPr>
-          <a:lstStyle/>
-          <a:p>
-            <a:r>
-              <a:rPr lang="zh-TW" altLang="en-US" sz="1350" dirty="0">
-                <a:latin typeface="微軟正黑體" panose="020B0604030504040204" pitchFamily="34" charset="-120"/>
-                <a:ea typeface="微軟正黑體" panose="020B0604030504040204" pitchFamily="34" charset="-120"/>
-              </a:rPr>
-              <a:t>按</a:t>
-            </a:r>
-            <a:r>
-              <a:rPr lang="en-US" altLang="zh-TW" sz="1350" dirty="0">
-                <a:latin typeface="微軟正黑體" panose="020B0604030504040204" pitchFamily="34" charset="-120"/>
-                <a:ea typeface="微軟正黑體" panose="020B0604030504040204" pitchFamily="34" charset="-120"/>
-              </a:rPr>
-              <a:t>F5</a:t>
-            </a:r>
-            <a:r>
-              <a:rPr lang="zh-TW" altLang="en-US" sz="1350" dirty="0">
-                <a:latin typeface="微軟正黑體" panose="020B0604030504040204" pitchFamily="34" charset="-120"/>
-                <a:ea typeface="微軟正黑體" panose="020B0604030504040204" pitchFamily="34" charset="-120"/>
-              </a:rPr>
-              <a:t>執行</a:t>
-            </a:r>
-          </a:p>
-        </p:txBody>
-      </p:sp>
-    </p:spTree>
-    <p:extLst>
-      <p:ext uri="{BB962C8B-B14F-4D97-AF65-F5344CB8AC3E}">
-        <p14:creationId xmlns:p14="http://schemas.microsoft.com/office/powerpoint/2010/main" val="3082866378"/>
-      </p:ext>
-    </p:extLst>
-  </p:cSld>
-  <p:clrMapOvr>
-    <a:masterClrMapping/>
-  </p:clrMapOvr>
-  <p:transition spd="slow">
-    <p:push dir="u"/>
-  </p:transition>
-</p:sld>
-</file>
-
-<file path=ppt/slides/slide23.xml><?xml version="1.0" encoding="utf-8"?>
-<p:sld xmlns:a="http://schemas.openxmlformats.org/drawingml/2006/main" xmlns:r="http://schemas.openxmlformats.org/officeDocument/2006/relationships" xmlns:p="http://schemas.openxmlformats.org/presentationml/2006/main">
-  <p:cSld>
-    <p:spTree>
-      <p:nvGrpSpPr>
-        <p:cNvPr id="1" name=""/>
-        <p:cNvGrpSpPr/>
-        <p:nvPr/>
-      </p:nvGrpSpPr>
-      <p:grpSpPr>
-        <a:xfrm>
-          <a:off x="0" y="0"/>
-          <a:ext cx="0" cy="0"/>
-          <a:chOff x="0" y="0"/>
-          <a:chExt cx="0" cy="0"/>
-        </a:xfrm>
-      </p:grpSpPr>
-      <p:sp>
-        <p:nvSpPr>
-          <p:cNvPr id="2" name="標題 1">
-            <a:extLst>
-              <a:ext uri="{FF2B5EF4-FFF2-40B4-BE49-F238E27FC236}">
-                <a16:creationId xmlns:a16="http://schemas.microsoft.com/office/drawing/2014/main" id="{587E68AB-A373-4D57-84D2-14D6C6ED6A6E}"/>
-              </a:ext>
-            </a:extLst>
-          </p:cNvPr>
-          <p:cNvSpPr>
-            <a:spLocks noGrp="1"/>
-          </p:cNvSpPr>
-          <p:nvPr>
-            <p:ph type="title"/>
-          </p:nvPr>
-        </p:nvSpPr>
-        <p:spPr>
-          <a:xfrm>
-            <a:off x="857250" y="1167491"/>
-            <a:ext cx="7406640" cy="431541"/>
-          </a:xfrm>
-        </p:spPr>
-        <p:txBody>
-          <a:bodyPr>
-            <a:normAutofit fontScale="90000"/>
-          </a:bodyPr>
-          <a:lstStyle/>
-          <a:p>
-            <a:pPr algn="ctr"/>
-            <a:r>
-              <a:rPr lang="zh-TW" altLang="en-US" dirty="0">
-                <a:latin typeface="微軟正黑體" panose="020B0604030504040204" pitchFamily="34" charset="-120"/>
-                <a:ea typeface="微軟正黑體" panose="020B0604030504040204" pitchFamily="34" charset="-120"/>
-              </a:rPr>
-              <a:t>安裝套件</a:t>
-            </a:r>
-            <a:r>
-              <a:rPr lang="en-US" altLang="zh-TW" dirty="0">
-                <a:latin typeface="微軟正黑體" panose="020B0604030504040204" pitchFamily="34" charset="-120"/>
-                <a:ea typeface="微軟正黑體" panose="020B0604030504040204" pitchFamily="34" charset="-120"/>
-              </a:rPr>
-              <a:t>(</a:t>
-            </a:r>
-            <a:r>
-              <a:rPr lang="zh-TW" altLang="en-US" dirty="0">
-                <a:latin typeface="微軟正黑體" panose="020B0604030504040204" pitchFamily="34" charset="-120"/>
-                <a:ea typeface="微軟正黑體" panose="020B0604030504040204" pitchFamily="34" charset="-120"/>
-              </a:rPr>
-              <a:t>範例</a:t>
-            </a:r>
-            <a:r>
-              <a:rPr lang="en-US" altLang="zh-TW" dirty="0">
-                <a:latin typeface="微軟正黑體" panose="020B0604030504040204" pitchFamily="34" charset="-120"/>
-                <a:ea typeface="微軟正黑體" panose="020B0604030504040204" pitchFamily="34" charset="-120"/>
-              </a:rPr>
-              <a:t>)</a:t>
-            </a:r>
-            <a:endParaRPr lang="zh-TW" altLang="en-US" dirty="0"/>
-          </a:p>
-        </p:txBody>
-      </p:sp>
-      <p:pic>
-        <p:nvPicPr>
-          <p:cNvPr id="3" name="圖片 2">
-            <a:extLst>
-              <a:ext uri="{FF2B5EF4-FFF2-40B4-BE49-F238E27FC236}">
-                <a16:creationId xmlns:a16="http://schemas.microsoft.com/office/drawing/2014/main" id="{D8D85487-8BD8-4E45-9BAF-53BCEFFBFA19}"/>
-              </a:ext>
-            </a:extLst>
-          </p:cNvPr>
-          <p:cNvPicPr>
-            <a:picLocks noChangeAspect="1"/>
-          </p:cNvPicPr>
-          <p:nvPr/>
-        </p:nvPicPr>
-        <p:blipFill>
-          <a:blip r:embed="rId2"/>
-          <a:stretch>
-            <a:fillRect/>
-          </a:stretch>
-        </p:blipFill>
-        <p:spPr>
-          <a:xfrm>
-            <a:off x="549098" y="2270833"/>
-            <a:ext cx="2857899" cy="1478963"/>
-          </a:xfrm>
-          <a:prstGeom prst="rect">
-            <a:avLst/>
-          </a:prstGeom>
-        </p:spPr>
-      </p:pic>
-      <p:pic>
-        <p:nvPicPr>
-          <p:cNvPr id="6" name="圖片 5">
-            <a:extLst>
-              <a:ext uri="{FF2B5EF4-FFF2-40B4-BE49-F238E27FC236}">
-                <a16:creationId xmlns:a16="http://schemas.microsoft.com/office/drawing/2014/main" id="{78A9B484-795B-48B7-BD67-DC739263EA6C}"/>
-              </a:ext>
-            </a:extLst>
-          </p:cNvPr>
-          <p:cNvPicPr>
-            <a:picLocks noChangeAspect="1"/>
-          </p:cNvPicPr>
-          <p:nvPr/>
-        </p:nvPicPr>
-        <p:blipFill>
-          <a:blip r:embed="rId3"/>
-          <a:stretch>
-            <a:fillRect/>
-          </a:stretch>
-        </p:blipFill>
-        <p:spPr>
-          <a:xfrm>
-            <a:off x="549099" y="4026795"/>
-            <a:ext cx="3389902" cy="1816211"/>
-          </a:xfrm>
-          <a:prstGeom prst="rect">
-            <a:avLst/>
-          </a:prstGeom>
-        </p:spPr>
-      </p:pic>
-      <p:pic>
-        <p:nvPicPr>
-          <p:cNvPr id="16" name="圖片 15">
-            <a:extLst>
-              <a:ext uri="{FF2B5EF4-FFF2-40B4-BE49-F238E27FC236}">
-                <a16:creationId xmlns:a16="http://schemas.microsoft.com/office/drawing/2014/main" id="{9731207F-5F56-40D3-9842-8FACBEE683D3}"/>
-              </a:ext>
-            </a:extLst>
-          </p:cNvPr>
-          <p:cNvPicPr>
-            <a:picLocks noChangeAspect="1"/>
-          </p:cNvPicPr>
-          <p:nvPr/>
-        </p:nvPicPr>
-        <p:blipFill>
-          <a:blip r:embed="rId4"/>
-          <a:stretch>
-            <a:fillRect/>
-          </a:stretch>
-        </p:blipFill>
-        <p:spPr>
-          <a:xfrm>
-            <a:off x="3663766" y="2037093"/>
-            <a:ext cx="4201112" cy="750199"/>
-          </a:xfrm>
-          <a:prstGeom prst="rect">
-            <a:avLst/>
-          </a:prstGeom>
-        </p:spPr>
-      </p:pic>
-      <p:sp>
-        <p:nvSpPr>
-          <p:cNvPr id="17" name="文字方塊 16">
-            <a:extLst>
-              <a:ext uri="{FF2B5EF4-FFF2-40B4-BE49-F238E27FC236}">
-                <a16:creationId xmlns:a16="http://schemas.microsoft.com/office/drawing/2014/main" id="{1D290D53-E9E4-4B88-8122-296A87DBA02E}"/>
-              </a:ext>
-            </a:extLst>
-          </p:cNvPr>
-          <p:cNvSpPr txBox="1"/>
-          <p:nvPr/>
-        </p:nvSpPr>
-        <p:spPr>
-          <a:xfrm>
-            <a:off x="366814" y="1728377"/>
-            <a:ext cx="1754006" cy="571951"/>
-          </a:xfrm>
-          <a:prstGeom prst="rect">
-            <a:avLst/>
-          </a:prstGeom>
-          <a:noFill/>
-        </p:spPr>
-        <p:txBody>
-          <a:bodyPr wrap="none" rtlCol="0">
-            <a:spAutoFit/>
-          </a:bodyPr>
-          <a:lstStyle/>
-          <a:p>
-            <a:pPr>
-              <a:spcAft>
-                <a:spcPts val="450"/>
-              </a:spcAft>
-            </a:pPr>
-            <a:r>
-              <a:rPr lang="en-US" altLang="zh-TW" sz="1350" dirty="0">
-                <a:latin typeface="微軟正黑體" panose="020B0604030504040204" pitchFamily="34" charset="-120"/>
-                <a:ea typeface="微軟正黑體" panose="020B0604030504040204" pitchFamily="34" charset="-120"/>
-              </a:rPr>
-              <a:t>1.</a:t>
-            </a:r>
-            <a:r>
-              <a:rPr lang="zh-TW" altLang="en-US" sz="1350" dirty="0">
-                <a:latin typeface="微軟正黑體" panose="020B0604030504040204" pitchFamily="34" charset="-120"/>
-                <a:ea typeface="微軟正黑體" panose="020B0604030504040204" pitchFamily="34" charset="-120"/>
-              </a:rPr>
-              <a:t>桌面下按</a:t>
-            </a:r>
-            <a:r>
-              <a:rPr lang="en-US" altLang="zh-TW" sz="1350" dirty="0">
-                <a:latin typeface="微軟正黑體" panose="020B0604030504040204" pitchFamily="34" charset="-120"/>
-                <a:ea typeface="微軟正黑體" panose="020B0604030504040204" pitchFamily="34" charset="-120"/>
-              </a:rPr>
-              <a:t>Win</a:t>
-            </a:r>
-            <a:r>
-              <a:rPr lang="zh-TW" altLang="en-US" sz="1350" dirty="0">
-                <a:latin typeface="微軟正黑體" panose="020B0604030504040204" pitchFamily="34" charset="-120"/>
-                <a:ea typeface="微軟正黑體" panose="020B0604030504040204" pitchFamily="34" charset="-120"/>
-              </a:rPr>
-              <a:t>鍵</a:t>
-            </a:r>
-            <a:r>
-              <a:rPr lang="en-US" altLang="zh-TW" sz="1350" dirty="0">
-                <a:latin typeface="微軟正黑體" panose="020B0604030504040204" pitchFamily="34" charset="-120"/>
-                <a:ea typeface="微軟正黑體" panose="020B0604030504040204" pitchFamily="34" charset="-120"/>
-              </a:rPr>
-              <a:t>+R</a:t>
-            </a:r>
-          </a:p>
-          <a:p>
-            <a:pPr>
-              <a:spcAft>
-                <a:spcPts val="450"/>
-              </a:spcAft>
-            </a:pPr>
-            <a:r>
-              <a:rPr lang="en-US" altLang="zh-TW" sz="1350" dirty="0">
-                <a:latin typeface="微軟正黑體" panose="020B0604030504040204" pitchFamily="34" charset="-120"/>
-                <a:ea typeface="微軟正黑體" panose="020B0604030504040204" pitchFamily="34" charset="-120"/>
-              </a:rPr>
-              <a:t>2.</a:t>
-            </a:r>
-            <a:r>
-              <a:rPr lang="zh-TW" altLang="en-US" sz="1350" dirty="0">
-                <a:latin typeface="微軟正黑體" panose="020B0604030504040204" pitchFamily="34" charset="-120"/>
-                <a:ea typeface="微軟正黑體" panose="020B0604030504040204" pitchFamily="34" charset="-120"/>
-              </a:rPr>
-              <a:t>輸入</a:t>
-            </a:r>
-            <a:r>
-              <a:rPr lang="en-US" altLang="zh-TW" sz="1350" dirty="0" err="1">
-                <a:latin typeface="微軟正黑體" panose="020B0604030504040204" pitchFamily="34" charset="-120"/>
-                <a:ea typeface="微軟正黑體" panose="020B0604030504040204" pitchFamily="34" charset="-120"/>
-              </a:rPr>
-              <a:t>cmd</a:t>
-            </a:r>
-            <a:r>
-              <a:rPr lang="zh-TW" altLang="en-US" sz="1350" dirty="0">
-                <a:latin typeface="微軟正黑體" panose="020B0604030504040204" pitchFamily="34" charset="-120"/>
-                <a:ea typeface="微軟正黑體" panose="020B0604030504040204" pitchFamily="34" charset="-120"/>
-              </a:rPr>
-              <a:t>按確定</a:t>
-            </a:r>
-          </a:p>
-        </p:txBody>
-      </p:sp>
-      <p:sp>
-        <p:nvSpPr>
-          <p:cNvPr id="18" name="文字方塊 17">
-            <a:extLst>
-              <a:ext uri="{FF2B5EF4-FFF2-40B4-BE49-F238E27FC236}">
-                <a16:creationId xmlns:a16="http://schemas.microsoft.com/office/drawing/2014/main" id="{13432980-556B-4AE0-9392-EC10F7F4F529}"/>
-              </a:ext>
-            </a:extLst>
-          </p:cNvPr>
-          <p:cNvSpPr txBox="1"/>
-          <p:nvPr/>
-        </p:nvSpPr>
-        <p:spPr>
-          <a:xfrm>
-            <a:off x="366815" y="3749795"/>
-            <a:ext cx="3710696" cy="300082"/>
-          </a:xfrm>
-          <a:prstGeom prst="rect">
-            <a:avLst/>
-          </a:prstGeom>
-          <a:noFill/>
-        </p:spPr>
-        <p:txBody>
-          <a:bodyPr wrap="none" rtlCol="0">
-            <a:spAutoFit/>
-          </a:bodyPr>
-          <a:lstStyle/>
-          <a:p>
-            <a:pPr>
-              <a:spcAft>
-                <a:spcPts val="450"/>
-              </a:spcAft>
-            </a:pPr>
-            <a:r>
-              <a:rPr lang="en-US" altLang="zh-TW" sz="1350" dirty="0">
-                <a:latin typeface="微軟正黑體" panose="020B0604030504040204" pitchFamily="34" charset="-120"/>
-                <a:ea typeface="微軟正黑體" panose="020B0604030504040204" pitchFamily="34" charset="-120"/>
-              </a:rPr>
-              <a:t>3.</a:t>
-            </a:r>
-            <a:r>
-              <a:rPr lang="zh-TW" altLang="en-US" sz="1350" dirty="0">
-                <a:latin typeface="微軟正黑體" panose="020B0604030504040204" pitchFamily="34" charset="-120"/>
-                <a:ea typeface="微軟正黑體" panose="020B0604030504040204" pitchFamily="34" charset="-120"/>
-              </a:rPr>
-              <a:t>輸入 </a:t>
-            </a:r>
-            <a:r>
-              <a:rPr lang="en-US" altLang="zh-TW" sz="1350" dirty="0">
-                <a:latin typeface="微軟正黑體" panose="020B0604030504040204" pitchFamily="34" charset="-120"/>
-                <a:ea typeface="微軟正黑體" panose="020B0604030504040204" pitchFamily="34" charset="-120"/>
-              </a:rPr>
-              <a:t>python -V</a:t>
-            </a:r>
-            <a:r>
-              <a:rPr lang="zh-TW" altLang="en-US" sz="1350" dirty="0">
-                <a:latin typeface="微軟正黑體" panose="020B0604030504040204" pitchFamily="34" charset="-120"/>
-                <a:ea typeface="微軟正黑體" panose="020B0604030504040204" pitchFamily="34" charset="-120"/>
-              </a:rPr>
-              <a:t> 查看當前</a:t>
-            </a:r>
-            <a:r>
-              <a:rPr lang="en-US" altLang="zh-TW" sz="1350" dirty="0">
-                <a:latin typeface="微軟正黑體" panose="020B0604030504040204" pitchFamily="34" charset="-120"/>
-                <a:ea typeface="微軟正黑體" panose="020B0604030504040204" pitchFamily="34" charset="-120"/>
-              </a:rPr>
-              <a:t>Python</a:t>
-            </a:r>
-            <a:r>
-              <a:rPr lang="zh-TW" altLang="en-US" sz="1350" dirty="0">
-                <a:latin typeface="微軟正黑體" panose="020B0604030504040204" pitchFamily="34" charset="-120"/>
-                <a:ea typeface="微軟正黑體" panose="020B0604030504040204" pitchFamily="34" charset="-120"/>
-              </a:rPr>
-              <a:t>並確認安裝</a:t>
-            </a:r>
-          </a:p>
-        </p:txBody>
-      </p:sp>
-      <p:sp>
-        <p:nvSpPr>
-          <p:cNvPr id="19" name="文字方塊 18">
-            <a:extLst>
-              <a:ext uri="{FF2B5EF4-FFF2-40B4-BE49-F238E27FC236}">
-                <a16:creationId xmlns:a16="http://schemas.microsoft.com/office/drawing/2014/main" id="{B9E9CF60-5B4B-4A0B-93D5-A894F8C03AD3}"/>
-              </a:ext>
-            </a:extLst>
-          </p:cNvPr>
-          <p:cNvSpPr txBox="1"/>
-          <p:nvPr/>
-        </p:nvSpPr>
-        <p:spPr>
-          <a:xfrm>
-            <a:off x="3502582" y="1766328"/>
-            <a:ext cx="4134658" cy="300082"/>
-          </a:xfrm>
-          <a:prstGeom prst="rect">
-            <a:avLst/>
-          </a:prstGeom>
-          <a:noFill/>
-        </p:spPr>
-        <p:txBody>
-          <a:bodyPr wrap="none" rtlCol="0">
-            <a:spAutoFit/>
-          </a:bodyPr>
-          <a:lstStyle/>
-          <a:p>
-            <a:pPr>
-              <a:spcAft>
-                <a:spcPts val="450"/>
-              </a:spcAft>
-            </a:pPr>
-            <a:r>
-              <a:rPr lang="en-US" altLang="zh-TW" sz="1350" dirty="0">
-                <a:latin typeface="微軟正黑體" panose="020B0604030504040204" pitchFamily="34" charset="-120"/>
-                <a:ea typeface="微軟正黑體" panose="020B0604030504040204" pitchFamily="34" charset="-120"/>
-              </a:rPr>
-              <a:t>4.</a:t>
-            </a:r>
-            <a:r>
-              <a:rPr lang="zh-TW" altLang="en-US" sz="1350" dirty="0">
-                <a:latin typeface="微軟正黑體" panose="020B0604030504040204" pitchFamily="34" charset="-120"/>
-                <a:ea typeface="微軟正黑體" panose="020B0604030504040204" pitchFamily="34" charset="-120"/>
-              </a:rPr>
-              <a:t>輸入 </a:t>
-            </a:r>
-            <a:r>
-              <a:rPr lang="en-US" altLang="zh-TW" sz="1350" dirty="0">
-                <a:latin typeface="微軟正黑體" panose="020B0604030504040204" pitchFamily="34" charset="-120"/>
-                <a:ea typeface="微軟正黑體" panose="020B0604030504040204" pitchFamily="34" charset="-120"/>
-              </a:rPr>
-              <a:t>pip install </a:t>
-            </a:r>
-            <a:r>
-              <a:rPr lang="en-US" altLang="zh-TW" sz="1350" dirty="0" err="1">
-                <a:latin typeface="微軟正黑體" panose="020B0604030504040204" pitchFamily="34" charset="-120"/>
-                <a:ea typeface="微軟正黑體" panose="020B0604030504040204" pitchFamily="34" charset="-120"/>
-              </a:rPr>
-              <a:t>opencv</a:t>
-            </a:r>
-            <a:r>
-              <a:rPr lang="en-US" altLang="zh-TW" sz="1350" dirty="0">
-                <a:latin typeface="微軟正黑體" panose="020B0604030504040204" pitchFamily="34" charset="-120"/>
-                <a:ea typeface="微軟正黑體" panose="020B0604030504040204" pitchFamily="34" charset="-120"/>
-              </a:rPr>
-              <a:t>-python </a:t>
-            </a:r>
-            <a:r>
-              <a:rPr lang="en-US" altLang="zh-TW" sz="1350" dirty="0"/>
-              <a:t>(</a:t>
-            </a:r>
-            <a:r>
-              <a:rPr lang="en-US" altLang="zh-TW" sz="1350" dirty="0">
-                <a:hlinkClick r:id="rId5"/>
-              </a:rPr>
-              <a:t>https://pypi.org/</a:t>
-            </a:r>
-            <a:r>
-              <a:rPr lang="en-US" altLang="zh-TW" sz="1350" dirty="0"/>
-              <a:t>)</a:t>
-            </a:r>
-            <a:endParaRPr lang="zh-TW" altLang="en-US" sz="1350" dirty="0"/>
-          </a:p>
-        </p:txBody>
-      </p:sp>
-      <p:sp>
-        <p:nvSpPr>
-          <p:cNvPr id="21" name="矩形 20">
-            <a:extLst>
-              <a:ext uri="{FF2B5EF4-FFF2-40B4-BE49-F238E27FC236}">
-                <a16:creationId xmlns:a16="http://schemas.microsoft.com/office/drawing/2014/main" id="{34E65103-36B5-4873-8E3D-69F49C1FE7CD}"/>
-              </a:ext>
-            </a:extLst>
-          </p:cNvPr>
-          <p:cNvSpPr/>
-          <p:nvPr/>
-        </p:nvSpPr>
-        <p:spPr>
-          <a:xfrm>
-            <a:off x="3663767" y="2594043"/>
-            <a:ext cx="2695470" cy="193248"/>
-          </a:xfrm>
-          <a:prstGeom prst="rect">
-            <a:avLst/>
-          </a:prstGeom>
-          <a:noFill/>
-          <a:ln w="38100">
-            <a:solidFill>
-              <a:srgbClr val="FF0000"/>
-            </a:solidFill>
-          </a:ln>
-        </p:spPr>
-        <p:style>
-          <a:lnRef idx="2">
-            <a:schemeClr val="accent1">
-              <a:shade val="50000"/>
-            </a:schemeClr>
-          </a:lnRef>
-          <a:fillRef idx="1">
-            <a:schemeClr val="accent1"/>
-          </a:fillRef>
-          <a:effectRef idx="0">
-            <a:schemeClr val="accent1"/>
-          </a:effectRef>
-          <a:fontRef idx="minor">
-            <a:schemeClr val="lt1"/>
-          </a:fontRef>
-        </p:style>
-        <p:txBody>
-          <a:bodyPr rtlCol="0" anchor="ctr"/>
-          <a:lstStyle/>
-          <a:p>
-            <a:pPr algn="ctr"/>
-            <a:endParaRPr lang="zh-TW" altLang="en-US" sz="1350"/>
-          </a:p>
-        </p:txBody>
-      </p:sp>
-      <p:sp>
-        <p:nvSpPr>
-          <p:cNvPr id="22" name="矩形 21">
-            <a:extLst>
-              <a:ext uri="{FF2B5EF4-FFF2-40B4-BE49-F238E27FC236}">
-                <a16:creationId xmlns:a16="http://schemas.microsoft.com/office/drawing/2014/main" id="{C35B2B89-973F-4BD6-91E4-60AD86AE458E}"/>
-              </a:ext>
-            </a:extLst>
-          </p:cNvPr>
-          <p:cNvSpPr/>
-          <p:nvPr/>
-        </p:nvSpPr>
-        <p:spPr>
-          <a:xfrm>
-            <a:off x="4505678" y="1999605"/>
-            <a:ext cx="1541831" cy="210542"/>
-          </a:xfrm>
-          <a:prstGeom prst="rect">
-            <a:avLst/>
-          </a:prstGeom>
-          <a:noFill/>
-          <a:ln w="38100">
-            <a:solidFill>
-              <a:srgbClr val="FF0000"/>
-            </a:solidFill>
-          </a:ln>
-        </p:spPr>
-        <p:style>
-          <a:lnRef idx="2">
-            <a:schemeClr val="accent1">
-              <a:shade val="50000"/>
-            </a:schemeClr>
-          </a:lnRef>
-          <a:fillRef idx="1">
-            <a:schemeClr val="accent1"/>
-          </a:fillRef>
-          <a:effectRef idx="0">
-            <a:schemeClr val="accent1"/>
-          </a:effectRef>
-          <a:fontRef idx="minor">
-            <a:schemeClr val="lt1"/>
-          </a:fontRef>
-        </p:style>
-        <p:txBody>
-          <a:bodyPr rtlCol="0" anchor="ctr"/>
-          <a:lstStyle/>
-          <a:p>
-            <a:pPr algn="ctr"/>
-            <a:endParaRPr lang="zh-TW" altLang="en-US" sz="1350"/>
-          </a:p>
-        </p:txBody>
-      </p:sp>
-      <p:sp>
-        <p:nvSpPr>
-          <p:cNvPr id="23" name="矩形 22">
-            <a:extLst>
-              <a:ext uri="{FF2B5EF4-FFF2-40B4-BE49-F238E27FC236}">
-                <a16:creationId xmlns:a16="http://schemas.microsoft.com/office/drawing/2014/main" id="{575504CB-65D4-48A1-8904-CD61E1139D77}"/>
-              </a:ext>
-            </a:extLst>
-          </p:cNvPr>
-          <p:cNvSpPr/>
-          <p:nvPr/>
-        </p:nvSpPr>
-        <p:spPr>
-          <a:xfrm>
-            <a:off x="531221" y="4447359"/>
-            <a:ext cx="1108465" cy="212965"/>
-          </a:xfrm>
-          <a:prstGeom prst="rect">
-            <a:avLst/>
-          </a:prstGeom>
-          <a:noFill/>
-          <a:ln w="38100">
-            <a:solidFill>
-              <a:srgbClr val="FF0000"/>
-            </a:solidFill>
-          </a:ln>
-        </p:spPr>
-        <p:style>
-          <a:lnRef idx="2">
-            <a:schemeClr val="accent1">
-              <a:shade val="50000"/>
-            </a:schemeClr>
-          </a:lnRef>
-          <a:fillRef idx="1">
-            <a:schemeClr val="accent1"/>
-          </a:fillRef>
-          <a:effectRef idx="0">
-            <a:schemeClr val="accent1"/>
-          </a:effectRef>
-          <a:fontRef idx="minor">
-            <a:schemeClr val="lt1"/>
-          </a:fontRef>
-        </p:style>
-        <p:txBody>
-          <a:bodyPr rtlCol="0" anchor="ctr"/>
-          <a:lstStyle/>
-          <a:p>
-            <a:pPr algn="ctr"/>
-            <a:endParaRPr lang="zh-TW" altLang="en-US" sz="1350"/>
-          </a:p>
-        </p:txBody>
-      </p:sp>
-      <p:sp>
-        <p:nvSpPr>
-          <p:cNvPr id="24" name="文字方塊 23">
-            <a:extLst>
-              <a:ext uri="{FF2B5EF4-FFF2-40B4-BE49-F238E27FC236}">
-                <a16:creationId xmlns:a16="http://schemas.microsoft.com/office/drawing/2014/main" id="{FC40996D-ECC4-4446-98DD-857E999B74FF}"/>
-              </a:ext>
-            </a:extLst>
-          </p:cNvPr>
-          <p:cNvSpPr txBox="1"/>
-          <p:nvPr/>
-        </p:nvSpPr>
-        <p:spPr>
-          <a:xfrm>
-            <a:off x="4077511" y="3128918"/>
-            <a:ext cx="2680542" cy="300082"/>
-          </a:xfrm>
-          <a:prstGeom prst="rect">
-            <a:avLst/>
-          </a:prstGeom>
-          <a:noFill/>
-        </p:spPr>
-        <p:txBody>
-          <a:bodyPr wrap="none" rtlCol="0">
-            <a:spAutoFit/>
-          </a:bodyPr>
-          <a:lstStyle/>
-          <a:p>
-            <a:pPr>
-              <a:spcAft>
-                <a:spcPts val="450"/>
-              </a:spcAft>
-            </a:pPr>
-            <a:r>
-              <a:rPr lang="en-US" altLang="zh-TW" sz="1350" dirty="0">
-                <a:latin typeface="微軟正黑體" panose="020B0604030504040204" pitchFamily="34" charset="-120"/>
-                <a:ea typeface="微軟正黑體" panose="020B0604030504040204" pitchFamily="34" charset="-120"/>
-              </a:rPr>
-              <a:t>5.</a:t>
-            </a:r>
-            <a:r>
-              <a:rPr lang="zh-TW" altLang="en-US" sz="1350" dirty="0">
-                <a:latin typeface="微軟正黑體" panose="020B0604030504040204" pitchFamily="34" charset="-120"/>
-                <a:ea typeface="微軟正黑體" panose="020B0604030504040204" pitchFamily="34" charset="-120"/>
-              </a:rPr>
-              <a:t>輸入 </a:t>
-            </a:r>
-            <a:r>
-              <a:rPr lang="en-US" altLang="zh-TW" sz="1350" dirty="0">
-                <a:latin typeface="微軟正黑體" panose="020B0604030504040204" pitchFamily="34" charset="-120"/>
-                <a:ea typeface="微軟正黑體" panose="020B0604030504040204" pitchFamily="34" charset="-120"/>
-              </a:rPr>
-              <a:t>pip list </a:t>
-            </a:r>
-            <a:r>
-              <a:rPr lang="zh-TW" altLang="en-US" sz="1350" dirty="0">
-                <a:latin typeface="微軟正黑體" panose="020B0604030504040204" pitchFamily="34" charset="-120"/>
-                <a:ea typeface="微軟正黑體" panose="020B0604030504040204" pitchFamily="34" charset="-120"/>
-              </a:rPr>
-              <a:t>可查看已安裝套件</a:t>
-            </a:r>
-            <a:endParaRPr lang="zh-TW" altLang="en-US" sz="1350" dirty="0"/>
-          </a:p>
-        </p:txBody>
-      </p:sp>
-    </p:spTree>
-    <p:extLst>
-      <p:ext uri="{BB962C8B-B14F-4D97-AF65-F5344CB8AC3E}">
-        <p14:creationId xmlns:p14="http://schemas.microsoft.com/office/powerpoint/2010/main" val="1176006993"/>
-      </p:ext>
-    </p:extLst>
-  </p:cSld>
-  <p:clrMapOvr>
-    <a:masterClrMapping/>
-  </p:clrMapOvr>
-  <p:transition spd="slow">
-    <p:push dir="u"/>
-  </p:transition>
-</p:sld>
-</file>
-
 <file path=ppt/slides/slide24.xml><?xml version="1.0" encoding="utf-8"?>
 <p:sld xmlns:a="http://schemas.openxmlformats.org/drawingml/2006/main" xmlns:r="http://schemas.openxmlformats.org/officeDocument/2006/relationships" xmlns:p="http://schemas.openxmlformats.org/presentationml/2006/main">
   <p:cSld>
@@ -7459,7 +6675,7 @@
           <p:cNvPr id="2" name="標題 1">
             <a:extLst>
               <a:ext uri="{FF2B5EF4-FFF2-40B4-BE49-F238E27FC236}">
-                <a16:creationId xmlns:a16="http://schemas.microsoft.com/office/drawing/2014/main" id="{90520305-58B7-D199-A83C-05DD62028D05}"/>
+                <a16:creationId xmlns:a16="http://schemas.microsoft.com/office/drawing/2014/main" id="{587E68AB-A373-4D57-84D2-14D6C6ED6A6E}"/>
               </a:ext>
             </a:extLst>
           </p:cNvPr>
@@ -7470,71 +6686,19 @@
             <p:ph type="title"/>
           </p:nvPr>
         </p:nvSpPr>
-        <p:spPr/>
-        <p:txBody>
-          <a:bodyPr/>
-          <a:lstStyle/>
-          <a:p>
-            <a:r>
-              <a:rPr lang="en-US" altLang="zh-TW" dirty="0">
-                <a:latin typeface="微軟正黑體" panose="020B0604030504040204" pitchFamily="34" charset="-120"/>
-                <a:ea typeface="微軟正黑體" panose="020B0604030504040204" pitchFamily="34" charset="-120"/>
-              </a:rPr>
-              <a:t>MongoDB </a:t>
-            </a:r>
-            <a:r>
-              <a:rPr lang="zh-TW" altLang="en-US" dirty="0">
-                <a:latin typeface="微軟正黑體" panose="020B0604030504040204" pitchFamily="34" charset="-120"/>
-                <a:ea typeface="微軟正黑體" panose="020B0604030504040204" pitchFamily="34" charset="-120"/>
-              </a:rPr>
-              <a:t>的 </a:t>
-            </a:r>
-            <a:r>
-              <a:rPr lang="en-US" altLang="zh-TW" dirty="0">
-                <a:latin typeface="微軟正黑體" panose="020B0604030504040204" pitchFamily="34" charset="-120"/>
-                <a:ea typeface="微軟正黑體" panose="020B0604030504040204" pitchFamily="34" charset="-120"/>
-              </a:rPr>
-              <a:t>Python API</a:t>
-            </a:r>
-            <a:endParaRPr lang="zh-TW" altLang="en-US" dirty="0">
-              <a:latin typeface="微軟正黑體" panose="020B0604030504040204" pitchFamily="34" charset="-120"/>
-              <a:ea typeface="微軟正黑體" panose="020B0604030504040204" pitchFamily="34" charset="-120"/>
-            </a:endParaRPr>
-          </a:p>
-        </p:txBody>
-      </p:sp>
-      <p:sp>
-        <p:nvSpPr>
-          <p:cNvPr id="5" name="文字方塊 4">
-            <a:extLst>
-              <a:ext uri="{FF2B5EF4-FFF2-40B4-BE49-F238E27FC236}">
-                <a16:creationId xmlns:a16="http://schemas.microsoft.com/office/drawing/2014/main" id="{A4EEDBC4-302E-5AC7-C17A-242895E07ECA}"/>
-              </a:ext>
-            </a:extLst>
-          </p:cNvPr>
-          <p:cNvSpPr txBox="1"/>
-          <p:nvPr/>
-        </p:nvSpPr>
         <p:spPr>
           <a:xfrm>
-            <a:off x="2220805" y="1668325"/>
-            <a:ext cx="4702389" cy="837793"/>
-          </a:xfrm>
-          <a:prstGeom prst="rect">
-            <a:avLst/>
-          </a:prstGeom>
-          <a:noFill/>
-        </p:spPr>
-        <p:txBody>
-          <a:bodyPr wrap="square">
-            <a:spAutoFit/>
+            <a:off x="857250" y="1167491"/>
+            <a:ext cx="7406640" cy="431541"/>
+          </a:xfrm>
+        </p:spPr>
+        <p:txBody>
+          <a:bodyPr>
+            <a:normAutofit fontScale="90000"/>
           </a:bodyPr>
           <a:lstStyle/>
           <a:p>
-            <a:pPr marL="342900" indent="-342900">
-              <a:buFont typeface="+mj-lt"/>
-              <a:buAutoNum type="arabicPeriod"/>
-            </a:pPr>
+            <a:pPr algn="ctr"/>
             <a:r>
               <a:rPr lang="en-US" altLang="zh-TW" dirty="0">
                 <a:latin typeface="微軟正黑體" panose="020B0604030504040204" pitchFamily="34" charset="-120"/>
@@ -7547,67 +6711,9 @@
                 <a:latin typeface="微軟正黑體" panose="020B0604030504040204" pitchFamily="34" charset="-120"/>
                 <a:ea typeface="微軟正黑體" panose="020B0604030504040204" pitchFamily="34" charset="-120"/>
               </a:rPr>
-              <a:t>環境安裝：</a:t>
-            </a:r>
-            <a:r>
-              <a:rPr lang="en-US" altLang="zh-TW" dirty="0">
-                <a:latin typeface="微軟正黑體" panose="020B0604030504040204" pitchFamily="34" charset="-120"/>
-                <a:ea typeface="微軟正黑體" panose="020B0604030504040204" pitchFamily="34" charset="-120"/>
-              </a:rPr>
-              <a:t>pip install </a:t>
-            </a:r>
-            <a:r>
-              <a:rPr lang="en-US" altLang="zh-TW" dirty="0" err="1">
-                <a:latin typeface="微軟正黑體" panose="020B0604030504040204" pitchFamily="34" charset="-120"/>
-                <a:ea typeface="微軟正黑體" panose="020B0604030504040204" pitchFamily="34" charset="-120"/>
-              </a:rPr>
-              <a:t>pymongo</a:t>
-            </a:r>
-            <a:endParaRPr lang="en-US" altLang="zh-TW" dirty="0">
-              <a:latin typeface="微軟正黑體" panose="020B0604030504040204" pitchFamily="34" charset="-120"/>
-              <a:ea typeface="微軟正黑體" panose="020B0604030504040204" pitchFamily="34" charset="-120"/>
-            </a:endParaRPr>
-          </a:p>
-          <a:p>
-            <a:pPr marL="342900" indent="-342900">
-              <a:lnSpc>
-                <a:spcPct val="200000"/>
-              </a:lnSpc>
-              <a:buFont typeface="+mj-lt"/>
-              <a:buAutoNum type="arabicPeriod"/>
-            </a:pPr>
-            <a:r>
-              <a:rPr lang="zh-TW" altLang="en-US" dirty="0">
-                <a:latin typeface="微軟正黑體" panose="020B0604030504040204" pitchFamily="34" charset="-120"/>
-                <a:ea typeface="微軟正黑體" panose="020B0604030504040204" pitchFamily="34" charset="-120"/>
-              </a:rPr>
-              <a:t>用</a:t>
-            </a:r>
-            <a:r>
-              <a:rPr lang="en-US" altLang="zh-TW" dirty="0">
-                <a:latin typeface="微軟正黑體" panose="020B0604030504040204" pitchFamily="34" charset="-120"/>
-                <a:ea typeface="微軟正黑體" panose="020B0604030504040204" pitchFamily="34" charset="-120"/>
-              </a:rPr>
-              <a:t>Python</a:t>
-            </a:r>
-            <a:r>
-              <a:rPr lang="zh-TW" altLang="en-US" dirty="0">
-                <a:latin typeface="微軟正黑體" panose="020B0604030504040204" pitchFamily="34" charset="-120"/>
-                <a:ea typeface="微軟正黑體" panose="020B0604030504040204" pitchFamily="34" charset="-120"/>
-              </a:rPr>
-              <a:t>執行 </a:t>
-            </a:r>
-            <a:r>
-              <a:rPr lang="en-US" altLang="zh-TW" dirty="0">
-                <a:latin typeface="微軟正黑體" panose="020B0604030504040204" pitchFamily="34" charset="-120"/>
-                <a:ea typeface="微軟正黑體" panose="020B0604030504040204" pitchFamily="34" charset="-120"/>
-              </a:rPr>
-              <a:t>demo_mongodb.py</a:t>
-            </a:r>
-            <a:endParaRPr lang="zh-TW" altLang="en-US" dirty="0">
-              <a:latin typeface="微軟正黑體" panose="020B0604030504040204" pitchFamily="34" charset="-120"/>
-              <a:ea typeface="微軟正黑體" panose="020B0604030504040204" pitchFamily="34" charset="-120"/>
-            </a:endParaRPr>
+              <a:t>執行</a:t>
+            </a:r>
+            <a:endParaRPr lang="zh-TW" altLang="en-US" dirty="0"/>
           </a:p>
         </p:txBody>
       </p:sp>
@@ -7616,7 +6722,7 @@
           <p:cNvPr id="4" name="圖片 3">
             <a:extLst>
               <a:ext uri="{FF2B5EF4-FFF2-40B4-BE49-F238E27FC236}">
-                <a16:creationId xmlns:a16="http://schemas.microsoft.com/office/drawing/2014/main" id="{4CD5E3C6-00F6-3665-CD79-0DB84E30B57A}"/>
+                <a16:creationId xmlns:a16="http://schemas.microsoft.com/office/drawing/2014/main" id="{9EE8099D-A256-49C9-AC85-D1E691980AED}"/>
               </a:ext>
             </a:extLst>
           </p:cNvPr>
@@ -7633,24 +6739,405 @@
         </p:blipFill>
         <p:spPr>
           <a:xfrm>
-            <a:off x="1006997" y="2667546"/>
-            <a:ext cx="7130006" cy="3825328"/>
+            <a:off x="345338" y="1825006"/>
+            <a:ext cx="1980147" cy="3960294"/>
           </a:xfrm>
           <a:prstGeom prst="rect">
             <a:avLst/>
           </a:prstGeom>
         </p:spPr>
       </p:pic>
+      <p:sp>
+        <p:nvSpPr>
+          <p:cNvPr id="5" name="矩形 4">
+            <a:extLst>
+              <a:ext uri="{FF2B5EF4-FFF2-40B4-BE49-F238E27FC236}">
+                <a16:creationId xmlns:a16="http://schemas.microsoft.com/office/drawing/2014/main" id="{EBAD9BB8-2B7B-46DB-9884-9685E9810641}"/>
+              </a:ext>
+            </a:extLst>
+          </p:cNvPr>
+          <p:cNvSpPr/>
+          <p:nvPr/>
+        </p:nvSpPr>
+        <p:spPr>
+          <a:xfrm>
+            <a:off x="683902" y="3064279"/>
+            <a:ext cx="1303020" cy="321079"/>
+          </a:xfrm>
+          <a:prstGeom prst="rect">
+            <a:avLst/>
+          </a:prstGeom>
+          <a:noFill/>
+          <a:ln w="38100">
+            <a:solidFill>
+              <a:srgbClr val="FF0000"/>
+            </a:solidFill>
+          </a:ln>
+        </p:spPr>
+        <p:style>
+          <a:lnRef idx="2">
+            <a:schemeClr val="accent1">
+              <a:shade val="50000"/>
+            </a:schemeClr>
+          </a:lnRef>
+          <a:fillRef idx="1">
+            <a:schemeClr val="accent1"/>
+          </a:fillRef>
+          <a:effectRef idx="0">
+            <a:schemeClr val="accent1"/>
+          </a:effectRef>
+          <a:fontRef idx="minor">
+            <a:schemeClr val="lt1"/>
+          </a:fontRef>
+        </p:style>
+        <p:txBody>
+          <a:bodyPr rtlCol="0" anchor="ctr"/>
+          <a:lstStyle/>
+          <a:p>
+            <a:pPr algn="ctr"/>
+            <a:endParaRPr lang="zh-TW" altLang="en-US" sz="1350"/>
+          </a:p>
+        </p:txBody>
+      </p:sp>
+      <p:pic>
+        <p:nvPicPr>
+          <p:cNvPr id="7" name="圖片 6">
+            <a:extLst>
+              <a:ext uri="{FF2B5EF4-FFF2-40B4-BE49-F238E27FC236}">
+                <a16:creationId xmlns:a16="http://schemas.microsoft.com/office/drawing/2014/main" id="{9B176BEB-FDE7-45E3-8C4E-23ADDC083D5D}"/>
+              </a:ext>
+            </a:extLst>
+          </p:cNvPr>
+          <p:cNvPicPr>
+            <a:picLocks noChangeAspect="1"/>
+          </p:cNvPicPr>
+          <p:nvPr/>
+        </p:nvPicPr>
+        <p:blipFill>
+          <a:blip r:embed="rId3"/>
+          <a:stretch>
+            <a:fillRect/>
+          </a:stretch>
+        </p:blipFill>
+        <p:spPr>
+          <a:xfrm>
+            <a:off x="2766967" y="1779961"/>
+            <a:ext cx="2709248" cy="2718263"/>
+          </a:xfrm>
+          <a:prstGeom prst="rect">
+            <a:avLst/>
+          </a:prstGeom>
+        </p:spPr>
+      </p:pic>
+      <p:pic>
+        <p:nvPicPr>
+          <p:cNvPr id="8" name="圖片 7">
+            <a:extLst>
+              <a:ext uri="{FF2B5EF4-FFF2-40B4-BE49-F238E27FC236}">
+                <a16:creationId xmlns:a16="http://schemas.microsoft.com/office/drawing/2014/main" id="{A84AB8E6-7ADB-4ED8-BE55-34BDC89BF18E}"/>
+              </a:ext>
+            </a:extLst>
+          </p:cNvPr>
+          <p:cNvPicPr>
+            <a:picLocks noChangeAspect="1"/>
+          </p:cNvPicPr>
+          <p:nvPr/>
+        </p:nvPicPr>
+        <p:blipFill>
+          <a:blip r:embed="rId4"/>
+          <a:stretch>
+            <a:fillRect/>
+          </a:stretch>
+        </p:blipFill>
+        <p:spPr>
+          <a:xfrm>
+            <a:off x="5917696" y="1779961"/>
+            <a:ext cx="2718263" cy="2718263"/>
+          </a:xfrm>
+          <a:prstGeom prst="rect">
+            <a:avLst/>
+          </a:prstGeom>
+        </p:spPr>
+      </p:pic>
+      <p:sp>
+        <p:nvSpPr>
+          <p:cNvPr id="9" name="箭號: 向下 8">
+            <a:extLst>
+              <a:ext uri="{FF2B5EF4-FFF2-40B4-BE49-F238E27FC236}">
+                <a16:creationId xmlns:a16="http://schemas.microsoft.com/office/drawing/2014/main" id="{819E8666-E9E1-47FB-83E9-ADFA19F5BEEB}"/>
+              </a:ext>
+            </a:extLst>
+          </p:cNvPr>
+          <p:cNvSpPr/>
+          <p:nvPr/>
+        </p:nvSpPr>
+        <p:spPr>
+          <a:xfrm rot="13457069">
+            <a:off x="2221841" y="2382082"/>
+            <a:ext cx="193271" cy="711242"/>
+          </a:xfrm>
+          <a:prstGeom prst="downArrow">
+            <a:avLst/>
+          </a:prstGeom>
+        </p:spPr>
+        <p:style>
+          <a:lnRef idx="2">
+            <a:schemeClr val="accent1">
+              <a:shade val="50000"/>
+            </a:schemeClr>
+          </a:lnRef>
+          <a:fillRef idx="1">
+            <a:schemeClr val="accent1"/>
+          </a:fillRef>
+          <a:effectRef idx="0">
+            <a:schemeClr val="accent1"/>
+          </a:effectRef>
+          <a:fontRef idx="minor">
+            <a:schemeClr val="lt1"/>
+          </a:fontRef>
+        </p:style>
+        <p:txBody>
+          <a:bodyPr rtlCol="0" anchor="ctr"/>
+          <a:lstStyle/>
+          <a:p>
+            <a:pPr algn="ctr"/>
+            <a:endParaRPr lang="zh-TW" altLang="en-US" sz="1350"/>
+          </a:p>
+        </p:txBody>
+      </p:sp>
+      <p:sp>
+        <p:nvSpPr>
+          <p:cNvPr id="10" name="箭號: 向下 9">
+            <a:extLst>
+              <a:ext uri="{FF2B5EF4-FFF2-40B4-BE49-F238E27FC236}">
+                <a16:creationId xmlns:a16="http://schemas.microsoft.com/office/drawing/2014/main" id="{088CDB84-615E-4B01-BB12-E00B4EE314A5}"/>
+              </a:ext>
+            </a:extLst>
+          </p:cNvPr>
+          <p:cNvSpPr/>
+          <p:nvPr/>
+        </p:nvSpPr>
+        <p:spPr>
+          <a:xfrm rot="16200000">
+            <a:off x="5600320" y="2297452"/>
+            <a:ext cx="193271" cy="236389"/>
+          </a:xfrm>
+          <a:prstGeom prst="downArrow">
+            <a:avLst/>
+          </a:prstGeom>
+        </p:spPr>
+        <p:style>
+          <a:lnRef idx="2">
+            <a:schemeClr val="accent1">
+              <a:shade val="50000"/>
+            </a:schemeClr>
+          </a:lnRef>
+          <a:fillRef idx="1">
+            <a:schemeClr val="accent1"/>
+          </a:fillRef>
+          <a:effectRef idx="0">
+            <a:schemeClr val="accent1"/>
+          </a:effectRef>
+          <a:fontRef idx="minor">
+            <a:schemeClr val="lt1"/>
+          </a:fontRef>
+        </p:style>
+        <p:txBody>
+          <a:bodyPr rtlCol="0" anchor="ctr"/>
+          <a:lstStyle/>
+          <a:p>
+            <a:pPr algn="ctr"/>
+            <a:endParaRPr lang="zh-TW" altLang="en-US" sz="1350"/>
+          </a:p>
+        </p:txBody>
+      </p:sp>
+      <p:pic>
+        <p:nvPicPr>
+          <p:cNvPr id="12" name="圖片 11">
+            <a:extLst>
+              <a:ext uri="{FF2B5EF4-FFF2-40B4-BE49-F238E27FC236}">
+                <a16:creationId xmlns:a16="http://schemas.microsoft.com/office/drawing/2014/main" id="{02250E09-B2CB-41FB-AFE3-81BAE76AD2E5}"/>
+              </a:ext>
+            </a:extLst>
+          </p:cNvPr>
+          <p:cNvPicPr>
+            <a:picLocks noChangeAspect="1"/>
+          </p:cNvPicPr>
+          <p:nvPr/>
+        </p:nvPicPr>
+        <p:blipFill>
+          <a:blip r:embed="rId5"/>
+          <a:stretch>
+            <a:fillRect/>
+          </a:stretch>
+        </p:blipFill>
+        <p:spPr>
+          <a:xfrm>
+            <a:off x="3828212" y="3861939"/>
+            <a:ext cx="3657708" cy="1634425"/>
+          </a:xfrm>
+          <a:prstGeom prst="rect">
+            <a:avLst/>
+          </a:prstGeom>
+        </p:spPr>
+      </p:pic>
+      <p:sp>
+        <p:nvSpPr>
+          <p:cNvPr id="13" name="箭號: 向下 12">
+            <a:extLst>
+              <a:ext uri="{FF2B5EF4-FFF2-40B4-BE49-F238E27FC236}">
+                <a16:creationId xmlns:a16="http://schemas.microsoft.com/office/drawing/2014/main" id="{1A72C886-1B77-43A9-9A9D-DB9D15572EFB}"/>
+              </a:ext>
+            </a:extLst>
+          </p:cNvPr>
+          <p:cNvSpPr/>
+          <p:nvPr/>
+        </p:nvSpPr>
+        <p:spPr>
+          <a:xfrm rot="16200000">
+            <a:off x="5600320" y="2297452"/>
+            <a:ext cx="193271" cy="236389"/>
+          </a:xfrm>
+          <a:prstGeom prst="downArrow">
+            <a:avLst/>
+          </a:prstGeom>
+        </p:spPr>
+        <p:style>
+          <a:lnRef idx="2">
+            <a:schemeClr val="accent1">
+              <a:shade val="50000"/>
+            </a:schemeClr>
+          </a:lnRef>
+          <a:fillRef idx="1">
+            <a:schemeClr val="accent1"/>
+          </a:fillRef>
+          <a:effectRef idx="0">
+            <a:schemeClr val="accent1"/>
+          </a:effectRef>
+          <a:fontRef idx="minor">
+            <a:schemeClr val="lt1"/>
+          </a:fontRef>
+        </p:style>
+        <p:txBody>
+          <a:bodyPr rtlCol="0" anchor="ctr"/>
+          <a:lstStyle/>
+          <a:p>
+            <a:pPr algn="ctr"/>
+            <a:endParaRPr lang="zh-TW" altLang="en-US" sz="1350"/>
+          </a:p>
+        </p:txBody>
+      </p:sp>
+      <p:sp>
+        <p:nvSpPr>
+          <p:cNvPr id="14" name="箭號: 向下 13">
+            <a:extLst>
+              <a:ext uri="{FF2B5EF4-FFF2-40B4-BE49-F238E27FC236}">
+                <a16:creationId xmlns:a16="http://schemas.microsoft.com/office/drawing/2014/main" id="{B65116D1-22F4-42EE-91DE-37CFEA824C79}"/>
+              </a:ext>
+            </a:extLst>
+          </p:cNvPr>
+          <p:cNvSpPr/>
+          <p:nvPr/>
+        </p:nvSpPr>
+        <p:spPr>
+          <a:xfrm rot="1646343">
+            <a:off x="6347101" y="3185606"/>
+            <a:ext cx="193271" cy="609289"/>
+          </a:xfrm>
+          <a:prstGeom prst="downArrow">
+            <a:avLst/>
+          </a:prstGeom>
+        </p:spPr>
+        <p:style>
+          <a:lnRef idx="2">
+            <a:schemeClr val="accent1">
+              <a:shade val="50000"/>
+            </a:schemeClr>
+          </a:lnRef>
+          <a:fillRef idx="1">
+            <a:schemeClr val="accent1"/>
+          </a:fillRef>
+          <a:effectRef idx="0">
+            <a:schemeClr val="accent1"/>
+          </a:effectRef>
+          <a:fontRef idx="minor">
+            <a:schemeClr val="lt1"/>
+          </a:fontRef>
+        </p:style>
+        <p:txBody>
+          <a:bodyPr rtlCol="0" anchor="ctr"/>
+          <a:lstStyle/>
+          <a:p>
+            <a:pPr algn="ctr"/>
+            <a:endParaRPr lang="zh-TW" altLang="en-US" sz="1350"/>
+          </a:p>
+        </p:txBody>
+      </p:sp>
+      <p:sp>
+        <p:nvSpPr>
+          <p:cNvPr id="15" name="文字方塊 14">
+            <a:extLst>
+              <a:ext uri="{FF2B5EF4-FFF2-40B4-BE49-F238E27FC236}">
+                <a16:creationId xmlns:a16="http://schemas.microsoft.com/office/drawing/2014/main" id="{69D44A5A-E2D3-4155-9682-F3ED34166DEC}"/>
+              </a:ext>
+            </a:extLst>
+          </p:cNvPr>
+          <p:cNvSpPr txBox="1"/>
+          <p:nvPr/>
+        </p:nvSpPr>
+        <p:spPr>
+          <a:xfrm>
+            <a:off x="6490163" y="3380915"/>
+            <a:ext cx="896399" cy="300082"/>
+          </a:xfrm>
+          <a:prstGeom prst="rect">
+            <a:avLst/>
+          </a:prstGeom>
+          <a:noFill/>
+        </p:spPr>
+        <p:txBody>
+          <a:bodyPr wrap="none" rtlCol="0">
+            <a:spAutoFit/>
+          </a:bodyPr>
+          <a:lstStyle/>
+          <a:p>
+            <a:r>
+              <a:rPr lang="zh-TW" altLang="en-US" sz="1350" dirty="0">
+                <a:latin typeface="微軟正黑體" panose="020B0604030504040204" pitchFamily="34" charset="-120"/>
+                <a:ea typeface="微軟正黑體" panose="020B0604030504040204" pitchFamily="34" charset="-120"/>
+              </a:rPr>
+              <a:t>按</a:t>
+            </a:r>
+            <a:r>
+              <a:rPr lang="en-US" altLang="zh-TW" sz="1350" dirty="0">
+                <a:latin typeface="微軟正黑體" panose="020B0604030504040204" pitchFamily="34" charset="-120"/>
+                <a:ea typeface="微軟正黑體" panose="020B0604030504040204" pitchFamily="34" charset="-120"/>
+              </a:rPr>
+              <a:t>F5</a:t>
+            </a:r>
+            <a:r>
+              <a:rPr lang="zh-TW" altLang="en-US" sz="1350" dirty="0">
+                <a:latin typeface="微軟正黑體" panose="020B0604030504040204" pitchFamily="34" charset="-120"/>
+                <a:ea typeface="微軟正黑體" panose="020B0604030504040204" pitchFamily="34" charset="-120"/>
+              </a:rPr>
+              <a:t>執行</a:t>
+            </a:r>
+          </a:p>
+        </p:txBody>
+      </p:sp>
     </p:spTree>
     <p:extLst>
       <p:ext uri="{BB962C8B-B14F-4D97-AF65-F5344CB8AC3E}">
-        <p14:creationId xmlns:p14="http://schemas.microsoft.com/office/powerpoint/2010/main" val="3630634984"/>
+        <p14:creationId xmlns:p14="http://schemas.microsoft.com/office/powerpoint/2010/main" val="3082866378"/>
       </p:ext>
     </p:extLst>
   </p:cSld>
   <p:clrMapOvr>
     <a:masterClrMapping/>
   </p:clrMapOvr>
+  <p:transition spd="slow">
+    <p:push dir="u"/>
+  </p:transition>
 </p:sld>
 </file>
 
@@ -7676,7 +7163,7 @@
           <p:cNvPr id="2" name="標題 1">
             <a:extLst>
               <a:ext uri="{FF2B5EF4-FFF2-40B4-BE49-F238E27FC236}">
-                <a16:creationId xmlns:a16="http://schemas.microsoft.com/office/drawing/2014/main" id="{90520305-58B7-D199-A83C-05DD62028D05}"/>
+                <a16:creationId xmlns:a16="http://schemas.microsoft.com/office/drawing/2014/main" id="{587E68AB-A373-4D57-84D2-14D6C6ED6A6E}"/>
               </a:ext>
             </a:extLst>
           </p:cNvPr>
@@ -7687,187 +7174,87 @@
             <p:ph type="title"/>
           </p:nvPr>
         </p:nvSpPr>
-        <p:spPr/>
-        <p:txBody>
-          <a:bodyPr/>
-          <a:lstStyle/>
-          <a:p>
-            <a:r>
-              <a:rPr lang="zh-TW" altLang="en-US" dirty="0">
-                <a:latin typeface="微軟正黑體" panose="020B0604030504040204" pitchFamily="34" charset="-120"/>
-                <a:ea typeface="微軟正黑體" panose="020B0604030504040204" pitchFamily="34" charset="-120"/>
-              </a:rPr>
-              <a:t>用 </a:t>
-            </a:r>
-            <a:r>
-              <a:rPr lang="en-US" altLang="zh-TW" dirty="0">
-                <a:latin typeface="微軟正黑體" panose="020B0604030504040204" pitchFamily="34" charset="-120"/>
-                <a:ea typeface="微軟正黑體" panose="020B0604030504040204" pitchFamily="34" charset="-120"/>
-              </a:rPr>
-              <a:t>Flask</a:t>
-            </a:r>
-            <a:r>
-              <a:rPr lang="zh-TW" altLang="en-US" dirty="0">
-                <a:latin typeface="微軟正黑體" panose="020B0604030504040204" pitchFamily="34" charset="-120"/>
-                <a:ea typeface="微軟正黑體" panose="020B0604030504040204" pitchFamily="34" charset="-120"/>
-              </a:rPr>
-              <a:t> 架設 </a:t>
-            </a:r>
-            <a:r>
-              <a:rPr lang="en-US" altLang="zh-TW" dirty="0">
-                <a:latin typeface="微軟正黑體" panose="020B0604030504040204" pitchFamily="34" charset="-120"/>
-                <a:ea typeface="微軟正黑體" panose="020B0604030504040204" pitchFamily="34" charset="-120"/>
-              </a:rPr>
-              <a:t>Web Server</a:t>
-            </a:r>
-            <a:endParaRPr lang="zh-TW" altLang="en-US" dirty="0">
-              <a:latin typeface="微軟正黑體" panose="020B0604030504040204" pitchFamily="34" charset="-120"/>
-              <a:ea typeface="微軟正黑體" panose="020B0604030504040204" pitchFamily="34" charset="-120"/>
-            </a:endParaRPr>
-          </a:p>
-        </p:txBody>
-      </p:sp>
-      <p:sp>
-        <p:nvSpPr>
-          <p:cNvPr id="5" name="文字方塊 4">
-            <a:extLst>
-              <a:ext uri="{FF2B5EF4-FFF2-40B4-BE49-F238E27FC236}">
-                <a16:creationId xmlns:a16="http://schemas.microsoft.com/office/drawing/2014/main" id="{A4EEDBC4-302E-5AC7-C17A-242895E07ECA}"/>
-              </a:ext>
-            </a:extLst>
-          </p:cNvPr>
-          <p:cNvSpPr txBox="1"/>
-          <p:nvPr/>
-        </p:nvSpPr>
         <p:spPr>
           <a:xfrm>
-            <a:off x="1455343" y="1690689"/>
-            <a:ext cx="6233313" cy="1668790"/>
+            <a:off x="857250" y="1167491"/>
+            <a:ext cx="7406640" cy="431541"/>
+          </a:xfrm>
+        </p:spPr>
+        <p:txBody>
+          <a:bodyPr>
+            <a:normAutofit fontScale="90000"/>
+          </a:bodyPr>
+          <a:lstStyle/>
+          <a:p>
+            <a:pPr algn="ctr"/>
+            <a:r>
+              <a:rPr lang="zh-TW" altLang="en-US" dirty="0">
+                <a:latin typeface="微軟正黑體" panose="020B0604030504040204" pitchFamily="34" charset="-120"/>
+                <a:ea typeface="微軟正黑體" panose="020B0604030504040204" pitchFamily="34" charset="-120"/>
+              </a:rPr>
+              <a:t>安裝套件</a:t>
+            </a:r>
+            <a:r>
+              <a:rPr lang="en-US" altLang="zh-TW" dirty="0">
+                <a:latin typeface="微軟正黑體" panose="020B0604030504040204" pitchFamily="34" charset="-120"/>
+                <a:ea typeface="微軟正黑體" panose="020B0604030504040204" pitchFamily="34" charset="-120"/>
+              </a:rPr>
+              <a:t>(</a:t>
+            </a:r>
+            <a:r>
+              <a:rPr lang="zh-TW" altLang="en-US" dirty="0">
+                <a:latin typeface="微軟正黑體" panose="020B0604030504040204" pitchFamily="34" charset="-120"/>
+                <a:ea typeface="微軟正黑體" panose="020B0604030504040204" pitchFamily="34" charset="-120"/>
+              </a:rPr>
+              <a:t>範例</a:t>
+            </a:r>
+            <a:r>
+              <a:rPr lang="en-US" altLang="zh-TW" dirty="0">
+                <a:latin typeface="微軟正黑體" panose="020B0604030504040204" pitchFamily="34" charset="-120"/>
+                <a:ea typeface="微軟正黑體" panose="020B0604030504040204" pitchFamily="34" charset="-120"/>
+              </a:rPr>
+              <a:t>)</a:t>
+            </a:r>
+            <a:endParaRPr lang="zh-TW" altLang="en-US" dirty="0"/>
+          </a:p>
+        </p:txBody>
+      </p:sp>
+      <p:pic>
+        <p:nvPicPr>
+          <p:cNvPr id="3" name="圖片 2">
+            <a:extLst>
+              <a:ext uri="{FF2B5EF4-FFF2-40B4-BE49-F238E27FC236}">
+                <a16:creationId xmlns:a16="http://schemas.microsoft.com/office/drawing/2014/main" id="{D8D85487-8BD8-4E45-9BAF-53BCEFFBFA19}"/>
+              </a:ext>
+            </a:extLst>
+          </p:cNvPr>
+          <p:cNvPicPr>
+            <a:picLocks noChangeAspect="1"/>
+          </p:cNvPicPr>
+          <p:nvPr/>
+        </p:nvPicPr>
+        <p:blipFill>
+          <a:blip r:embed="rId2"/>
+          <a:stretch>
+            <a:fillRect/>
+          </a:stretch>
+        </p:blipFill>
+        <p:spPr>
+          <a:xfrm>
+            <a:off x="549098" y="2270833"/>
+            <a:ext cx="2857899" cy="1478963"/>
           </a:xfrm>
           <a:prstGeom prst="rect">
             <a:avLst/>
           </a:prstGeom>
-          <a:noFill/>
-        </p:spPr>
-        <p:txBody>
-          <a:bodyPr wrap="square">
-            <a:spAutoFit/>
-          </a:bodyPr>
-          <a:lstStyle/>
-          <a:p>
-            <a:pPr marL="342900" indent="-342900">
-              <a:lnSpc>
-                <a:spcPct val="200000"/>
-              </a:lnSpc>
-              <a:buFont typeface="+mj-lt"/>
-              <a:buAutoNum type="arabicPeriod"/>
-            </a:pPr>
-            <a:r>
-              <a:rPr lang="en-US" altLang="zh-TW" dirty="0">
-                <a:latin typeface="微軟正黑體" panose="020B0604030504040204" pitchFamily="34" charset="-120"/>
-                <a:ea typeface="微軟正黑體" panose="020B0604030504040204" pitchFamily="34" charset="-120"/>
-              </a:rPr>
-              <a:t>Python</a:t>
-            </a:r>
-            <a:r>
-              <a:rPr lang="zh-TW" altLang="en-US" dirty="0">
-                <a:latin typeface="微軟正黑體" panose="020B0604030504040204" pitchFamily="34" charset="-120"/>
-                <a:ea typeface="微軟正黑體" panose="020B0604030504040204" pitchFamily="34" charset="-120"/>
-              </a:rPr>
-              <a:t>環境安裝：</a:t>
-            </a:r>
-            <a:r>
-              <a:rPr lang="en-US" altLang="zh-TW" dirty="0">
-                <a:latin typeface="微軟正黑體" panose="020B0604030504040204" pitchFamily="34" charset="-120"/>
-                <a:ea typeface="微軟正黑體" panose="020B0604030504040204" pitchFamily="34" charset="-120"/>
-              </a:rPr>
-              <a:t>pip install flask </a:t>
-            </a:r>
-            <a:r>
-              <a:rPr lang="en-US" altLang="zh-TW" dirty="0" err="1">
-                <a:latin typeface="微軟正黑體" panose="020B0604030504040204" pitchFamily="34" charset="-120"/>
-                <a:ea typeface="微軟正黑體" panose="020B0604030504040204" pitchFamily="34" charset="-120"/>
-              </a:rPr>
-              <a:t>flask_cors</a:t>
-            </a:r>
-            <a:endParaRPr lang="en-US" altLang="zh-TW" dirty="0">
-              <a:latin typeface="微軟正黑體" panose="020B0604030504040204" pitchFamily="34" charset="-120"/>
-              <a:ea typeface="微軟正黑體" panose="020B0604030504040204" pitchFamily="34" charset="-120"/>
-            </a:endParaRPr>
-          </a:p>
-          <a:p>
-            <a:pPr marL="342900" indent="-342900">
-              <a:lnSpc>
-                <a:spcPct val="200000"/>
-              </a:lnSpc>
-              <a:buFont typeface="+mj-lt"/>
-              <a:buAutoNum type="arabicPeriod"/>
-            </a:pPr>
-            <a:r>
-              <a:rPr lang="zh-TW" altLang="en-US" dirty="0">
-                <a:latin typeface="微軟正黑體" panose="020B0604030504040204" pitchFamily="34" charset="-120"/>
-                <a:ea typeface="微軟正黑體" panose="020B0604030504040204" pitchFamily="34" charset="-120"/>
-              </a:rPr>
-              <a:t>用</a:t>
-            </a:r>
-            <a:r>
-              <a:rPr lang="en-US" altLang="zh-TW" dirty="0">
-                <a:latin typeface="微軟正黑體" panose="020B0604030504040204" pitchFamily="34" charset="-120"/>
-                <a:ea typeface="微軟正黑體" panose="020B0604030504040204" pitchFamily="34" charset="-120"/>
-              </a:rPr>
-              <a:t>Python</a:t>
-            </a:r>
-            <a:r>
-              <a:rPr lang="zh-TW" altLang="en-US" dirty="0">
-                <a:latin typeface="微軟正黑體" panose="020B0604030504040204" pitchFamily="34" charset="-120"/>
-                <a:ea typeface="微軟正黑體" panose="020B0604030504040204" pitchFamily="34" charset="-120"/>
-              </a:rPr>
-              <a:t>執行 </a:t>
-            </a:r>
-            <a:r>
-              <a:rPr lang="en-US" altLang="zh-TW" dirty="0">
-                <a:latin typeface="微軟正黑體" panose="020B0604030504040204" pitchFamily="34" charset="-120"/>
-                <a:ea typeface="微軟正黑體" panose="020B0604030504040204" pitchFamily="34" charset="-120"/>
-              </a:rPr>
-              <a:t>demo_flask.py</a:t>
-            </a:r>
-          </a:p>
-          <a:p>
-            <a:pPr marL="342900" indent="-342900">
-              <a:lnSpc>
-                <a:spcPct val="200000"/>
-              </a:lnSpc>
-              <a:buFont typeface="+mj-lt"/>
-              <a:buAutoNum type="arabicPeriod"/>
-            </a:pPr>
-            <a:r>
-              <a:rPr lang="zh-TW" altLang="en-US" dirty="0">
-                <a:latin typeface="微軟正黑體" panose="020B0604030504040204" pitchFamily="34" charset="-120"/>
-                <a:ea typeface="微軟正黑體" panose="020B0604030504040204" pitchFamily="34" charset="-120"/>
-              </a:rPr>
-              <a:t>開啟瀏覽器進入</a:t>
-            </a:r>
-            <a:r>
-              <a:rPr lang="en-US" altLang="zh-TW" dirty="0">
-                <a:latin typeface="微軟正黑體" panose="020B0604030504040204" pitchFamily="34" charset="-120"/>
-                <a:ea typeface="微軟正黑體" panose="020B0604030504040204" pitchFamily="34" charset="-120"/>
-                <a:hlinkClick r:id="rId2"/>
-              </a:rPr>
-              <a:t>http://localhost:5000/</a:t>
-            </a:r>
-            <a:endParaRPr lang="zh-TW" altLang="en-US" dirty="0">
-              <a:latin typeface="微軟正黑體" panose="020B0604030504040204" pitchFamily="34" charset="-120"/>
-              <a:ea typeface="微軟正黑體" panose="020B0604030504040204" pitchFamily="34" charset="-120"/>
-            </a:endParaRPr>
-          </a:p>
-        </p:txBody>
-      </p:sp>
+        </p:spPr>
+      </p:pic>
       <p:pic>
         <p:nvPicPr>
-          <p:cNvPr id="4" name="圖片 3">
+          <p:cNvPr id="6" name="圖片 5">
             <a:extLst>
               <a:ext uri="{FF2B5EF4-FFF2-40B4-BE49-F238E27FC236}">
-                <a16:creationId xmlns:a16="http://schemas.microsoft.com/office/drawing/2014/main" id="{AAEB2DC1-18FE-811F-2B8E-99276DDB4770}"/>
+                <a16:creationId xmlns:a16="http://schemas.microsoft.com/office/drawing/2014/main" id="{78A9B484-795B-48B7-BD67-DC739263EA6C}"/>
               </a:ext>
             </a:extLst>
           </p:cNvPr>
@@ -7884,8 +7271,8 @@
         </p:blipFill>
         <p:spPr>
           <a:xfrm>
-            <a:off x="473603" y="4276712"/>
-            <a:ext cx="5459634" cy="1345023"/>
+            <a:off x="549099" y="4026795"/>
+            <a:ext cx="3389902" cy="1816211"/>
           </a:xfrm>
           <a:prstGeom prst="rect">
             <a:avLst/>
@@ -7894,10 +7281,10 @@
       </p:pic>
       <p:pic>
         <p:nvPicPr>
-          <p:cNvPr id="9" name="圖片 8">
+          <p:cNvPr id="16" name="圖片 15">
             <a:extLst>
               <a:ext uri="{FF2B5EF4-FFF2-40B4-BE49-F238E27FC236}">
-                <a16:creationId xmlns:a16="http://schemas.microsoft.com/office/drawing/2014/main" id="{D63AAEEF-B357-078B-871D-70A0518BFB52}"/>
+                <a16:creationId xmlns:a16="http://schemas.microsoft.com/office/drawing/2014/main" id="{9731207F-5F56-40D3-9842-8FACBEE683D3}"/>
               </a:ext>
             </a:extLst>
           </p:cNvPr>
@@ -7914,24 +7301,518 @@
         </p:blipFill>
         <p:spPr>
           <a:xfrm>
-            <a:off x="4571999" y="3618790"/>
-            <a:ext cx="4254001" cy="2660869"/>
+            <a:off x="3663766" y="2037093"/>
+            <a:ext cx="4201112" cy="750199"/>
           </a:xfrm>
           <a:prstGeom prst="rect">
             <a:avLst/>
           </a:prstGeom>
         </p:spPr>
       </p:pic>
+      <p:sp>
+        <p:nvSpPr>
+          <p:cNvPr id="17" name="文字方塊 16">
+            <a:extLst>
+              <a:ext uri="{FF2B5EF4-FFF2-40B4-BE49-F238E27FC236}">
+                <a16:creationId xmlns:a16="http://schemas.microsoft.com/office/drawing/2014/main" id="{1D290D53-E9E4-4B88-8122-296A87DBA02E}"/>
+              </a:ext>
+            </a:extLst>
+          </p:cNvPr>
+          <p:cNvSpPr txBox="1"/>
+          <p:nvPr/>
+        </p:nvSpPr>
+        <p:spPr>
+          <a:xfrm>
+            <a:off x="366814" y="1728377"/>
+            <a:ext cx="1754006" cy="571951"/>
+          </a:xfrm>
+          <a:prstGeom prst="rect">
+            <a:avLst/>
+          </a:prstGeom>
+          <a:noFill/>
+        </p:spPr>
+        <p:txBody>
+          <a:bodyPr wrap="none" rtlCol="0">
+            <a:spAutoFit/>
+          </a:bodyPr>
+          <a:lstStyle/>
+          <a:p>
+            <a:pPr>
+              <a:spcAft>
+                <a:spcPts val="450"/>
+              </a:spcAft>
+            </a:pPr>
+            <a:r>
+              <a:rPr lang="en-US" altLang="zh-TW" sz="1350" dirty="0">
+                <a:latin typeface="微軟正黑體" panose="020B0604030504040204" pitchFamily="34" charset="-120"/>
+                <a:ea typeface="微軟正黑體" panose="020B0604030504040204" pitchFamily="34" charset="-120"/>
+              </a:rPr>
+              <a:t>1.</a:t>
+            </a:r>
+            <a:r>
+              <a:rPr lang="zh-TW" altLang="en-US" sz="1350" dirty="0">
+                <a:latin typeface="微軟正黑體" panose="020B0604030504040204" pitchFamily="34" charset="-120"/>
+                <a:ea typeface="微軟正黑體" panose="020B0604030504040204" pitchFamily="34" charset="-120"/>
+              </a:rPr>
+              <a:t>桌面下按</a:t>
+            </a:r>
+            <a:r>
+              <a:rPr lang="en-US" altLang="zh-TW" sz="1350" dirty="0">
+                <a:latin typeface="微軟正黑體" panose="020B0604030504040204" pitchFamily="34" charset="-120"/>
+                <a:ea typeface="微軟正黑體" panose="020B0604030504040204" pitchFamily="34" charset="-120"/>
+              </a:rPr>
+              <a:t>Win</a:t>
+            </a:r>
+            <a:r>
+              <a:rPr lang="zh-TW" altLang="en-US" sz="1350" dirty="0">
+                <a:latin typeface="微軟正黑體" panose="020B0604030504040204" pitchFamily="34" charset="-120"/>
+                <a:ea typeface="微軟正黑體" panose="020B0604030504040204" pitchFamily="34" charset="-120"/>
+              </a:rPr>
+              <a:t>鍵</a:t>
+            </a:r>
+            <a:r>
+              <a:rPr lang="en-US" altLang="zh-TW" sz="1350" dirty="0">
+                <a:latin typeface="微軟正黑體" panose="020B0604030504040204" pitchFamily="34" charset="-120"/>
+                <a:ea typeface="微軟正黑體" panose="020B0604030504040204" pitchFamily="34" charset="-120"/>
+              </a:rPr>
+              <a:t>+R</a:t>
+            </a:r>
+          </a:p>
+          <a:p>
+            <a:pPr>
+              <a:spcAft>
+                <a:spcPts val="450"/>
+              </a:spcAft>
+            </a:pPr>
+            <a:r>
+              <a:rPr lang="en-US" altLang="zh-TW" sz="1350" dirty="0">
+                <a:latin typeface="微軟正黑體" panose="020B0604030504040204" pitchFamily="34" charset="-120"/>
+                <a:ea typeface="微軟正黑體" panose="020B0604030504040204" pitchFamily="34" charset="-120"/>
+              </a:rPr>
+              <a:t>2.</a:t>
+            </a:r>
+            <a:r>
+              <a:rPr lang="zh-TW" altLang="en-US" sz="1350" dirty="0">
+                <a:latin typeface="微軟正黑體" panose="020B0604030504040204" pitchFamily="34" charset="-120"/>
+                <a:ea typeface="微軟正黑體" panose="020B0604030504040204" pitchFamily="34" charset="-120"/>
+              </a:rPr>
+              <a:t>輸入</a:t>
+            </a:r>
+            <a:r>
+              <a:rPr lang="en-US" altLang="zh-TW" sz="1350" dirty="0" err="1">
+                <a:latin typeface="微軟正黑體" panose="020B0604030504040204" pitchFamily="34" charset="-120"/>
+                <a:ea typeface="微軟正黑體" panose="020B0604030504040204" pitchFamily="34" charset="-120"/>
+              </a:rPr>
+              <a:t>cmd</a:t>
+            </a:r>
+            <a:r>
+              <a:rPr lang="zh-TW" altLang="en-US" sz="1350" dirty="0">
+                <a:latin typeface="微軟正黑體" panose="020B0604030504040204" pitchFamily="34" charset="-120"/>
+                <a:ea typeface="微軟正黑體" panose="020B0604030504040204" pitchFamily="34" charset="-120"/>
+              </a:rPr>
+              <a:t>按確定</a:t>
+            </a:r>
+          </a:p>
+        </p:txBody>
+      </p:sp>
+      <p:sp>
+        <p:nvSpPr>
+          <p:cNvPr id="18" name="文字方塊 17">
+            <a:extLst>
+              <a:ext uri="{FF2B5EF4-FFF2-40B4-BE49-F238E27FC236}">
+                <a16:creationId xmlns:a16="http://schemas.microsoft.com/office/drawing/2014/main" id="{13432980-556B-4AE0-9392-EC10F7F4F529}"/>
+              </a:ext>
+            </a:extLst>
+          </p:cNvPr>
+          <p:cNvSpPr txBox="1"/>
+          <p:nvPr/>
+        </p:nvSpPr>
+        <p:spPr>
+          <a:xfrm>
+            <a:off x="366815" y="3749795"/>
+            <a:ext cx="3710696" cy="300082"/>
+          </a:xfrm>
+          <a:prstGeom prst="rect">
+            <a:avLst/>
+          </a:prstGeom>
+          <a:noFill/>
+        </p:spPr>
+        <p:txBody>
+          <a:bodyPr wrap="none" rtlCol="0">
+            <a:spAutoFit/>
+          </a:bodyPr>
+          <a:lstStyle/>
+          <a:p>
+            <a:pPr>
+              <a:spcAft>
+                <a:spcPts val="450"/>
+              </a:spcAft>
+            </a:pPr>
+            <a:r>
+              <a:rPr lang="en-US" altLang="zh-TW" sz="1350" dirty="0">
+                <a:latin typeface="微軟正黑體" panose="020B0604030504040204" pitchFamily="34" charset="-120"/>
+                <a:ea typeface="微軟正黑體" panose="020B0604030504040204" pitchFamily="34" charset="-120"/>
+              </a:rPr>
+              <a:t>3.</a:t>
+            </a:r>
+            <a:r>
+              <a:rPr lang="zh-TW" altLang="en-US" sz="1350" dirty="0">
+                <a:latin typeface="微軟正黑體" panose="020B0604030504040204" pitchFamily="34" charset="-120"/>
+                <a:ea typeface="微軟正黑體" panose="020B0604030504040204" pitchFamily="34" charset="-120"/>
+              </a:rPr>
+              <a:t>輸入 </a:t>
+            </a:r>
+            <a:r>
+              <a:rPr lang="en-US" altLang="zh-TW" sz="1350" dirty="0">
+                <a:latin typeface="微軟正黑體" panose="020B0604030504040204" pitchFamily="34" charset="-120"/>
+                <a:ea typeface="微軟正黑體" panose="020B0604030504040204" pitchFamily="34" charset="-120"/>
+              </a:rPr>
+              <a:t>python -V</a:t>
+            </a:r>
+            <a:r>
+              <a:rPr lang="zh-TW" altLang="en-US" sz="1350" dirty="0">
+                <a:latin typeface="微軟正黑體" panose="020B0604030504040204" pitchFamily="34" charset="-120"/>
+                <a:ea typeface="微軟正黑體" panose="020B0604030504040204" pitchFamily="34" charset="-120"/>
+              </a:rPr>
+              <a:t> 查看當前</a:t>
+            </a:r>
+            <a:r>
+              <a:rPr lang="en-US" altLang="zh-TW" sz="1350" dirty="0">
+                <a:latin typeface="微軟正黑體" panose="020B0604030504040204" pitchFamily="34" charset="-120"/>
+                <a:ea typeface="微軟正黑體" panose="020B0604030504040204" pitchFamily="34" charset="-120"/>
+              </a:rPr>
+              <a:t>Python</a:t>
+            </a:r>
+            <a:r>
+              <a:rPr lang="zh-TW" altLang="en-US" sz="1350" dirty="0">
+                <a:latin typeface="微軟正黑體" panose="020B0604030504040204" pitchFamily="34" charset="-120"/>
+                <a:ea typeface="微軟正黑體" panose="020B0604030504040204" pitchFamily="34" charset="-120"/>
+              </a:rPr>
+              <a:t>並確認安裝</a:t>
+            </a:r>
+          </a:p>
+        </p:txBody>
+      </p:sp>
+      <p:sp>
+        <p:nvSpPr>
+          <p:cNvPr id="19" name="文字方塊 18">
+            <a:extLst>
+              <a:ext uri="{FF2B5EF4-FFF2-40B4-BE49-F238E27FC236}">
+                <a16:creationId xmlns:a16="http://schemas.microsoft.com/office/drawing/2014/main" id="{B9E9CF60-5B4B-4A0B-93D5-A894F8C03AD3}"/>
+              </a:ext>
+            </a:extLst>
+          </p:cNvPr>
+          <p:cNvSpPr txBox="1"/>
+          <p:nvPr/>
+        </p:nvSpPr>
+        <p:spPr>
+          <a:xfrm>
+            <a:off x="3502582" y="1766328"/>
+            <a:ext cx="4134658" cy="300082"/>
+          </a:xfrm>
+          <a:prstGeom prst="rect">
+            <a:avLst/>
+          </a:prstGeom>
+          <a:noFill/>
+        </p:spPr>
+        <p:txBody>
+          <a:bodyPr wrap="none" rtlCol="0">
+            <a:spAutoFit/>
+          </a:bodyPr>
+          <a:lstStyle/>
+          <a:p>
+            <a:pPr>
+              <a:spcAft>
+                <a:spcPts val="450"/>
+              </a:spcAft>
+            </a:pPr>
+            <a:r>
+              <a:rPr lang="en-US" altLang="zh-TW" sz="1350" dirty="0">
+                <a:latin typeface="微軟正黑體" panose="020B0604030504040204" pitchFamily="34" charset="-120"/>
+                <a:ea typeface="微軟正黑體" panose="020B0604030504040204" pitchFamily="34" charset="-120"/>
+              </a:rPr>
+              <a:t>4.</a:t>
+            </a:r>
+            <a:r>
+              <a:rPr lang="zh-TW" altLang="en-US" sz="1350" dirty="0">
+                <a:latin typeface="微軟正黑體" panose="020B0604030504040204" pitchFamily="34" charset="-120"/>
+                <a:ea typeface="微軟正黑體" panose="020B0604030504040204" pitchFamily="34" charset="-120"/>
+              </a:rPr>
+              <a:t>輸入 </a:t>
+            </a:r>
+            <a:r>
+              <a:rPr lang="en-US" altLang="zh-TW" sz="1350" dirty="0">
+                <a:latin typeface="微軟正黑體" panose="020B0604030504040204" pitchFamily="34" charset="-120"/>
+                <a:ea typeface="微軟正黑體" panose="020B0604030504040204" pitchFamily="34" charset="-120"/>
+              </a:rPr>
+              <a:t>pip install </a:t>
+            </a:r>
+            <a:r>
+              <a:rPr lang="en-US" altLang="zh-TW" sz="1350" dirty="0" err="1">
+                <a:latin typeface="微軟正黑體" panose="020B0604030504040204" pitchFamily="34" charset="-120"/>
+                <a:ea typeface="微軟正黑體" panose="020B0604030504040204" pitchFamily="34" charset="-120"/>
+              </a:rPr>
+              <a:t>opencv</a:t>
+            </a:r>
+            <a:r>
+              <a:rPr lang="en-US" altLang="zh-TW" sz="1350" dirty="0">
+                <a:latin typeface="微軟正黑體" panose="020B0604030504040204" pitchFamily="34" charset="-120"/>
+                <a:ea typeface="微軟正黑體" panose="020B0604030504040204" pitchFamily="34" charset="-120"/>
+              </a:rPr>
+              <a:t>-python </a:t>
+            </a:r>
+            <a:r>
+              <a:rPr lang="en-US" altLang="zh-TW" sz="1350" dirty="0"/>
+              <a:t>(</a:t>
+            </a:r>
+            <a:r>
+              <a:rPr lang="en-US" altLang="zh-TW" sz="1350" dirty="0">
+                <a:hlinkClick r:id="rId5"/>
+              </a:rPr>
+              <a:t>https://pypi.org/</a:t>
+            </a:r>
+            <a:r>
+              <a:rPr lang="en-US" altLang="zh-TW" sz="1350" dirty="0"/>
+              <a:t>)</a:t>
+            </a:r>
+            <a:endParaRPr lang="zh-TW" altLang="en-US" sz="1350" dirty="0"/>
+          </a:p>
+        </p:txBody>
+      </p:sp>
+      <p:sp>
+        <p:nvSpPr>
+          <p:cNvPr id="21" name="矩形 20">
+            <a:extLst>
+              <a:ext uri="{FF2B5EF4-FFF2-40B4-BE49-F238E27FC236}">
+                <a16:creationId xmlns:a16="http://schemas.microsoft.com/office/drawing/2014/main" id="{34E65103-36B5-4873-8E3D-69F49C1FE7CD}"/>
+              </a:ext>
+            </a:extLst>
+          </p:cNvPr>
+          <p:cNvSpPr/>
+          <p:nvPr/>
+        </p:nvSpPr>
+        <p:spPr>
+          <a:xfrm>
+            <a:off x="3663767" y="2594043"/>
+            <a:ext cx="2695470" cy="193248"/>
+          </a:xfrm>
+          <a:prstGeom prst="rect">
+            <a:avLst/>
+          </a:prstGeom>
+          <a:noFill/>
+          <a:ln w="38100">
+            <a:solidFill>
+              <a:srgbClr val="FF0000"/>
+            </a:solidFill>
+          </a:ln>
+        </p:spPr>
+        <p:style>
+          <a:lnRef idx="2">
+            <a:schemeClr val="accent1">
+              <a:shade val="50000"/>
+            </a:schemeClr>
+          </a:lnRef>
+          <a:fillRef idx="1">
+            <a:schemeClr val="accent1"/>
+          </a:fillRef>
+          <a:effectRef idx="0">
+            <a:schemeClr val="accent1"/>
+          </a:effectRef>
+          <a:fontRef idx="minor">
+            <a:schemeClr val="lt1"/>
+          </a:fontRef>
+        </p:style>
+        <p:txBody>
+          <a:bodyPr rtlCol="0" anchor="ctr"/>
+          <a:lstStyle/>
+          <a:p>
+            <a:pPr algn="ctr"/>
+            <a:endParaRPr lang="zh-TW" altLang="en-US" sz="1350"/>
+          </a:p>
+        </p:txBody>
+      </p:sp>
+      <p:sp>
+        <p:nvSpPr>
+          <p:cNvPr id="22" name="矩形 21">
+            <a:extLst>
+              <a:ext uri="{FF2B5EF4-FFF2-40B4-BE49-F238E27FC236}">
+                <a16:creationId xmlns:a16="http://schemas.microsoft.com/office/drawing/2014/main" id="{C35B2B89-973F-4BD6-91E4-60AD86AE458E}"/>
+              </a:ext>
+            </a:extLst>
+          </p:cNvPr>
+          <p:cNvSpPr/>
+          <p:nvPr/>
+        </p:nvSpPr>
+        <p:spPr>
+          <a:xfrm>
+            <a:off x="4505678" y="1999605"/>
+            <a:ext cx="1541831" cy="210542"/>
+          </a:xfrm>
+          <a:prstGeom prst="rect">
+            <a:avLst/>
+          </a:prstGeom>
+          <a:noFill/>
+          <a:ln w="38100">
+            <a:solidFill>
+              <a:srgbClr val="FF0000"/>
+            </a:solidFill>
+          </a:ln>
+        </p:spPr>
+        <p:style>
+          <a:lnRef idx="2">
+            <a:schemeClr val="accent1">
+              <a:shade val="50000"/>
+            </a:schemeClr>
+          </a:lnRef>
+          <a:fillRef idx="1">
+            <a:schemeClr val="accent1"/>
+          </a:fillRef>
+          <a:effectRef idx="0">
+            <a:schemeClr val="accent1"/>
+          </a:effectRef>
+          <a:fontRef idx="minor">
+            <a:schemeClr val="lt1"/>
+          </a:fontRef>
+        </p:style>
+        <p:txBody>
+          <a:bodyPr rtlCol="0" anchor="ctr"/>
+          <a:lstStyle/>
+          <a:p>
+            <a:pPr algn="ctr"/>
+            <a:endParaRPr lang="zh-TW" altLang="en-US" sz="1350"/>
+          </a:p>
+        </p:txBody>
+      </p:sp>
+      <p:sp>
+        <p:nvSpPr>
+          <p:cNvPr id="23" name="矩形 22">
+            <a:extLst>
+              <a:ext uri="{FF2B5EF4-FFF2-40B4-BE49-F238E27FC236}">
+                <a16:creationId xmlns:a16="http://schemas.microsoft.com/office/drawing/2014/main" id="{575504CB-65D4-48A1-8904-CD61E1139D77}"/>
+              </a:ext>
+            </a:extLst>
+          </p:cNvPr>
+          <p:cNvSpPr/>
+          <p:nvPr/>
+        </p:nvSpPr>
+        <p:spPr>
+          <a:xfrm>
+            <a:off x="531221" y="4447359"/>
+            <a:ext cx="1108465" cy="212965"/>
+          </a:xfrm>
+          <a:prstGeom prst="rect">
+            <a:avLst/>
+          </a:prstGeom>
+          <a:noFill/>
+          <a:ln w="38100">
+            <a:solidFill>
+              <a:srgbClr val="FF0000"/>
+            </a:solidFill>
+          </a:ln>
+        </p:spPr>
+        <p:style>
+          <a:lnRef idx="2">
+            <a:schemeClr val="accent1">
+              <a:shade val="50000"/>
+            </a:schemeClr>
+          </a:lnRef>
+          <a:fillRef idx="1">
+            <a:schemeClr val="accent1"/>
+          </a:fillRef>
+          <a:effectRef idx="0">
+            <a:schemeClr val="accent1"/>
+          </a:effectRef>
+          <a:fontRef idx="minor">
+            <a:schemeClr val="lt1"/>
+          </a:fontRef>
+        </p:style>
+        <p:txBody>
+          <a:bodyPr rtlCol="0" anchor="ctr"/>
+          <a:lstStyle/>
+          <a:p>
+            <a:pPr algn="ctr"/>
+            <a:endParaRPr lang="zh-TW" altLang="en-US" sz="1350"/>
+          </a:p>
+        </p:txBody>
+      </p:sp>
+      <p:sp>
+        <p:nvSpPr>
+          <p:cNvPr id="24" name="文字方塊 23">
+            <a:extLst>
+              <a:ext uri="{FF2B5EF4-FFF2-40B4-BE49-F238E27FC236}">
+                <a16:creationId xmlns:a16="http://schemas.microsoft.com/office/drawing/2014/main" id="{FC40996D-ECC4-4446-98DD-857E999B74FF}"/>
+              </a:ext>
+            </a:extLst>
+          </p:cNvPr>
+          <p:cNvSpPr txBox="1"/>
+          <p:nvPr/>
+        </p:nvSpPr>
+        <p:spPr>
+          <a:xfrm>
+            <a:off x="4077511" y="3128918"/>
+            <a:ext cx="2680542" cy="300082"/>
+          </a:xfrm>
+          <a:prstGeom prst="rect">
+            <a:avLst/>
+          </a:prstGeom>
+          <a:noFill/>
+        </p:spPr>
+        <p:txBody>
+          <a:bodyPr wrap="none" rtlCol="0">
+            <a:spAutoFit/>
+          </a:bodyPr>
+          <a:lstStyle/>
+          <a:p>
+            <a:pPr>
+              <a:spcAft>
+                <a:spcPts val="450"/>
+              </a:spcAft>
+            </a:pPr>
+            <a:r>
+              <a:rPr lang="en-US" altLang="zh-TW" sz="1350" dirty="0">
+                <a:latin typeface="微軟正黑體" panose="020B0604030504040204" pitchFamily="34" charset="-120"/>
+                <a:ea typeface="微軟正黑體" panose="020B0604030504040204" pitchFamily="34" charset="-120"/>
+              </a:rPr>
+              <a:t>5.</a:t>
+            </a:r>
+            <a:r>
+              <a:rPr lang="zh-TW" altLang="en-US" sz="1350" dirty="0">
+                <a:latin typeface="微軟正黑體" panose="020B0604030504040204" pitchFamily="34" charset="-120"/>
+                <a:ea typeface="微軟正黑體" panose="020B0604030504040204" pitchFamily="34" charset="-120"/>
+              </a:rPr>
+              <a:t>輸入 </a:t>
+            </a:r>
+            <a:r>
+              <a:rPr lang="en-US" altLang="zh-TW" sz="1350" dirty="0">
+                <a:latin typeface="微軟正黑體" panose="020B0604030504040204" pitchFamily="34" charset="-120"/>
+                <a:ea typeface="微軟正黑體" panose="020B0604030504040204" pitchFamily="34" charset="-120"/>
+              </a:rPr>
+              <a:t>pip list </a:t>
+            </a:r>
+            <a:r>
+              <a:rPr lang="zh-TW" altLang="en-US" sz="1350" dirty="0">
+                <a:latin typeface="微軟正黑體" panose="020B0604030504040204" pitchFamily="34" charset="-120"/>
+                <a:ea typeface="微軟正黑體" panose="020B0604030504040204" pitchFamily="34" charset="-120"/>
+              </a:rPr>
+              <a:t>可查看已安裝套件</a:t>
+            </a:r>
+            <a:endParaRPr lang="zh-TW" altLang="en-US" sz="1350" dirty="0"/>
+          </a:p>
+        </p:txBody>
+      </p:sp>
     </p:spTree>
     <p:extLst>
       <p:ext uri="{BB962C8B-B14F-4D97-AF65-F5344CB8AC3E}">
-        <p14:creationId xmlns:p14="http://schemas.microsoft.com/office/powerpoint/2010/main" val="679999422"/>
+        <p14:creationId xmlns:p14="http://schemas.microsoft.com/office/powerpoint/2010/main" val="1176006993"/>
       </p:ext>
     </p:extLst>
   </p:cSld>
   <p:clrMapOvr>
     <a:masterClrMapping/>
   </p:clrMapOvr>
+  <p:transition spd="slow">
+    <p:push dir="u"/>
+  </p:transition>
 </p:sld>
 </file>
 
@@ -7978,6 +7859,504 @@
                 <a:latin typeface="微軟正黑體" panose="020B0604030504040204" pitchFamily="34" charset="-120"/>
                 <a:ea typeface="微軟正黑體" panose="020B0604030504040204" pitchFamily="34" charset="-120"/>
               </a:rPr>
+              <a:t>MongoDB </a:t>
+            </a:r>
+            <a:r>
+              <a:rPr lang="zh-TW" altLang="en-US" dirty="0">
+                <a:latin typeface="微軟正黑體" panose="020B0604030504040204" pitchFamily="34" charset="-120"/>
+                <a:ea typeface="微軟正黑體" panose="020B0604030504040204" pitchFamily="34" charset="-120"/>
+              </a:rPr>
+              <a:t>的 </a:t>
+            </a:r>
+            <a:r>
+              <a:rPr lang="en-US" altLang="zh-TW" dirty="0">
+                <a:latin typeface="微軟正黑體" panose="020B0604030504040204" pitchFamily="34" charset="-120"/>
+                <a:ea typeface="微軟正黑體" panose="020B0604030504040204" pitchFamily="34" charset="-120"/>
+              </a:rPr>
+              <a:t>Python API</a:t>
+            </a:r>
+            <a:endParaRPr lang="zh-TW" altLang="en-US" dirty="0">
+              <a:latin typeface="微軟正黑體" panose="020B0604030504040204" pitchFamily="34" charset="-120"/>
+              <a:ea typeface="微軟正黑體" panose="020B0604030504040204" pitchFamily="34" charset="-120"/>
+            </a:endParaRPr>
+          </a:p>
+        </p:txBody>
+      </p:sp>
+      <p:sp>
+        <p:nvSpPr>
+          <p:cNvPr id="5" name="文字方塊 4">
+            <a:extLst>
+              <a:ext uri="{FF2B5EF4-FFF2-40B4-BE49-F238E27FC236}">
+                <a16:creationId xmlns:a16="http://schemas.microsoft.com/office/drawing/2014/main" id="{A4EEDBC4-302E-5AC7-C17A-242895E07ECA}"/>
+              </a:ext>
+            </a:extLst>
+          </p:cNvPr>
+          <p:cNvSpPr txBox="1"/>
+          <p:nvPr/>
+        </p:nvSpPr>
+        <p:spPr>
+          <a:xfrm>
+            <a:off x="2220805" y="1668325"/>
+            <a:ext cx="4702389" cy="837793"/>
+          </a:xfrm>
+          <a:prstGeom prst="rect">
+            <a:avLst/>
+          </a:prstGeom>
+          <a:noFill/>
+        </p:spPr>
+        <p:txBody>
+          <a:bodyPr wrap="square">
+            <a:spAutoFit/>
+          </a:bodyPr>
+          <a:lstStyle/>
+          <a:p>
+            <a:pPr marL="342900" indent="-342900">
+              <a:buFont typeface="+mj-lt"/>
+              <a:buAutoNum type="arabicPeriod"/>
+            </a:pPr>
+            <a:r>
+              <a:rPr lang="en-US" altLang="zh-TW" dirty="0">
+                <a:latin typeface="微軟正黑體" panose="020B0604030504040204" pitchFamily="34" charset="-120"/>
+                <a:ea typeface="微軟正黑體" panose="020B0604030504040204" pitchFamily="34" charset="-120"/>
+              </a:rPr>
+              <a:t>Python</a:t>
+            </a:r>
+            <a:r>
+              <a:rPr lang="zh-TW" altLang="en-US" dirty="0">
+                <a:latin typeface="微軟正黑體" panose="020B0604030504040204" pitchFamily="34" charset="-120"/>
+                <a:ea typeface="微軟正黑體" panose="020B0604030504040204" pitchFamily="34" charset="-120"/>
+              </a:rPr>
+              <a:t>環境安裝：</a:t>
+            </a:r>
+            <a:r>
+              <a:rPr lang="en-US" altLang="zh-TW" dirty="0">
+                <a:latin typeface="微軟正黑體" panose="020B0604030504040204" pitchFamily="34" charset="-120"/>
+                <a:ea typeface="微軟正黑體" panose="020B0604030504040204" pitchFamily="34" charset="-120"/>
+              </a:rPr>
+              <a:t>pip install </a:t>
+            </a:r>
+            <a:r>
+              <a:rPr lang="en-US" altLang="zh-TW" dirty="0" err="1">
+                <a:latin typeface="微軟正黑體" panose="020B0604030504040204" pitchFamily="34" charset="-120"/>
+                <a:ea typeface="微軟正黑體" panose="020B0604030504040204" pitchFamily="34" charset="-120"/>
+              </a:rPr>
+              <a:t>pymongo</a:t>
+            </a:r>
+            <a:endParaRPr lang="en-US" altLang="zh-TW" dirty="0">
+              <a:latin typeface="微軟正黑體" panose="020B0604030504040204" pitchFamily="34" charset="-120"/>
+              <a:ea typeface="微軟正黑體" panose="020B0604030504040204" pitchFamily="34" charset="-120"/>
+            </a:endParaRPr>
+          </a:p>
+          <a:p>
+            <a:pPr marL="342900" indent="-342900">
+              <a:lnSpc>
+                <a:spcPct val="200000"/>
+              </a:lnSpc>
+              <a:buFont typeface="+mj-lt"/>
+              <a:buAutoNum type="arabicPeriod"/>
+            </a:pPr>
+            <a:r>
+              <a:rPr lang="zh-TW" altLang="en-US" dirty="0">
+                <a:latin typeface="微軟正黑體" panose="020B0604030504040204" pitchFamily="34" charset="-120"/>
+                <a:ea typeface="微軟正黑體" panose="020B0604030504040204" pitchFamily="34" charset="-120"/>
+              </a:rPr>
+              <a:t>用</a:t>
+            </a:r>
+            <a:r>
+              <a:rPr lang="en-US" altLang="zh-TW" dirty="0">
+                <a:latin typeface="微軟正黑體" panose="020B0604030504040204" pitchFamily="34" charset="-120"/>
+                <a:ea typeface="微軟正黑體" panose="020B0604030504040204" pitchFamily="34" charset="-120"/>
+              </a:rPr>
+              <a:t>Python</a:t>
+            </a:r>
+            <a:r>
+              <a:rPr lang="zh-TW" altLang="en-US" dirty="0">
+                <a:latin typeface="微軟正黑體" panose="020B0604030504040204" pitchFamily="34" charset="-120"/>
+                <a:ea typeface="微軟正黑體" panose="020B0604030504040204" pitchFamily="34" charset="-120"/>
+              </a:rPr>
+              <a:t>執行 </a:t>
+            </a:r>
+            <a:r>
+              <a:rPr lang="en-US" altLang="zh-TW" dirty="0">
+                <a:latin typeface="微軟正黑體" panose="020B0604030504040204" pitchFamily="34" charset="-120"/>
+                <a:ea typeface="微軟正黑體" panose="020B0604030504040204" pitchFamily="34" charset="-120"/>
+              </a:rPr>
+              <a:t>demo_mongodb.py</a:t>
+            </a:r>
+            <a:endParaRPr lang="zh-TW" altLang="en-US" dirty="0">
+              <a:latin typeface="微軟正黑體" panose="020B0604030504040204" pitchFamily="34" charset="-120"/>
+              <a:ea typeface="微軟正黑體" panose="020B0604030504040204" pitchFamily="34" charset="-120"/>
+            </a:endParaRPr>
+          </a:p>
+        </p:txBody>
+      </p:sp>
+      <p:pic>
+        <p:nvPicPr>
+          <p:cNvPr id="4" name="圖片 3">
+            <a:extLst>
+              <a:ext uri="{FF2B5EF4-FFF2-40B4-BE49-F238E27FC236}">
+                <a16:creationId xmlns:a16="http://schemas.microsoft.com/office/drawing/2014/main" id="{4CD5E3C6-00F6-3665-CD79-0DB84E30B57A}"/>
+              </a:ext>
+            </a:extLst>
+          </p:cNvPr>
+          <p:cNvPicPr>
+            <a:picLocks noChangeAspect="1"/>
+          </p:cNvPicPr>
+          <p:nvPr/>
+        </p:nvPicPr>
+        <p:blipFill>
+          <a:blip r:embed="rId2"/>
+          <a:stretch>
+            <a:fillRect/>
+          </a:stretch>
+        </p:blipFill>
+        <p:spPr>
+          <a:xfrm>
+            <a:off x="1006997" y="2667546"/>
+            <a:ext cx="7130006" cy="3825328"/>
+          </a:xfrm>
+          <a:prstGeom prst="rect">
+            <a:avLst/>
+          </a:prstGeom>
+        </p:spPr>
+      </p:pic>
+    </p:spTree>
+    <p:extLst>
+      <p:ext uri="{BB962C8B-B14F-4D97-AF65-F5344CB8AC3E}">
+        <p14:creationId xmlns:p14="http://schemas.microsoft.com/office/powerpoint/2010/main" val="3630634984"/>
+      </p:ext>
+    </p:extLst>
+  </p:cSld>
+  <p:clrMapOvr>
+    <a:masterClrMapping/>
+  </p:clrMapOvr>
+</p:sld>
+</file>
+
+<file path=ppt/slides/slide27.xml><?xml version="1.0" encoding="utf-8"?>
+<p:sld xmlns:a="http://schemas.openxmlformats.org/drawingml/2006/main" xmlns:r="http://schemas.openxmlformats.org/officeDocument/2006/relationships" xmlns:p="http://schemas.openxmlformats.org/presentationml/2006/main">
+  <p:cSld>
+    <p:spTree>
+      <p:nvGrpSpPr>
+        <p:cNvPr id="1" name=""/>
+        <p:cNvGrpSpPr/>
+        <p:nvPr/>
+      </p:nvGrpSpPr>
+      <p:grpSpPr>
+        <a:xfrm>
+          <a:off x="0" y="0"/>
+          <a:ext cx="0" cy="0"/>
+          <a:chOff x="0" y="0"/>
+          <a:chExt cx="0" cy="0"/>
+        </a:xfrm>
+      </p:grpSpPr>
+      <p:sp>
+        <p:nvSpPr>
+          <p:cNvPr id="2" name="標題 1">
+            <a:extLst>
+              <a:ext uri="{FF2B5EF4-FFF2-40B4-BE49-F238E27FC236}">
+                <a16:creationId xmlns:a16="http://schemas.microsoft.com/office/drawing/2014/main" id="{90520305-58B7-D199-A83C-05DD62028D05}"/>
+              </a:ext>
+            </a:extLst>
+          </p:cNvPr>
+          <p:cNvSpPr>
+            <a:spLocks noGrp="1"/>
+          </p:cNvSpPr>
+          <p:nvPr>
+            <p:ph type="title"/>
+          </p:nvPr>
+        </p:nvSpPr>
+        <p:spPr/>
+        <p:txBody>
+          <a:bodyPr/>
+          <a:lstStyle/>
+          <a:p>
+            <a:r>
+              <a:rPr lang="zh-TW" altLang="en-US" dirty="0">
+                <a:latin typeface="微軟正黑體" panose="020B0604030504040204" pitchFamily="34" charset="-120"/>
+                <a:ea typeface="微軟正黑體" panose="020B0604030504040204" pitchFamily="34" charset="-120"/>
+              </a:rPr>
+              <a:t>用 </a:t>
+            </a:r>
+            <a:r>
+              <a:rPr lang="en-US" altLang="zh-TW" dirty="0">
+                <a:latin typeface="微軟正黑體" panose="020B0604030504040204" pitchFamily="34" charset="-120"/>
+                <a:ea typeface="微軟正黑體" panose="020B0604030504040204" pitchFamily="34" charset="-120"/>
+              </a:rPr>
+              <a:t>Flask</a:t>
+            </a:r>
+            <a:r>
+              <a:rPr lang="zh-TW" altLang="en-US" dirty="0">
+                <a:latin typeface="微軟正黑體" panose="020B0604030504040204" pitchFamily="34" charset="-120"/>
+                <a:ea typeface="微軟正黑體" panose="020B0604030504040204" pitchFamily="34" charset="-120"/>
+              </a:rPr>
+              <a:t> 架設 </a:t>
+            </a:r>
+            <a:r>
+              <a:rPr lang="en-US" altLang="zh-TW" dirty="0">
+                <a:latin typeface="微軟正黑體" panose="020B0604030504040204" pitchFamily="34" charset="-120"/>
+                <a:ea typeface="微軟正黑體" panose="020B0604030504040204" pitchFamily="34" charset="-120"/>
+              </a:rPr>
+              <a:t>Web Server</a:t>
+            </a:r>
+            <a:endParaRPr lang="zh-TW" altLang="en-US" dirty="0">
+              <a:latin typeface="微軟正黑體" panose="020B0604030504040204" pitchFamily="34" charset="-120"/>
+              <a:ea typeface="微軟正黑體" panose="020B0604030504040204" pitchFamily="34" charset="-120"/>
+            </a:endParaRPr>
+          </a:p>
+        </p:txBody>
+      </p:sp>
+      <p:sp>
+        <p:nvSpPr>
+          <p:cNvPr id="5" name="文字方塊 4">
+            <a:extLst>
+              <a:ext uri="{FF2B5EF4-FFF2-40B4-BE49-F238E27FC236}">
+                <a16:creationId xmlns:a16="http://schemas.microsoft.com/office/drawing/2014/main" id="{A4EEDBC4-302E-5AC7-C17A-242895E07ECA}"/>
+              </a:ext>
+            </a:extLst>
+          </p:cNvPr>
+          <p:cNvSpPr txBox="1"/>
+          <p:nvPr/>
+        </p:nvSpPr>
+        <p:spPr>
+          <a:xfrm>
+            <a:off x="1455343" y="1690689"/>
+            <a:ext cx="6233313" cy="1668790"/>
+          </a:xfrm>
+          <a:prstGeom prst="rect">
+            <a:avLst/>
+          </a:prstGeom>
+          <a:noFill/>
+        </p:spPr>
+        <p:txBody>
+          <a:bodyPr wrap="square">
+            <a:spAutoFit/>
+          </a:bodyPr>
+          <a:lstStyle/>
+          <a:p>
+            <a:pPr marL="342900" indent="-342900">
+              <a:lnSpc>
+                <a:spcPct val="200000"/>
+              </a:lnSpc>
+              <a:buFont typeface="+mj-lt"/>
+              <a:buAutoNum type="arabicPeriod"/>
+            </a:pPr>
+            <a:r>
+              <a:rPr lang="en-US" altLang="zh-TW" dirty="0">
+                <a:latin typeface="微軟正黑體" panose="020B0604030504040204" pitchFamily="34" charset="-120"/>
+                <a:ea typeface="微軟正黑體" panose="020B0604030504040204" pitchFamily="34" charset="-120"/>
+              </a:rPr>
+              <a:t>Python</a:t>
+            </a:r>
+            <a:r>
+              <a:rPr lang="zh-TW" altLang="en-US" dirty="0">
+                <a:latin typeface="微軟正黑體" panose="020B0604030504040204" pitchFamily="34" charset="-120"/>
+                <a:ea typeface="微軟正黑體" panose="020B0604030504040204" pitchFamily="34" charset="-120"/>
+              </a:rPr>
+              <a:t>環境安裝：</a:t>
+            </a:r>
+            <a:r>
+              <a:rPr lang="en-US" altLang="zh-TW" dirty="0">
+                <a:latin typeface="微軟正黑體" panose="020B0604030504040204" pitchFamily="34" charset="-120"/>
+                <a:ea typeface="微軟正黑體" panose="020B0604030504040204" pitchFamily="34" charset="-120"/>
+              </a:rPr>
+              <a:t>pip install flask </a:t>
+            </a:r>
+            <a:r>
+              <a:rPr lang="en-US" altLang="zh-TW" dirty="0" err="1">
+                <a:latin typeface="微軟正黑體" panose="020B0604030504040204" pitchFamily="34" charset="-120"/>
+                <a:ea typeface="微軟正黑體" panose="020B0604030504040204" pitchFamily="34" charset="-120"/>
+              </a:rPr>
+              <a:t>flask_cors</a:t>
+            </a:r>
+            <a:endParaRPr lang="en-US" altLang="zh-TW" dirty="0">
+              <a:latin typeface="微軟正黑體" panose="020B0604030504040204" pitchFamily="34" charset="-120"/>
+              <a:ea typeface="微軟正黑體" panose="020B0604030504040204" pitchFamily="34" charset="-120"/>
+            </a:endParaRPr>
+          </a:p>
+          <a:p>
+            <a:pPr marL="342900" indent="-342900">
+              <a:lnSpc>
+                <a:spcPct val="200000"/>
+              </a:lnSpc>
+              <a:buFont typeface="+mj-lt"/>
+              <a:buAutoNum type="arabicPeriod"/>
+            </a:pPr>
+            <a:r>
+              <a:rPr lang="zh-TW" altLang="en-US" dirty="0">
+                <a:latin typeface="微軟正黑體" panose="020B0604030504040204" pitchFamily="34" charset="-120"/>
+                <a:ea typeface="微軟正黑體" panose="020B0604030504040204" pitchFamily="34" charset="-120"/>
+              </a:rPr>
+              <a:t>用</a:t>
+            </a:r>
+            <a:r>
+              <a:rPr lang="en-US" altLang="zh-TW" dirty="0">
+                <a:latin typeface="微軟正黑體" panose="020B0604030504040204" pitchFamily="34" charset="-120"/>
+                <a:ea typeface="微軟正黑體" panose="020B0604030504040204" pitchFamily="34" charset="-120"/>
+              </a:rPr>
+              <a:t>Python</a:t>
+            </a:r>
+            <a:r>
+              <a:rPr lang="zh-TW" altLang="en-US" dirty="0">
+                <a:latin typeface="微軟正黑體" panose="020B0604030504040204" pitchFamily="34" charset="-120"/>
+                <a:ea typeface="微軟正黑體" panose="020B0604030504040204" pitchFamily="34" charset="-120"/>
+              </a:rPr>
+              <a:t>執行 </a:t>
+            </a:r>
+            <a:r>
+              <a:rPr lang="en-US" altLang="zh-TW" dirty="0">
+                <a:latin typeface="微軟正黑體" panose="020B0604030504040204" pitchFamily="34" charset="-120"/>
+                <a:ea typeface="微軟正黑體" panose="020B0604030504040204" pitchFamily="34" charset="-120"/>
+              </a:rPr>
+              <a:t>demo_flask.py</a:t>
+            </a:r>
+          </a:p>
+          <a:p>
+            <a:pPr marL="342900" indent="-342900">
+              <a:lnSpc>
+                <a:spcPct val="200000"/>
+              </a:lnSpc>
+              <a:buFont typeface="+mj-lt"/>
+              <a:buAutoNum type="arabicPeriod"/>
+            </a:pPr>
+            <a:r>
+              <a:rPr lang="zh-TW" altLang="en-US" dirty="0">
+                <a:latin typeface="微軟正黑體" panose="020B0604030504040204" pitchFamily="34" charset="-120"/>
+                <a:ea typeface="微軟正黑體" panose="020B0604030504040204" pitchFamily="34" charset="-120"/>
+              </a:rPr>
+              <a:t>開啟瀏覽器進入</a:t>
+            </a:r>
+            <a:r>
+              <a:rPr lang="en-US" altLang="zh-TW" dirty="0">
+                <a:latin typeface="微軟正黑體" panose="020B0604030504040204" pitchFamily="34" charset="-120"/>
+                <a:ea typeface="微軟正黑體" panose="020B0604030504040204" pitchFamily="34" charset="-120"/>
+                <a:hlinkClick r:id="rId2"/>
+              </a:rPr>
+              <a:t>http://localhost:5000/</a:t>
+            </a:r>
+            <a:endParaRPr lang="zh-TW" altLang="en-US" dirty="0">
+              <a:latin typeface="微軟正黑體" panose="020B0604030504040204" pitchFamily="34" charset="-120"/>
+              <a:ea typeface="微軟正黑體" panose="020B0604030504040204" pitchFamily="34" charset="-120"/>
+            </a:endParaRPr>
+          </a:p>
+        </p:txBody>
+      </p:sp>
+      <p:pic>
+        <p:nvPicPr>
+          <p:cNvPr id="4" name="圖片 3">
+            <a:extLst>
+              <a:ext uri="{FF2B5EF4-FFF2-40B4-BE49-F238E27FC236}">
+                <a16:creationId xmlns:a16="http://schemas.microsoft.com/office/drawing/2014/main" id="{AAEB2DC1-18FE-811F-2B8E-99276DDB4770}"/>
+              </a:ext>
+            </a:extLst>
+          </p:cNvPr>
+          <p:cNvPicPr>
+            <a:picLocks noChangeAspect="1"/>
+          </p:cNvPicPr>
+          <p:nvPr/>
+        </p:nvPicPr>
+        <p:blipFill>
+          <a:blip r:embed="rId3"/>
+          <a:stretch>
+            <a:fillRect/>
+          </a:stretch>
+        </p:blipFill>
+        <p:spPr>
+          <a:xfrm>
+            <a:off x="473603" y="4276712"/>
+            <a:ext cx="5459634" cy="1345023"/>
+          </a:xfrm>
+          <a:prstGeom prst="rect">
+            <a:avLst/>
+          </a:prstGeom>
+        </p:spPr>
+      </p:pic>
+      <p:pic>
+        <p:nvPicPr>
+          <p:cNvPr id="9" name="圖片 8">
+            <a:extLst>
+              <a:ext uri="{FF2B5EF4-FFF2-40B4-BE49-F238E27FC236}">
+                <a16:creationId xmlns:a16="http://schemas.microsoft.com/office/drawing/2014/main" id="{D63AAEEF-B357-078B-871D-70A0518BFB52}"/>
+              </a:ext>
+            </a:extLst>
+          </p:cNvPr>
+          <p:cNvPicPr>
+            <a:picLocks noChangeAspect="1"/>
+          </p:cNvPicPr>
+          <p:nvPr/>
+        </p:nvPicPr>
+        <p:blipFill>
+          <a:blip r:embed="rId4"/>
+          <a:stretch>
+            <a:fillRect/>
+          </a:stretch>
+        </p:blipFill>
+        <p:spPr>
+          <a:xfrm>
+            <a:off x="4571999" y="3618790"/>
+            <a:ext cx="4254001" cy="2660869"/>
+          </a:xfrm>
+          <a:prstGeom prst="rect">
+            <a:avLst/>
+          </a:prstGeom>
+        </p:spPr>
+      </p:pic>
+    </p:spTree>
+    <p:extLst>
+      <p:ext uri="{BB962C8B-B14F-4D97-AF65-F5344CB8AC3E}">
+        <p14:creationId xmlns:p14="http://schemas.microsoft.com/office/powerpoint/2010/main" val="679999422"/>
+      </p:ext>
+    </p:extLst>
+  </p:cSld>
+  <p:clrMapOvr>
+    <a:masterClrMapping/>
+  </p:clrMapOvr>
+</p:sld>
+</file>
+
+<file path=ppt/slides/slide28.xml><?xml version="1.0" encoding="utf-8"?>
+<p:sld xmlns:a="http://schemas.openxmlformats.org/drawingml/2006/main" xmlns:r="http://schemas.openxmlformats.org/officeDocument/2006/relationships" xmlns:p="http://schemas.openxmlformats.org/presentationml/2006/main">
+  <p:cSld>
+    <p:spTree>
+      <p:nvGrpSpPr>
+        <p:cNvPr id="1" name=""/>
+        <p:cNvGrpSpPr/>
+        <p:nvPr/>
+      </p:nvGrpSpPr>
+      <p:grpSpPr>
+        <a:xfrm>
+          <a:off x="0" y="0"/>
+          <a:ext cx="0" cy="0"/>
+          <a:chOff x="0" y="0"/>
+          <a:chExt cx="0" cy="0"/>
+        </a:xfrm>
+      </p:grpSpPr>
+      <p:sp>
+        <p:nvSpPr>
+          <p:cNvPr id="2" name="標題 1">
+            <a:extLst>
+              <a:ext uri="{FF2B5EF4-FFF2-40B4-BE49-F238E27FC236}">
+                <a16:creationId xmlns:a16="http://schemas.microsoft.com/office/drawing/2014/main" id="{90520305-58B7-D199-A83C-05DD62028D05}"/>
+              </a:ext>
+            </a:extLst>
+          </p:cNvPr>
+          <p:cNvSpPr>
+            <a:spLocks noGrp="1"/>
+          </p:cNvSpPr>
+          <p:nvPr>
+            <p:ph type="title"/>
+          </p:nvPr>
+        </p:nvSpPr>
+        <p:spPr/>
+        <p:txBody>
+          <a:bodyPr/>
+          <a:lstStyle/>
+          <a:p>
+            <a:r>
+              <a:rPr lang="en-US" altLang="zh-TW" dirty="0">
+                <a:latin typeface="微軟正黑體" panose="020B0604030504040204" pitchFamily="34" charset="-120"/>
+                <a:ea typeface="微軟正黑體" panose="020B0604030504040204" pitchFamily="34" charset="-120"/>
+              </a:rPr>
               <a:t>Web API</a:t>
             </a:r>
             <a:endParaRPr lang="zh-TW" altLang="en-US" dirty="0">
@@ -8086,7 +8465,7 @@
 </p:sld>
 </file>
 
-<file path=ppt/slides/slide27.xml><?xml version="1.0" encoding="utf-8"?>
+<file path=ppt/slides/slide29.xml><?xml version="1.0" encoding="utf-8"?>
 <p:sld xmlns:a="http://schemas.openxmlformats.org/drawingml/2006/main" xmlns:r="http://schemas.openxmlformats.org/officeDocument/2006/relationships" xmlns:p="http://schemas.openxmlformats.org/presentationml/2006/main">
   <p:cSld>
     <p:spTree>

--- a/MongoDB資料庫-基礎教學.pptx
+++ b/MongoDB資料庫-基礎教學.pptx
@@ -5689,7 +5689,7 @@
                 <a:latin typeface="微軟正黑體" panose="020B0604030504040204" pitchFamily="34" charset="-120"/>
                 <a:ea typeface="微軟正黑體" panose="020B0604030504040204" pitchFamily="34" charset="-120"/>
               </a:rPr>
-              <a:t> 進階應用</a:t>
+              <a:t> 索引設計</a:t>
             </a:r>
             <a:endParaRPr lang="zh-TW" altLang="en-US" sz="3200" dirty="0">
               <a:latin typeface="微軟正黑體" panose="020B0604030504040204" pitchFamily="34" charset="-120"/>
@@ -5698,6 +5698,90 @@
           </a:p>
         </p:txBody>
       </p:sp>
+      <p:sp>
+        <p:nvSpPr>
+          <p:cNvPr id="4" name="文字方塊 3">
+            <a:extLst>
+              <a:ext uri="{FF2B5EF4-FFF2-40B4-BE49-F238E27FC236}">
+                <a16:creationId xmlns:a16="http://schemas.microsoft.com/office/drawing/2014/main" id="{C4E595B2-391A-6D43-B195-97F9430CEBF7}"/>
+              </a:ext>
+            </a:extLst>
+          </p:cNvPr>
+          <p:cNvSpPr txBox="1"/>
+          <p:nvPr/>
+        </p:nvSpPr>
+        <p:spPr>
+          <a:xfrm>
+            <a:off x="1615440" y="6031915"/>
+            <a:ext cx="5913120" cy="369332"/>
+          </a:xfrm>
+          <a:prstGeom prst="rect">
+            <a:avLst/>
+          </a:prstGeom>
+          <a:noFill/>
+        </p:spPr>
+        <p:txBody>
+          <a:bodyPr wrap="square">
+            <a:spAutoFit/>
+          </a:bodyPr>
+          <a:lstStyle/>
+          <a:p>
+            <a:pPr algn="ctr"/>
+            <a:r>
+              <a:rPr lang="zh-TW" altLang="en-US" dirty="0">
+                <a:hlinkClick r:id="rId2"/>
+              </a:rPr>
+              <a:t>https://ithelp.ithome.com.tw/articles/10248365</a:t>
+            </a:r>
+            <a:endParaRPr lang="zh-TW" altLang="en-US" dirty="0"/>
+          </a:p>
+        </p:txBody>
+      </p:sp>
+      <p:pic>
+        <p:nvPicPr>
+          <p:cNvPr id="1026" name="Picture 2">
+            <a:extLst>
+              <a:ext uri="{FF2B5EF4-FFF2-40B4-BE49-F238E27FC236}">
+                <a16:creationId xmlns:a16="http://schemas.microsoft.com/office/drawing/2014/main" id="{594F1041-5663-873E-45A9-00E9413CF20F}"/>
+              </a:ext>
+            </a:extLst>
+          </p:cNvPr>
+          <p:cNvPicPr>
+            <a:picLocks noChangeAspect="1" noChangeArrowheads="1"/>
+          </p:cNvPicPr>
+          <p:nvPr/>
+        </p:nvPicPr>
+        <p:blipFill rotWithShape="1">
+          <a:blip r:embed="rId3">
+            <a:extLst>
+              <a:ext uri="{28A0092B-C50C-407E-A947-70E740481C1C}">
+                <a14:useLocalDpi xmlns:a14="http://schemas.microsoft.com/office/drawing/2010/main" val="0"/>
+              </a:ext>
+            </a:extLst>
+          </a:blip>
+          <a:srcRect t="23047" r="4205"/>
+          <a:stretch/>
+        </p:blipFill>
+        <p:spPr bwMode="auto">
+          <a:xfrm>
+            <a:off x="406400" y="2028429"/>
+            <a:ext cx="8331200" cy="3156876"/>
+          </a:xfrm>
+          <a:prstGeom prst="rect">
+            <a:avLst/>
+          </a:prstGeom>
+          <a:noFill/>
+          <a:extLst>
+            <a:ext uri="{909E8E84-426E-40DD-AFC4-6F175D3DCCD1}">
+              <a14:hiddenFill xmlns:a14="http://schemas.microsoft.com/office/drawing/2010/main">
+                <a:solidFill>
+                  <a:srgbClr val="FFFFFF"/>
+                </a:solidFill>
+              </a14:hiddenFill>
+            </a:ext>
+          </a:extLst>
+        </p:spPr>
+      </p:pic>
     </p:spTree>
     <p:extLst>
       <p:ext uri="{BB962C8B-B14F-4D97-AF65-F5344CB8AC3E}">
@@ -5761,7 +5845,7 @@
                 <a:latin typeface="微軟正黑體" panose="020B0604030504040204" pitchFamily="34" charset="-120"/>
                 <a:ea typeface="微軟正黑體" panose="020B0604030504040204" pitchFamily="34" charset="-120"/>
               </a:rPr>
-              <a:t> 進階設計</a:t>
+              <a:t> 架構設計</a:t>
             </a:r>
             <a:endParaRPr lang="zh-TW" altLang="en-US" sz="3200" dirty="0">
               <a:latin typeface="微軟正黑體" panose="020B0604030504040204" pitchFamily="34" charset="-120"/>
@@ -10722,6 +10806,104 @@
           </a:ln>
         </p:spPr>
       </p:pic>
+      <p:sp>
+        <p:nvSpPr>
+          <p:cNvPr id="9" name="文字方塊 8">
+            <a:extLst>
+              <a:ext uri="{FF2B5EF4-FFF2-40B4-BE49-F238E27FC236}">
+                <a16:creationId xmlns:a16="http://schemas.microsoft.com/office/drawing/2014/main" id="{6E1B8E6B-F79F-4430-44EC-F72C7BDE3173}"/>
+              </a:ext>
+            </a:extLst>
+          </p:cNvPr>
+          <p:cNvSpPr txBox="1"/>
+          <p:nvPr/>
+        </p:nvSpPr>
+        <p:spPr>
+          <a:xfrm>
+            <a:off x="2536072" y="4477433"/>
+            <a:ext cx="1513840" cy="369332"/>
+          </a:xfrm>
+          <a:prstGeom prst="rect">
+            <a:avLst/>
+          </a:prstGeom>
+          <a:noFill/>
+        </p:spPr>
+        <p:txBody>
+          <a:bodyPr wrap="square">
+            <a:spAutoFit/>
+          </a:bodyPr>
+          <a:lstStyle/>
+          <a:p>
+            <a:r>
+              <a:rPr lang="en-US" altLang="zh-TW" sz="1800" dirty="0">
+                <a:solidFill>
+                  <a:srgbClr val="4CB062"/>
+                </a:solidFill>
+                <a:effectLst/>
+                <a:highlight>
+                  <a:srgbClr val="C0C0C0"/>
+                </a:highlight>
+                <a:latin typeface="Consolas" panose="020B0609020204030204" pitchFamily="49" charset="0"/>
+                <a:ea typeface="標楷體" panose="03000509000000000000" pitchFamily="65" charset="-120"/>
+              </a:rPr>
+              <a:t>0965481316</a:t>
+            </a:r>
+            <a:endParaRPr lang="zh-TW" altLang="en-US" dirty="0">
+              <a:solidFill>
+                <a:srgbClr val="4CB062"/>
+              </a:solidFill>
+              <a:highlight>
+                <a:srgbClr val="C0C0C0"/>
+              </a:highlight>
+              <a:latin typeface="Consolas" panose="020B0609020204030204" pitchFamily="49" charset="0"/>
+            </a:endParaRPr>
+          </a:p>
+        </p:txBody>
+      </p:sp>
+      <p:sp>
+        <p:nvSpPr>
+          <p:cNvPr id="11" name="文字方塊 10">
+            <a:extLst>
+              <a:ext uri="{FF2B5EF4-FFF2-40B4-BE49-F238E27FC236}">
+                <a16:creationId xmlns:a16="http://schemas.microsoft.com/office/drawing/2014/main" id="{5F46F141-6C9C-F6B2-C198-CAA617FFDAA1}"/>
+              </a:ext>
+            </a:extLst>
+          </p:cNvPr>
+          <p:cNvSpPr txBox="1"/>
+          <p:nvPr/>
+        </p:nvSpPr>
+        <p:spPr>
+          <a:xfrm>
+            <a:off x="1677552" y="5028162"/>
+            <a:ext cx="1513840" cy="369332"/>
+          </a:xfrm>
+          <a:prstGeom prst="rect">
+            <a:avLst/>
+          </a:prstGeom>
+          <a:noFill/>
+        </p:spPr>
+        <p:txBody>
+          <a:bodyPr wrap="square">
+            <a:spAutoFit/>
+          </a:bodyPr>
+          <a:lstStyle/>
+          <a:p>
+            <a:r>
+              <a:rPr lang="zh-TW" altLang="en-US" dirty="0">
+                <a:solidFill>
+                  <a:srgbClr val="4CB062"/>
+                </a:solidFill>
+                <a:highlight>
+                  <a:srgbClr val="C0C0C0"/>
+                </a:highlight>
+                <a:latin typeface="細明體" panose="02020509000000000000" pitchFamily="49" charset="-120"/>
+                <a:ea typeface="細明體" panose="02020509000000000000" pitchFamily="49" charset="-120"/>
+              </a:rPr>
+              <a:t>功課很好</a:t>
+            </a:r>
+          </a:p>
+        </p:txBody>
+      </p:sp>
     </p:spTree>
     <p:extLst>
       <p:ext uri="{BB962C8B-B14F-4D97-AF65-F5344CB8AC3E}">
